--- a/fall11/slidesF11/slides9f.pptx
+++ b/fall11/slidesF11/slides9f.pptx
@@ -5,10 +5,10 @@
     <p:sldMasterId id="2147483648" r:id="rId1"/>
   </p:sldMasterIdLst>
   <p:notesMasterIdLst>
-    <p:notesMasterId r:id="rId39"/>
+    <p:notesMasterId r:id="rId40"/>
   </p:notesMasterIdLst>
   <p:handoutMasterIdLst>
-    <p:handoutMasterId r:id="rId40"/>
+    <p:handoutMasterId r:id="rId41"/>
   </p:handoutMasterIdLst>
   <p:sldIdLst>
     <p:sldId id="371" r:id="rId2"/>
@@ -24,35 +24,36 @@
     <p:sldId id="368" r:id="rId12"/>
     <p:sldId id="300" r:id="rId13"/>
     <p:sldId id="331" r:id="rId14"/>
-    <p:sldId id="367" r:id="rId15"/>
-    <p:sldId id="369" r:id="rId16"/>
-    <p:sldId id="333" r:id="rId17"/>
-    <p:sldId id="334" r:id="rId18"/>
-    <p:sldId id="306" r:id="rId19"/>
-    <p:sldId id="407" r:id="rId20"/>
-    <p:sldId id="324" r:id="rId21"/>
-    <p:sldId id="408" r:id="rId22"/>
-    <p:sldId id="338" r:id="rId23"/>
-    <p:sldId id="337" r:id="rId24"/>
-    <p:sldId id="403" r:id="rId25"/>
-    <p:sldId id="396" r:id="rId26"/>
-    <p:sldId id="401" r:id="rId27"/>
-    <p:sldId id="409" r:id="rId28"/>
-    <p:sldId id="410" r:id="rId29"/>
-    <p:sldId id="411" r:id="rId30"/>
-    <p:sldId id="358" r:id="rId31"/>
-    <p:sldId id="406" r:id="rId32"/>
-    <p:sldId id="418" r:id="rId33"/>
-    <p:sldId id="413" r:id="rId34"/>
-    <p:sldId id="414" r:id="rId35"/>
-    <p:sldId id="415" r:id="rId36"/>
-    <p:sldId id="416" r:id="rId37"/>
-    <p:sldId id="417" r:id="rId38"/>
+    <p:sldId id="419" r:id="rId15"/>
+    <p:sldId id="367" r:id="rId16"/>
+    <p:sldId id="369" r:id="rId17"/>
+    <p:sldId id="333" r:id="rId18"/>
+    <p:sldId id="334" r:id="rId19"/>
+    <p:sldId id="306" r:id="rId20"/>
+    <p:sldId id="407" r:id="rId21"/>
+    <p:sldId id="324" r:id="rId22"/>
+    <p:sldId id="408" r:id="rId23"/>
+    <p:sldId id="338" r:id="rId24"/>
+    <p:sldId id="337" r:id="rId25"/>
+    <p:sldId id="403" r:id="rId26"/>
+    <p:sldId id="396" r:id="rId27"/>
+    <p:sldId id="401" r:id="rId28"/>
+    <p:sldId id="409" r:id="rId29"/>
+    <p:sldId id="410" r:id="rId30"/>
+    <p:sldId id="411" r:id="rId31"/>
+    <p:sldId id="358" r:id="rId32"/>
+    <p:sldId id="406" r:id="rId33"/>
+    <p:sldId id="418" r:id="rId34"/>
+    <p:sldId id="413" r:id="rId35"/>
+    <p:sldId id="414" r:id="rId36"/>
+    <p:sldId id="415" r:id="rId37"/>
+    <p:sldId id="416" r:id="rId38"/>
+    <p:sldId id="417" r:id="rId39"/>
   </p:sldIdLst>
   <p:sldSz cx="9144000" cy="6858000" type="screen4x3"/>
   <p:notesSz cx="7315200" cy="9601200"/>
   <p:custDataLst>
-    <p:tags r:id="rId42"/>
+    <p:tags r:id="rId43"/>
   </p:custDataLst>
   <p:defaultTextStyle>
     <a:defPPr>
@@ -1317,7 +1318,7 @@
       </p:grpSpPr>
       <p:sp>
         <p:nvSpPr>
-          <p:cNvPr id="118786" name="Rectangle 7"/>
+          <p:cNvPr id="117762" name="Rectangle 7"/>
           <p:cNvSpPr>
             <a:spLocks noGrp="1" noChangeArrowheads="1"/>
           </p:cNvSpPr>
@@ -1332,7 +1333,7 @@
           <a:bodyPr/>
           <a:lstStyle/>
           <a:p>
-            <a:fld id="{E959C6A8-815B-47F0-88FC-956E6F14B514}" type="slidenum">
+            <a:fld id="{9C0E9BE3-AE1F-425C-85FE-6159F33BF483}" type="slidenum">
               <a:rPr lang="en-US" smtClean="0"/>
               <a:pPr/>
               <a:t>14</a:t>
@@ -1343,7 +1344,7 @@
       </p:sp>
       <p:sp>
         <p:nvSpPr>
-          <p:cNvPr id="118787" name="Rectangle 2"/>
+          <p:cNvPr id="117763" name="Rectangle 2"/>
           <p:cNvSpPr>
             <a:spLocks noGrp="1" noRot="1" noChangeAspect="1" noChangeArrowheads="1" noTextEdit="1"/>
           </p:cNvSpPr>
@@ -1357,7 +1358,7 @@
       </p:sp>
       <p:sp>
         <p:nvSpPr>
-          <p:cNvPr id="118788" name="Rectangle 3"/>
+          <p:cNvPr id="117764" name="Rectangle 3"/>
           <p:cNvSpPr>
             <a:spLocks noGrp="1" noChangeArrowheads="1"/>
           </p:cNvSpPr>
@@ -1405,7 +1406,7 @@
       </p:grpSpPr>
       <p:sp>
         <p:nvSpPr>
-          <p:cNvPr id="119810" name="Rectangle 7"/>
+          <p:cNvPr id="118786" name="Rectangle 7"/>
           <p:cNvSpPr>
             <a:spLocks noGrp="1" noChangeArrowheads="1"/>
           </p:cNvSpPr>
@@ -1420,7 +1421,7 @@
           <a:bodyPr/>
           <a:lstStyle/>
           <a:p>
-            <a:fld id="{19B1AB24-532E-427F-B44C-739BBACFE522}" type="slidenum">
+            <a:fld id="{E959C6A8-815B-47F0-88FC-956E6F14B514}" type="slidenum">
               <a:rPr lang="en-US" smtClean="0"/>
               <a:pPr/>
               <a:t>15</a:t>
@@ -1431,7 +1432,7 @@
       </p:sp>
       <p:sp>
         <p:nvSpPr>
-          <p:cNvPr id="119811" name="Rectangle 2"/>
+          <p:cNvPr id="118787" name="Rectangle 2"/>
           <p:cNvSpPr>
             <a:spLocks noGrp="1" noRot="1" noChangeAspect="1" noChangeArrowheads="1" noTextEdit="1"/>
           </p:cNvSpPr>
@@ -1445,7 +1446,7 @@
       </p:sp>
       <p:sp>
         <p:nvSpPr>
-          <p:cNvPr id="119812" name="Rectangle 3"/>
+          <p:cNvPr id="118788" name="Rectangle 3"/>
           <p:cNvSpPr>
             <a:spLocks noGrp="1" noChangeArrowheads="1"/>
           </p:cNvSpPr>
@@ -1493,7 +1494,7 @@
       </p:grpSpPr>
       <p:sp>
         <p:nvSpPr>
-          <p:cNvPr id="120834" name="Rectangle 7"/>
+          <p:cNvPr id="119810" name="Rectangle 7"/>
           <p:cNvSpPr>
             <a:spLocks noGrp="1" noChangeArrowheads="1"/>
           </p:cNvSpPr>
@@ -1508,7 +1509,7 @@
           <a:bodyPr/>
           <a:lstStyle/>
           <a:p>
-            <a:fld id="{7711CD6F-5A65-479E-B8BE-51B3679B5545}" type="slidenum">
+            <a:fld id="{19B1AB24-532E-427F-B44C-739BBACFE522}" type="slidenum">
               <a:rPr lang="en-US" smtClean="0"/>
               <a:pPr/>
               <a:t>16</a:t>
@@ -1519,7 +1520,7 @@
       </p:sp>
       <p:sp>
         <p:nvSpPr>
-          <p:cNvPr id="120835" name="Rectangle 2"/>
+          <p:cNvPr id="119811" name="Rectangle 2"/>
           <p:cNvSpPr>
             <a:spLocks noGrp="1" noRot="1" noChangeAspect="1" noChangeArrowheads="1" noTextEdit="1"/>
           </p:cNvSpPr>
@@ -1533,7 +1534,7 @@
       </p:sp>
       <p:sp>
         <p:nvSpPr>
-          <p:cNvPr id="120836" name="Rectangle 3"/>
+          <p:cNvPr id="119812" name="Rectangle 3"/>
           <p:cNvSpPr>
             <a:spLocks noGrp="1" noChangeArrowheads="1"/>
           </p:cNvSpPr>
@@ -1581,7 +1582,7 @@
       </p:grpSpPr>
       <p:sp>
         <p:nvSpPr>
-          <p:cNvPr id="121858" name="Rectangle 7"/>
+          <p:cNvPr id="120834" name="Rectangle 7"/>
           <p:cNvSpPr>
             <a:spLocks noGrp="1" noChangeArrowheads="1"/>
           </p:cNvSpPr>
@@ -1596,7 +1597,7 @@
           <a:bodyPr/>
           <a:lstStyle/>
           <a:p>
-            <a:fld id="{3D28F6C0-F4BB-495E-8DF2-695CD966C460}" type="slidenum">
+            <a:fld id="{7711CD6F-5A65-479E-B8BE-51B3679B5545}" type="slidenum">
               <a:rPr lang="en-US" smtClean="0"/>
               <a:pPr/>
               <a:t>17</a:t>
@@ -1607,7 +1608,7 @@
       </p:sp>
       <p:sp>
         <p:nvSpPr>
-          <p:cNvPr id="121859" name="Rectangle 2"/>
+          <p:cNvPr id="120835" name="Rectangle 2"/>
           <p:cNvSpPr>
             <a:spLocks noGrp="1" noRot="1" noChangeAspect="1" noChangeArrowheads="1" noTextEdit="1"/>
           </p:cNvSpPr>
@@ -1621,7 +1622,7 @@
       </p:sp>
       <p:sp>
         <p:nvSpPr>
-          <p:cNvPr id="121860" name="Rectangle 3"/>
+          <p:cNvPr id="120836" name="Rectangle 3"/>
           <p:cNvSpPr>
             <a:spLocks noGrp="1" noChangeArrowheads="1"/>
           </p:cNvSpPr>
@@ -1669,7 +1670,7 @@
       </p:grpSpPr>
       <p:sp>
         <p:nvSpPr>
-          <p:cNvPr id="122882" name="Rectangle 7"/>
+          <p:cNvPr id="121858" name="Rectangle 7"/>
           <p:cNvSpPr>
             <a:spLocks noGrp="1" noChangeArrowheads="1"/>
           </p:cNvSpPr>
@@ -1684,7 +1685,7 @@
           <a:bodyPr/>
           <a:lstStyle/>
           <a:p>
-            <a:fld id="{A8CCB76F-6150-439F-BF37-D33D25DB4EC0}" type="slidenum">
+            <a:fld id="{3D28F6C0-F4BB-495E-8DF2-695CD966C460}" type="slidenum">
               <a:rPr lang="en-US" smtClean="0"/>
               <a:pPr/>
               <a:t>18</a:t>
@@ -1695,7 +1696,7 @@
       </p:sp>
       <p:sp>
         <p:nvSpPr>
-          <p:cNvPr id="122883" name="Rectangle 2"/>
+          <p:cNvPr id="121859" name="Rectangle 2"/>
           <p:cNvSpPr>
             <a:spLocks noGrp="1" noRot="1" noChangeAspect="1" noChangeArrowheads="1" noTextEdit="1"/>
           </p:cNvSpPr>
@@ -1709,7 +1710,7 @@
       </p:sp>
       <p:sp>
         <p:nvSpPr>
-          <p:cNvPr id="122884" name="Rectangle 3"/>
+          <p:cNvPr id="121860" name="Rectangle 3"/>
           <p:cNvSpPr>
             <a:spLocks noGrp="1" noChangeArrowheads="1"/>
           </p:cNvSpPr>
@@ -1757,63 +1758,64 @@
       </p:grpSpPr>
       <p:sp>
         <p:nvSpPr>
-          <p:cNvPr id="2" name="Slide Image Placeholder 1"/>
-          <p:cNvSpPr>
-            <a:spLocks noGrp="1" noRot="1" noChangeAspect="1"/>
+          <p:cNvPr id="122882" name="Rectangle 7"/>
+          <p:cNvSpPr>
+            <a:spLocks noGrp="1" noChangeArrowheads="1"/>
+          </p:cNvSpPr>
+          <p:nvPr>
+            <p:ph type="sldNum" sz="quarter" idx="5"/>
+          </p:nvPr>
+        </p:nvSpPr>
+        <p:spPr>
+          <a:noFill/>
+        </p:spPr>
+        <p:txBody>
+          <a:bodyPr/>
+          <a:lstStyle/>
+          <a:p>
+            <a:fld id="{A8CCB76F-6150-439F-BF37-D33D25DB4EC0}" type="slidenum">
+              <a:rPr lang="en-US" smtClean="0"/>
+              <a:pPr/>
+              <a:t>19</a:t>
+            </a:fld>
+            <a:endParaRPr lang="en-US" smtClean="0"/>
+          </a:p>
+        </p:txBody>
+      </p:sp>
+      <p:sp>
+        <p:nvSpPr>
+          <p:cNvPr id="122883" name="Rectangle 2"/>
+          <p:cNvSpPr>
+            <a:spLocks noGrp="1" noRot="1" noChangeAspect="1" noChangeArrowheads="1" noTextEdit="1"/>
           </p:cNvSpPr>
           <p:nvPr>
             <p:ph type="sldImg"/>
           </p:nvPr>
         </p:nvSpPr>
-        <p:spPr/>
-      </p:sp>
-      <p:sp>
-        <p:nvSpPr>
-          <p:cNvPr id="3" name="Notes Placeholder 2"/>
-          <p:cNvSpPr>
-            <a:spLocks noGrp="1"/>
+        <p:spPr>
+          <a:ln/>
+        </p:spPr>
+      </p:sp>
+      <p:sp>
+        <p:nvSpPr>
+          <p:cNvPr id="122884" name="Rectangle 3"/>
+          <p:cNvSpPr>
+            <a:spLocks noGrp="1" noChangeArrowheads="1"/>
           </p:cNvSpPr>
           <p:nvPr>
             <p:ph type="body" idx="1"/>
           </p:nvPr>
         </p:nvSpPr>
-        <p:spPr/>
-        <p:txBody>
-          <a:bodyPr>
-            <a:normAutofit/>
-          </a:bodyPr>
-          <a:lstStyle/>
-          <a:p>
-            <a:endParaRPr lang="en-US"/>
-          </a:p>
-        </p:txBody>
-      </p:sp>
-      <p:sp>
-        <p:nvSpPr>
-          <p:cNvPr id="4" name="Slide Number Placeholder 3"/>
-          <p:cNvSpPr>
-            <a:spLocks noGrp="1"/>
-          </p:cNvSpPr>
-          <p:nvPr>
-            <p:ph type="sldNum" sz="quarter" idx="10"/>
-          </p:nvPr>
-        </p:nvSpPr>
-        <p:spPr/>
+        <p:spPr>
+          <a:noFill/>
+          <a:ln/>
+        </p:spPr>
         <p:txBody>
           <a:bodyPr/>
           <a:lstStyle/>
           <a:p>
-            <a:pPr>
-              <a:defRPr/>
-            </a:pPr>
-            <a:fld id="{A861E01B-B7A2-4F15-B2C8-5F733AB038D0}" type="slidenum">
-              <a:rPr lang="en-US" smtClean="0"/>
-              <a:pPr>
-                <a:defRPr/>
-              </a:pPr>
-              <a:t>19</a:t>
-            </a:fld>
-            <a:endParaRPr lang="en-US"/>
+            <a:pPr eaLnBrk="1" hangingPunct="1"/>
+            <a:endParaRPr lang="en-US" smtClean="0"/>
           </a:p>
         </p:txBody>
       </p:sp>
@@ -1932,64 +1934,63 @@
       </p:grpSpPr>
       <p:sp>
         <p:nvSpPr>
-          <p:cNvPr id="123906" name="Rectangle 7"/>
-          <p:cNvSpPr>
-            <a:spLocks noGrp="1" noChangeArrowheads="1"/>
-          </p:cNvSpPr>
-          <p:nvPr>
-            <p:ph type="sldNum" sz="quarter" idx="5"/>
-          </p:nvPr>
-        </p:nvSpPr>
-        <p:spPr>
-          <a:noFill/>
-        </p:spPr>
-        <p:txBody>
-          <a:bodyPr/>
-          <a:lstStyle/>
-          <a:p>
-            <a:fld id="{3A5989E6-7BD9-4F6E-9739-8FAF8171ACA1}" type="slidenum">
-              <a:rPr lang="en-US" smtClean="0"/>
-              <a:pPr/>
-              <a:t>20</a:t>
-            </a:fld>
-            <a:endParaRPr lang="en-US" smtClean="0"/>
-          </a:p>
-        </p:txBody>
-      </p:sp>
-      <p:sp>
-        <p:nvSpPr>
-          <p:cNvPr id="123907" name="Rectangle 2"/>
-          <p:cNvSpPr>
-            <a:spLocks noGrp="1" noRot="1" noChangeAspect="1" noChangeArrowheads="1" noTextEdit="1"/>
+          <p:cNvPr id="2" name="Slide Image Placeholder 1"/>
+          <p:cNvSpPr>
+            <a:spLocks noGrp="1" noRot="1" noChangeAspect="1"/>
           </p:cNvSpPr>
           <p:nvPr>
             <p:ph type="sldImg"/>
           </p:nvPr>
         </p:nvSpPr>
-        <p:spPr>
-          <a:ln/>
-        </p:spPr>
-      </p:sp>
-      <p:sp>
-        <p:nvSpPr>
-          <p:cNvPr id="123908" name="Rectangle 3"/>
-          <p:cNvSpPr>
-            <a:spLocks noGrp="1" noChangeArrowheads="1"/>
+        <p:spPr/>
+      </p:sp>
+      <p:sp>
+        <p:nvSpPr>
+          <p:cNvPr id="3" name="Notes Placeholder 2"/>
+          <p:cNvSpPr>
+            <a:spLocks noGrp="1"/>
           </p:cNvSpPr>
           <p:nvPr>
             <p:ph type="body" idx="1"/>
           </p:nvPr>
         </p:nvSpPr>
-        <p:spPr>
-          <a:noFill/>
-          <a:ln/>
-        </p:spPr>
+        <p:spPr/>
+        <p:txBody>
+          <a:bodyPr>
+            <a:normAutofit/>
+          </a:bodyPr>
+          <a:lstStyle/>
+          <a:p>
+            <a:endParaRPr lang="en-US"/>
+          </a:p>
+        </p:txBody>
+      </p:sp>
+      <p:sp>
+        <p:nvSpPr>
+          <p:cNvPr id="4" name="Slide Number Placeholder 3"/>
+          <p:cNvSpPr>
+            <a:spLocks noGrp="1"/>
+          </p:cNvSpPr>
+          <p:nvPr>
+            <p:ph type="sldNum" sz="quarter" idx="10"/>
+          </p:nvPr>
+        </p:nvSpPr>
+        <p:spPr/>
         <p:txBody>
           <a:bodyPr/>
           <a:lstStyle/>
           <a:p>
-            <a:pPr eaLnBrk="1" hangingPunct="1"/>
-            <a:endParaRPr lang="en-US" smtClean="0"/>
+            <a:pPr>
+              <a:defRPr/>
+            </a:pPr>
+            <a:fld id="{A861E01B-B7A2-4F15-B2C8-5F733AB038D0}" type="slidenum">
+              <a:rPr lang="en-US" smtClean="0"/>
+              <a:pPr>
+                <a:defRPr/>
+              </a:pPr>
+              <a:t>20</a:t>
+            </a:fld>
+            <a:endParaRPr lang="en-US"/>
           </a:p>
         </p:txBody>
       </p:sp>
@@ -2108,7 +2109,7 @@
       </p:grpSpPr>
       <p:sp>
         <p:nvSpPr>
-          <p:cNvPr id="132098" name="Rectangle 7"/>
+          <p:cNvPr id="123906" name="Rectangle 7"/>
           <p:cNvSpPr>
             <a:spLocks noGrp="1" noChangeArrowheads="1"/>
           </p:cNvSpPr>
@@ -2123,7 +2124,7 @@
           <a:bodyPr/>
           <a:lstStyle/>
           <a:p>
-            <a:fld id="{7FC60D92-8B6A-4199-99A4-0145C90B1EA0}" type="slidenum">
+            <a:fld id="{3A5989E6-7BD9-4F6E-9739-8FAF8171ACA1}" type="slidenum">
               <a:rPr lang="en-US" smtClean="0"/>
               <a:pPr/>
               <a:t>22</a:t>
@@ -2134,7 +2135,7 @@
       </p:sp>
       <p:sp>
         <p:nvSpPr>
-          <p:cNvPr id="132099" name="Rectangle 2"/>
+          <p:cNvPr id="123907" name="Rectangle 2"/>
           <p:cNvSpPr>
             <a:spLocks noGrp="1" noRot="1" noChangeAspect="1" noChangeArrowheads="1" noTextEdit="1"/>
           </p:cNvSpPr>
@@ -2148,7 +2149,7 @@
       </p:sp>
       <p:sp>
         <p:nvSpPr>
-          <p:cNvPr id="132100" name="Rectangle 3"/>
+          <p:cNvPr id="123908" name="Rectangle 3"/>
           <p:cNvSpPr>
             <a:spLocks noGrp="1" noChangeArrowheads="1"/>
           </p:cNvSpPr>
@@ -2196,7 +2197,7 @@
       </p:grpSpPr>
       <p:sp>
         <p:nvSpPr>
-          <p:cNvPr id="124930" name="Rectangle 7"/>
+          <p:cNvPr id="132098" name="Rectangle 7"/>
           <p:cNvSpPr>
             <a:spLocks noGrp="1" noChangeArrowheads="1"/>
           </p:cNvSpPr>
@@ -2211,7 +2212,7 @@
           <a:bodyPr/>
           <a:lstStyle/>
           <a:p>
-            <a:fld id="{5060D90E-21FA-4949-AE56-30B2A71E2F11}" type="slidenum">
+            <a:fld id="{7FC60D92-8B6A-4199-99A4-0145C90B1EA0}" type="slidenum">
               <a:rPr lang="en-US" smtClean="0"/>
               <a:pPr/>
               <a:t>23</a:t>
@@ -2222,7 +2223,7 @@
       </p:sp>
       <p:sp>
         <p:nvSpPr>
-          <p:cNvPr id="124931" name="Rectangle 2"/>
+          <p:cNvPr id="132099" name="Rectangle 2"/>
           <p:cNvSpPr>
             <a:spLocks noGrp="1" noRot="1" noChangeAspect="1" noChangeArrowheads="1" noTextEdit="1"/>
           </p:cNvSpPr>
@@ -2236,7 +2237,7 @@
       </p:sp>
       <p:sp>
         <p:nvSpPr>
-          <p:cNvPr id="124932" name="Rectangle 3"/>
+          <p:cNvPr id="132100" name="Rectangle 3"/>
           <p:cNvSpPr>
             <a:spLocks noGrp="1" noChangeArrowheads="1"/>
           </p:cNvSpPr>
@@ -2284,45 +2285,9 @@
       </p:grpSpPr>
       <p:sp>
         <p:nvSpPr>
-          <p:cNvPr id="126978" name="Slide Image Placeholder 1"/>
-          <p:cNvSpPr>
-            <a:spLocks noGrp="1" noRot="1" noChangeAspect="1" noTextEdit="1"/>
-          </p:cNvSpPr>
-          <p:nvPr>
-            <p:ph type="sldImg"/>
-          </p:nvPr>
-        </p:nvSpPr>
-        <p:spPr>
-          <a:ln/>
-        </p:spPr>
-      </p:sp>
-      <p:sp>
-        <p:nvSpPr>
-          <p:cNvPr id="126979" name="Notes Placeholder 2"/>
-          <p:cNvSpPr>
-            <a:spLocks noGrp="1"/>
-          </p:cNvSpPr>
-          <p:nvPr>
-            <p:ph type="body" idx="1"/>
-          </p:nvPr>
-        </p:nvSpPr>
-        <p:spPr>
-          <a:noFill/>
-          <a:ln/>
-        </p:spPr>
-        <p:txBody>
-          <a:bodyPr/>
-          <a:lstStyle/>
-          <a:p>
-            <a:endParaRPr lang="en-US" smtClean="0"/>
-          </a:p>
-        </p:txBody>
-      </p:sp>
-      <p:sp>
-        <p:nvSpPr>
-          <p:cNvPr id="126980" name="Slide Number Placeholder 3"/>
-          <p:cNvSpPr>
-            <a:spLocks noGrp="1"/>
+          <p:cNvPr id="124930" name="Rectangle 7"/>
+          <p:cNvSpPr>
+            <a:spLocks noGrp="1" noChangeArrowheads="1"/>
           </p:cNvSpPr>
           <p:nvPr>
             <p:ph type="sldNum" sz="quarter" idx="5"/>
@@ -2335,11 +2300,48 @@
           <a:bodyPr/>
           <a:lstStyle/>
           <a:p>
-            <a:fld id="{F84C811E-7BCD-457B-8AD9-37F6634D2958}" type="slidenum">
+            <a:fld id="{5060D90E-21FA-4949-AE56-30B2A71E2F11}" type="slidenum">
               <a:rPr lang="en-US" smtClean="0"/>
               <a:pPr/>
               <a:t>24</a:t>
             </a:fld>
+            <a:endParaRPr lang="en-US" smtClean="0"/>
+          </a:p>
+        </p:txBody>
+      </p:sp>
+      <p:sp>
+        <p:nvSpPr>
+          <p:cNvPr id="124931" name="Rectangle 2"/>
+          <p:cNvSpPr>
+            <a:spLocks noGrp="1" noRot="1" noChangeAspect="1" noChangeArrowheads="1" noTextEdit="1"/>
+          </p:cNvSpPr>
+          <p:nvPr>
+            <p:ph type="sldImg"/>
+          </p:nvPr>
+        </p:nvSpPr>
+        <p:spPr>
+          <a:ln/>
+        </p:spPr>
+      </p:sp>
+      <p:sp>
+        <p:nvSpPr>
+          <p:cNvPr id="124932" name="Rectangle 3"/>
+          <p:cNvSpPr>
+            <a:spLocks noGrp="1" noChangeArrowheads="1"/>
+          </p:cNvSpPr>
+          <p:nvPr>
+            <p:ph type="body" idx="1"/>
+          </p:nvPr>
+        </p:nvSpPr>
+        <p:spPr>
+          <a:noFill/>
+          <a:ln/>
+        </p:spPr>
+        <p:txBody>
+          <a:bodyPr/>
+          <a:lstStyle/>
+          <a:p>
+            <a:pPr eaLnBrk="1" hangingPunct="1"/>
             <a:endParaRPr lang="en-US" smtClean="0"/>
           </a:p>
         </p:txBody>
@@ -2371,7 +2373,7 @@
       </p:grpSpPr>
       <p:sp>
         <p:nvSpPr>
-          <p:cNvPr id="130050" name="Slide Image Placeholder 1"/>
+          <p:cNvPr id="126978" name="Slide Image Placeholder 1"/>
           <p:cNvSpPr>
             <a:spLocks noGrp="1" noRot="1" noChangeAspect="1" noTextEdit="1"/>
           </p:cNvSpPr>
@@ -2385,7 +2387,7 @@
       </p:sp>
       <p:sp>
         <p:nvSpPr>
-          <p:cNvPr id="130051" name="Notes Placeholder 2"/>
+          <p:cNvPr id="126979" name="Notes Placeholder 2"/>
           <p:cNvSpPr>
             <a:spLocks noGrp="1"/>
           </p:cNvSpPr>
@@ -2407,7 +2409,7 @@
       </p:sp>
       <p:sp>
         <p:nvSpPr>
-          <p:cNvPr id="130052" name="Slide Number Placeholder 3"/>
+          <p:cNvPr id="126980" name="Slide Number Placeholder 3"/>
           <p:cNvSpPr>
             <a:spLocks noGrp="1"/>
           </p:cNvSpPr>
@@ -2422,7 +2424,7 @@
           <a:bodyPr/>
           <a:lstStyle/>
           <a:p>
-            <a:fld id="{3F875037-E3AE-48D2-8679-68230411FAE5}" type="slidenum">
+            <a:fld id="{F84C811E-7BCD-457B-8AD9-37F6634D2958}" type="slidenum">
               <a:rPr lang="en-US" smtClean="0"/>
               <a:pPr/>
               <a:t>25</a:t>
@@ -2458,7 +2460,7 @@
       </p:grpSpPr>
       <p:sp>
         <p:nvSpPr>
-          <p:cNvPr id="131074" name="Slide Image Placeholder 1"/>
+          <p:cNvPr id="130050" name="Slide Image Placeholder 1"/>
           <p:cNvSpPr>
             <a:spLocks noGrp="1" noRot="1" noChangeAspect="1" noTextEdit="1"/>
           </p:cNvSpPr>
@@ -2472,7 +2474,7 @@
       </p:sp>
       <p:sp>
         <p:nvSpPr>
-          <p:cNvPr id="131075" name="Notes Placeholder 2"/>
+          <p:cNvPr id="130051" name="Notes Placeholder 2"/>
           <p:cNvSpPr>
             <a:spLocks noGrp="1"/>
           </p:cNvSpPr>
@@ -2494,7 +2496,7 @@
       </p:sp>
       <p:sp>
         <p:nvSpPr>
-          <p:cNvPr id="131076" name="Slide Number Placeholder 3"/>
+          <p:cNvPr id="130052" name="Slide Number Placeholder 3"/>
           <p:cNvSpPr>
             <a:spLocks noGrp="1"/>
           </p:cNvSpPr>
@@ -2509,7 +2511,7 @@
           <a:bodyPr/>
           <a:lstStyle/>
           <a:p>
-            <a:fld id="{33A851F3-8AC5-47D0-8E0B-29DFABF14AA6}" type="slidenum">
+            <a:fld id="{3F875037-E3AE-48D2-8679-68230411FAE5}" type="slidenum">
               <a:rPr lang="en-US" smtClean="0"/>
               <a:pPr/>
               <a:t>26</a:t>
@@ -2545,9 +2547,45 @@
       </p:grpSpPr>
       <p:sp>
         <p:nvSpPr>
-          <p:cNvPr id="122882" name="Rectangle 7"/>
-          <p:cNvSpPr>
-            <a:spLocks noGrp="1" noChangeArrowheads="1"/>
+          <p:cNvPr id="131074" name="Slide Image Placeholder 1"/>
+          <p:cNvSpPr>
+            <a:spLocks noGrp="1" noRot="1" noChangeAspect="1" noTextEdit="1"/>
+          </p:cNvSpPr>
+          <p:nvPr>
+            <p:ph type="sldImg"/>
+          </p:nvPr>
+        </p:nvSpPr>
+        <p:spPr>
+          <a:ln/>
+        </p:spPr>
+      </p:sp>
+      <p:sp>
+        <p:nvSpPr>
+          <p:cNvPr id="131075" name="Notes Placeholder 2"/>
+          <p:cNvSpPr>
+            <a:spLocks noGrp="1"/>
+          </p:cNvSpPr>
+          <p:nvPr>
+            <p:ph type="body" idx="1"/>
+          </p:nvPr>
+        </p:nvSpPr>
+        <p:spPr>
+          <a:noFill/>
+          <a:ln/>
+        </p:spPr>
+        <p:txBody>
+          <a:bodyPr/>
+          <a:lstStyle/>
+          <a:p>
+            <a:endParaRPr lang="en-US" smtClean="0"/>
+          </a:p>
+        </p:txBody>
+      </p:sp>
+      <p:sp>
+        <p:nvSpPr>
+          <p:cNvPr id="131076" name="Slide Number Placeholder 3"/>
+          <p:cNvSpPr>
+            <a:spLocks noGrp="1"/>
           </p:cNvSpPr>
           <p:nvPr>
             <p:ph type="sldNum" sz="quarter" idx="5"/>
@@ -2560,48 +2598,11 @@
           <a:bodyPr/>
           <a:lstStyle/>
           <a:p>
-            <a:fld id="{A8CCB76F-6150-439F-BF37-D33D25DB4EC0}" type="slidenum">
+            <a:fld id="{33A851F3-8AC5-47D0-8E0B-29DFABF14AA6}" type="slidenum">
               <a:rPr lang="en-US" smtClean="0"/>
               <a:pPr/>
               <a:t>27</a:t>
             </a:fld>
-            <a:endParaRPr lang="en-US" smtClean="0"/>
-          </a:p>
-        </p:txBody>
-      </p:sp>
-      <p:sp>
-        <p:nvSpPr>
-          <p:cNvPr id="122883" name="Rectangle 2"/>
-          <p:cNvSpPr>
-            <a:spLocks noGrp="1" noRot="1" noChangeAspect="1" noChangeArrowheads="1" noTextEdit="1"/>
-          </p:cNvSpPr>
-          <p:nvPr>
-            <p:ph type="sldImg"/>
-          </p:nvPr>
-        </p:nvSpPr>
-        <p:spPr>
-          <a:ln/>
-        </p:spPr>
-      </p:sp>
-      <p:sp>
-        <p:nvSpPr>
-          <p:cNvPr id="122884" name="Rectangle 3"/>
-          <p:cNvSpPr>
-            <a:spLocks noGrp="1" noChangeArrowheads="1"/>
-          </p:cNvSpPr>
-          <p:nvPr>
-            <p:ph type="body" idx="1"/>
-          </p:nvPr>
-        </p:nvSpPr>
-        <p:spPr>
-          <a:noFill/>
-          <a:ln/>
-        </p:spPr>
-        <p:txBody>
-          <a:bodyPr/>
-          <a:lstStyle/>
-          <a:p>
-            <a:pPr eaLnBrk="1" hangingPunct="1"/>
             <a:endParaRPr lang="en-US" smtClean="0"/>
           </a:p>
         </p:txBody>
@@ -2633,63 +2634,64 @@
       </p:grpSpPr>
       <p:sp>
         <p:nvSpPr>
-          <p:cNvPr id="2" name="Slide Image Placeholder 1"/>
-          <p:cNvSpPr>
-            <a:spLocks noGrp="1" noRot="1" noChangeAspect="1"/>
+          <p:cNvPr id="122882" name="Rectangle 7"/>
+          <p:cNvSpPr>
+            <a:spLocks noGrp="1" noChangeArrowheads="1"/>
+          </p:cNvSpPr>
+          <p:nvPr>
+            <p:ph type="sldNum" sz="quarter" idx="5"/>
+          </p:nvPr>
+        </p:nvSpPr>
+        <p:spPr>
+          <a:noFill/>
+        </p:spPr>
+        <p:txBody>
+          <a:bodyPr/>
+          <a:lstStyle/>
+          <a:p>
+            <a:fld id="{A8CCB76F-6150-439F-BF37-D33D25DB4EC0}" type="slidenum">
+              <a:rPr lang="en-US" smtClean="0"/>
+              <a:pPr/>
+              <a:t>28</a:t>
+            </a:fld>
+            <a:endParaRPr lang="en-US" smtClean="0"/>
+          </a:p>
+        </p:txBody>
+      </p:sp>
+      <p:sp>
+        <p:nvSpPr>
+          <p:cNvPr id="122883" name="Rectangle 2"/>
+          <p:cNvSpPr>
+            <a:spLocks noGrp="1" noRot="1" noChangeAspect="1" noChangeArrowheads="1" noTextEdit="1"/>
           </p:cNvSpPr>
           <p:nvPr>
             <p:ph type="sldImg"/>
           </p:nvPr>
         </p:nvSpPr>
-        <p:spPr/>
-      </p:sp>
-      <p:sp>
-        <p:nvSpPr>
-          <p:cNvPr id="3" name="Notes Placeholder 2"/>
-          <p:cNvSpPr>
-            <a:spLocks noGrp="1"/>
+        <p:spPr>
+          <a:ln/>
+        </p:spPr>
+      </p:sp>
+      <p:sp>
+        <p:nvSpPr>
+          <p:cNvPr id="122884" name="Rectangle 3"/>
+          <p:cNvSpPr>
+            <a:spLocks noGrp="1" noChangeArrowheads="1"/>
           </p:cNvSpPr>
           <p:nvPr>
             <p:ph type="body" idx="1"/>
           </p:nvPr>
         </p:nvSpPr>
-        <p:spPr/>
-        <p:txBody>
-          <a:bodyPr>
-            <a:normAutofit/>
-          </a:bodyPr>
-          <a:lstStyle/>
-          <a:p>
-            <a:endParaRPr lang="en-US"/>
-          </a:p>
-        </p:txBody>
-      </p:sp>
-      <p:sp>
-        <p:nvSpPr>
-          <p:cNvPr id="4" name="Slide Number Placeholder 3"/>
-          <p:cNvSpPr>
-            <a:spLocks noGrp="1"/>
-          </p:cNvSpPr>
-          <p:nvPr>
-            <p:ph type="sldNum" sz="quarter" idx="10"/>
-          </p:nvPr>
-        </p:nvSpPr>
-        <p:spPr/>
+        <p:spPr>
+          <a:noFill/>
+          <a:ln/>
+        </p:spPr>
         <p:txBody>
           <a:bodyPr/>
           <a:lstStyle/>
           <a:p>
-            <a:pPr>
-              <a:defRPr/>
-            </a:pPr>
-            <a:fld id="{A861E01B-B7A2-4F15-B2C8-5F733AB038D0}" type="slidenum">
-              <a:rPr lang="en-US" smtClean="0"/>
-              <a:pPr>
-                <a:defRPr/>
-              </a:pPr>
-              <a:t>28</a:t>
-            </a:fld>
-            <a:endParaRPr lang="en-US"/>
+            <a:pPr eaLnBrk="1" hangingPunct="1"/>
+            <a:endParaRPr lang="en-US" smtClean="0"/>
           </a:p>
         </p:txBody>
       </p:sp>
@@ -2895,64 +2897,63 @@
       </p:grpSpPr>
       <p:sp>
         <p:nvSpPr>
-          <p:cNvPr id="146434" name="Rectangle 7"/>
-          <p:cNvSpPr>
-            <a:spLocks noGrp="1" noChangeArrowheads="1"/>
-          </p:cNvSpPr>
-          <p:nvPr>
-            <p:ph type="sldNum" sz="quarter" idx="5"/>
-          </p:nvPr>
-        </p:nvSpPr>
-        <p:spPr>
-          <a:noFill/>
-        </p:spPr>
-        <p:txBody>
-          <a:bodyPr/>
-          <a:lstStyle/>
-          <a:p>
-            <a:fld id="{C9DF6BEA-BC14-4B3F-A9A8-8E330C6497AD}" type="slidenum">
-              <a:rPr lang="en-US" smtClean="0"/>
-              <a:pPr/>
-              <a:t>30</a:t>
-            </a:fld>
-            <a:endParaRPr lang="en-US" smtClean="0"/>
-          </a:p>
-        </p:txBody>
-      </p:sp>
-      <p:sp>
-        <p:nvSpPr>
-          <p:cNvPr id="146435" name="Rectangle 2"/>
-          <p:cNvSpPr>
-            <a:spLocks noGrp="1" noRot="1" noChangeAspect="1" noChangeArrowheads="1" noTextEdit="1"/>
+          <p:cNvPr id="2" name="Slide Image Placeholder 1"/>
+          <p:cNvSpPr>
+            <a:spLocks noGrp="1" noRot="1" noChangeAspect="1"/>
           </p:cNvSpPr>
           <p:nvPr>
             <p:ph type="sldImg"/>
           </p:nvPr>
         </p:nvSpPr>
-        <p:spPr>
-          <a:ln/>
-        </p:spPr>
-      </p:sp>
-      <p:sp>
-        <p:nvSpPr>
-          <p:cNvPr id="146436" name="Rectangle 3"/>
-          <p:cNvSpPr>
-            <a:spLocks noGrp="1" noChangeArrowheads="1"/>
+        <p:spPr/>
+      </p:sp>
+      <p:sp>
+        <p:nvSpPr>
+          <p:cNvPr id="3" name="Notes Placeholder 2"/>
+          <p:cNvSpPr>
+            <a:spLocks noGrp="1"/>
           </p:cNvSpPr>
           <p:nvPr>
             <p:ph type="body" idx="1"/>
           </p:nvPr>
         </p:nvSpPr>
-        <p:spPr>
-          <a:noFill/>
-          <a:ln/>
-        </p:spPr>
+        <p:spPr/>
+        <p:txBody>
+          <a:bodyPr>
+            <a:normAutofit/>
+          </a:bodyPr>
+          <a:lstStyle/>
+          <a:p>
+            <a:endParaRPr lang="en-US"/>
+          </a:p>
+        </p:txBody>
+      </p:sp>
+      <p:sp>
+        <p:nvSpPr>
+          <p:cNvPr id="4" name="Slide Number Placeholder 3"/>
+          <p:cNvSpPr>
+            <a:spLocks noGrp="1"/>
+          </p:cNvSpPr>
+          <p:nvPr>
+            <p:ph type="sldNum" sz="quarter" idx="10"/>
+          </p:nvPr>
+        </p:nvSpPr>
+        <p:spPr/>
         <p:txBody>
           <a:bodyPr/>
           <a:lstStyle/>
           <a:p>
-            <a:pPr eaLnBrk="1" hangingPunct="1"/>
-            <a:endParaRPr lang="en-US" smtClean="0"/>
+            <a:pPr>
+              <a:defRPr/>
+            </a:pPr>
+            <a:fld id="{A861E01B-B7A2-4F15-B2C8-5F733AB038D0}" type="slidenum">
+              <a:rPr lang="en-US" smtClean="0"/>
+              <a:pPr>
+                <a:defRPr/>
+              </a:pPr>
+              <a:t>30</a:t>
+            </a:fld>
+            <a:endParaRPr lang="en-US"/>
           </a:p>
         </p:txBody>
       </p:sp>
@@ -2983,63 +2984,64 @@
       </p:grpSpPr>
       <p:sp>
         <p:nvSpPr>
-          <p:cNvPr id="2" name="Slide Image Placeholder 1"/>
-          <p:cNvSpPr>
-            <a:spLocks noGrp="1" noRot="1" noChangeAspect="1"/>
+          <p:cNvPr id="146434" name="Rectangle 7"/>
+          <p:cNvSpPr>
+            <a:spLocks noGrp="1" noChangeArrowheads="1"/>
+          </p:cNvSpPr>
+          <p:nvPr>
+            <p:ph type="sldNum" sz="quarter" idx="5"/>
+          </p:nvPr>
+        </p:nvSpPr>
+        <p:spPr>
+          <a:noFill/>
+        </p:spPr>
+        <p:txBody>
+          <a:bodyPr/>
+          <a:lstStyle/>
+          <a:p>
+            <a:fld id="{C9DF6BEA-BC14-4B3F-A9A8-8E330C6497AD}" type="slidenum">
+              <a:rPr lang="en-US" smtClean="0"/>
+              <a:pPr/>
+              <a:t>31</a:t>
+            </a:fld>
+            <a:endParaRPr lang="en-US" smtClean="0"/>
+          </a:p>
+        </p:txBody>
+      </p:sp>
+      <p:sp>
+        <p:nvSpPr>
+          <p:cNvPr id="146435" name="Rectangle 2"/>
+          <p:cNvSpPr>
+            <a:spLocks noGrp="1" noRot="1" noChangeAspect="1" noChangeArrowheads="1" noTextEdit="1"/>
           </p:cNvSpPr>
           <p:nvPr>
             <p:ph type="sldImg"/>
           </p:nvPr>
         </p:nvSpPr>
-        <p:spPr/>
-      </p:sp>
-      <p:sp>
-        <p:nvSpPr>
-          <p:cNvPr id="3" name="Notes Placeholder 2"/>
-          <p:cNvSpPr>
-            <a:spLocks noGrp="1"/>
+        <p:spPr>
+          <a:ln/>
+        </p:spPr>
+      </p:sp>
+      <p:sp>
+        <p:nvSpPr>
+          <p:cNvPr id="146436" name="Rectangle 3"/>
+          <p:cNvSpPr>
+            <a:spLocks noGrp="1" noChangeArrowheads="1"/>
           </p:cNvSpPr>
           <p:nvPr>
             <p:ph type="body" idx="1"/>
           </p:nvPr>
         </p:nvSpPr>
-        <p:spPr/>
-        <p:txBody>
-          <a:bodyPr>
-            <a:normAutofit/>
-          </a:bodyPr>
-          <a:lstStyle/>
-          <a:p>
-            <a:endParaRPr lang="en-US"/>
-          </a:p>
-        </p:txBody>
-      </p:sp>
-      <p:sp>
-        <p:nvSpPr>
-          <p:cNvPr id="4" name="Slide Number Placeholder 3"/>
-          <p:cNvSpPr>
-            <a:spLocks noGrp="1"/>
-          </p:cNvSpPr>
-          <p:nvPr>
-            <p:ph type="sldNum" sz="quarter" idx="10"/>
-          </p:nvPr>
-        </p:nvSpPr>
-        <p:spPr/>
+        <p:spPr>
+          <a:noFill/>
+          <a:ln/>
+        </p:spPr>
         <p:txBody>
           <a:bodyPr/>
           <a:lstStyle/>
           <a:p>
-            <a:pPr>
-              <a:defRPr/>
-            </a:pPr>
-            <a:fld id="{A861E01B-B7A2-4F15-B2C8-5F733AB038D0}" type="slidenum">
-              <a:rPr lang="en-US" smtClean="0"/>
-              <a:pPr>
-                <a:defRPr/>
-              </a:pPr>
-              <a:t>31</a:t>
-            </a:fld>
-            <a:endParaRPr lang="en-US"/>
+            <a:pPr eaLnBrk="1" hangingPunct="1"/>
+            <a:endParaRPr lang="en-US" smtClean="0"/>
           </a:p>
         </p:txBody>
       </p:sp>
@@ -3070,94 +3072,45 @@
       </p:grpSpPr>
       <p:sp>
         <p:nvSpPr>
-          <p:cNvPr id="95234" name="Text Box 2"/>
-          <p:cNvSpPr txBox="1">
-            <a:spLocks noGrp="1" noChangeArrowheads="1"/>
-          </p:cNvSpPr>
-          <p:nvPr/>
-        </p:nvSpPr>
-        <p:spPr bwMode="auto">
-          <a:xfrm>
-            <a:off x="4146550" y="9121775"/>
-            <a:ext cx="3168650" cy="479425"/>
-          </a:xfrm>
-          <a:prstGeom prst="rect">
-            <a:avLst/>
-          </a:prstGeom>
-          <a:noFill/>
-          <a:ln w="9525">
-            <a:noFill/>
-            <a:miter lim="800000"/>
-            <a:headEnd/>
-            <a:tailEnd/>
-          </a:ln>
-        </p:spPr>
-        <p:txBody>
-          <a:bodyPr lIns="96653" tIns="48326" rIns="96653" bIns="48326" anchor="b"/>
-          <a:lstStyle/>
-          <a:p>
-            <a:pPr algn="r" defTabSz="966788" fontAlgn="base">
-              <a:spcBef>
-                <a:spcPct val="0"/>
-              </a:spcBef>
-              <a:spcAft>
-                <a:spcPct val="0"/>
-              </a:spcAft>
-            </a:pPr>
-            <a:r>
-              <a:rPr lang="en-US" sz="1300">
-                <a:latin typeface="Times New Roman" pitchFamily="18" charset="0"/>
-              </a:rPr>
-              <a:t>36</a:t>
-            </a:r>
-          </a:p>
-        </p:txBody>
-      </p:sp>
-      <p:sp>
-        <p:nvSpPr>
-          <p:cNvPr id="95235" name="Rectangle 3"/>
-          <p:cNvSpPr>
-            <a:spLocks noGrp="1" noRot="1" noChangeAspect="1" noChangeArrowheads="1" noTextEdit="1"/>
+          <p:cNvPr id="2" name="Slide Image Placeholder 1"/>
+          <p:cNvSpPr>
+            <a:spLocks noGrp="1" noRot="1" noChangeAspect="1"/>
           </p:cNvSpPr>
           <p:nvPr>
             <p:ph type="sldImg"/>
           </p:nvPr>
         </p:nvSpPr>
-        <p:spPr>
-          <a:ln/>
-        </p:spPr>
-      </p:sp>
-      <p:sp>
-        <p:nvSpPr>
-          <p:cNvPr id="7173" name="Rectangle 4"/>
-          <p:cNvSpPr>
-            <a:spLocks noGrp="1" noChangeArrowheads="1"/>
+        <p:spPr/>
+      </p:sp>
+      <p:sp>
+        <p:nvSpPr>
+          <p:cNvPr id="3" name="Notes Placeholder 2"/>
+          <p:cNvSpPr>
+            <a:spLocks noGrp="1"/>
           </p:cNvSpPr>
           <p:nvPr>
             <p:ph type="body" idx="1"/>
           </p:nvPr>
         </p:nvSpPr>
-        <p:spPr>
-          <a:noFill/>
-          <a:ln/>
-        </p:spPr>
-        <p:txBody>
-          <a:bodyPr/>
-          <a:lstStyle/>
-          <a:p>
-            <a:pPr eaLnBrk="1" hangingPunct="1"/>
+        <p:spPr/>
+        <p:txBody>
+          <a:bodyPr>
+            <a:normAutofit/>
+          </a:bodyPr>
+          <a:lstStyle/>
+          <a:p>
             <a:endParaRPr lang="en-US"/>
           </a:p>
         </p:txBody>
       </p:sp>
       <p:sp>
         <p:nvSpPr>
-          <p:cNvPr id="11" name="Footer Placeholder 10"/>
+          <p:cNvPr id="4" name="Slide Number Placeholder 3"/>
           <p:cNvSpPr>
             <a:spLocks noGrp="1"/>
           </p:cNvSpPr>
           <p:nvPr>
-            <p:ph type="ftr" sz="quarter" idx="11"/>
+            <p:ph type="sldNum" sz="quarter" idx="10"/>
           </p:nvPr>
         </p:nvSpPr>
         <p:spPr/>
@@ -3168,10 +3121,13 @@
             <a:pPr>
               <a:defRPr/>
             </a:pPr>
-            <a:r>
+            <a:fld id="{A861E01B-B7A2-4F15-B2C8-5F733AB038D0}" type="slidenum">
               <a:rPr lang="en-US" smtClean="0"/>
-              <a:t>4/2/08 2:20PM</a:t>
-            </a:r>
+              <a:pPr>
+                <a:defRPr/>
+              </a:pPr>
+              <a:t>32</a:t>
+            </a:fld>
             <a:endParaRPr lang="en-US"/>
           </a:p>
         </p:txBody>
@@ -3203,33 +3159,52 @@
       </p:grpSpPr>
       <p:sp>
         <p:nvSpPr>
-          <p:cNvPr id="141314" name="Rectangle 7"/>
-          <p:cNvSpPr>
+          <p:cNvPr id="95234" name="Text Box 2"/>
+          <p:cNvSpPr txBox="1">
             <a:spLocks noGrp="1" noChangeArrowheads="1"/>
           </p:cNvSpPr>
-          <p:nvPr>
-            <p:ph type="sldNum" sz="quarter" idx="5"/>
-          </p:nvPr>
-        </p:nvSpPr>
-        <p:spPr>
+          <p:nvPr/>
+        </p:nvSpPr>
+        <p:spPr bwMode="auto">
+          <a:xfrm>
+            <a:off x="4146550" y="9121775"/>
+            <a:ext cx="3168650" cy="479425"/>
+          </a:xfrm>
+          <a:prstGeom prst="rect">
+            <a:avLst/>
+          </a:prstGeom>
           <a:noFill/>
-        </p:spPr>
-        <p:txBody>
-          <a:bodyPr/>
-          <a:lstStyle/>
-          <a:p>
-            <a:fld id="{781A55A9-DF0E-4E4F-A5F4-6FFCD1861EA5}" type="slidenum">
-              <a:rPr lang="en-US" smtClean="0"/>
-              <a:pPr/>
-              <a:t>33</a:t>
-            </a:fld>
-            <a:endParaRPr lang="en-US" smtClean="0"/>
-          </a:p>
-        </p:txBody>
-      </p:sp>
-      <p:sp>
-        <p:nvSpPr>
-          <p:cNvPr id="141315" name="Rectangle 2"/>
+          <a:ln w="9525">
+            <a:noFill/>
+            <a:miter lim="800000"/>
+            <a:headEnd/>
+            <a:tailEnd/>
+          </a:ln>
+        </p:spPr>
+        <p:txBody>
+          <a:bodyPr lIns="96653" tIns="48326" rIns="96653" bIns="48326" anchor="b"/>
+          <a:lstStyle/>
+          <a:p>
+            <a:pPr algn="r" defTabSz="966788" fontAlgn="base">
+              <a:spcBef>
+                <a:spcPct val="0"/>
+              </a:spcBef>
+              <a:spcAft>
+                <a:spcPct val="0"/>
+              </a:spcAft>
+            </a:pPr>
+            <a:r>
+              <a:rPr lang="en-US" sz="1300">
+                <a:latin typeface="Times New Roman" pitchFamily="18" charset="0"/>
+              </a:rPr>
+              <a:t>36</a:t>
+            </a:r>
+          </a:p>
+        </p:txBody>
+      </p:sp>
+      <p:sp>
+        <p:nvSpPr>
+          <p:cNvPr id="95235" name="Rectangle 3"/>
           <p:cNvSpPr>
             <a:spLocks noGrp="1" noRot="1" noChangeAspect="1" noChangeArrowheads="1" noTextEdit="1"/>
           </p:cNvSpPr>
@@ -3243,7 +3218,7 @@
       </p:sp>
       <p:sp>
         <p:nvSpPr>
-          <p:cNvPr id="141316" name="Rectangle 3"/>
+          <p:cNvPr id="7173" name="Rectangle 4"/>
           <p:cNvSpPr>
             <a:spLocks noGrp="1" noChangeArrowheads="1"/>
           </p:cNvSpPr>
@@ -3260,7 +3235,33 @@
           <a:lstStyle/>
           <a:p>
             <a:pPr eaLnBrk="1" hangingPunct="1"/>
-            <a:endParaRPr lang="en-US" smtClean="0"/>
+            <a:endParaRPr lang="en-US"/>
+          </a:p>
+        </p:txBody>
+      </p:sp>
+      <p:sp>
+        <p:nvSpPr>
+          <p:cNvPr id="11" name="Footer Placeholder 10"/>
+          <p:cNvSpPr>
+            <a:spLocks noGrp="1"/>
+          </p:cNvSpPr>
+          <p:nvPr>
+            <p:ph type="ftr" sz="quarter" idx="11"/>
+          </p:nvPr>
+        </p:nvSpPr>
+        <p:spPr/>
+        <p:txBody>
+          <a:bodyPr/>
+          <a:lstStyle/>
+          <a:p>
+            <a:pPr>
+              <a:defRPr/>
+            </a:pPr>
+            <a:r>
+              <a:rPr lang="en-US" smtClean="0"/>
+              <a:t>4/2/08 2:20PM</a:t>
+            </a:r>
+            <a:endParaRPr lang="en-US"/>
           </a:p>
         </p:txBody>
       </p:sp>
@@ -3291,7 +3292,7 @@
       </p:grpSpPr>
       <p:sp>
         <p:nvSpPr>
-          <p:cNvPr id="142338" name="Rectangle 7"/>
+          <p:cNvPr id="141314" name="Rectangle 7"/>
           <p:cNvSpPr>
             <a:spLocks noGrp="1" noChangeArrowheads="1"/>
           </p:cNvSpPr>
@@ -3306,7 +3307,7 @@
           <a:bodyPr/>
           <a:lstStyle/>
           <a:p>
-            <a:fld id="{88FB0BE2-853F-4B2F-B067-8E3BA4509D4A}" type="slidenum">
+            <a:fld id="{781A55A9-DF0E-4E4F-A5F4-6FFCD1861EA5}" type="slidenum">
               <a:rPr lang="en-US" smtClean="0"/>
               <a:pPr/>
               <a:t>34</a:t>
@@ -3317,7 +3318,7 @@
       </p:sp>
       <p:sp>
         <p:nvSpPr>
-          <p:cNvPr id="142339" name="Rectangle 2"/>
+          <p:cNvPr id="141315" name="Rectangle 2"/>
           <p:cNvSpPr>
             <a:spLocks noGrp="1" noRot="1" noChangeAspect="1" noChangeArrowheads="1" noTextEdit="1"/>
           </p:cNvSpPr>
@@ -3331,7 +3332,7 @@
       </p:sp>
       <p:sp>
         <p:nvSpPr>
-          <p:cNvPr id="142340" name="Rectangle 3"/>
+          <p:cNvPr id="141316" name="Rectangle 3"/>
           <p:cNvSpPr>
             <a:spLocks noGrp="1" noChangeArrowheads="1"/>
           </p:cNvSpPr>
@@ -3379,7 +3380,7 @@
       </p:grpSpPr>
       <p:sp>
         <p:nvSpPr>
-          <p:cNvPr id="143362" name="Rectangle 7"/>
+          <p:cNvPr id="142338" name="Rectangle 7"/>
           <p:cNvSpPr>
             <a:spLocks noGrp="1" noChangeArrowheads="1"/>
           </p:cNvSpPr>
@@ -3394,7 +3395,7 @@
           <a:bodyPr/>
           <a:lstStyle/>
           <a:p>
-            <a:fld id="{2082D2CA-1C49-446E-AD55-3F7BE8C3AE80}" type="slidenum">
+            <a:fld id="{88FB0BE2-853F-4B2F-B067-8E3BA4509D4A}" type="slidenum">
               <a:rPr lang="en-US" smtClean="0"/>
               <a:pPr/>
               <a:t>35</a:t>
@@ -3405,7 +3406,7 @@
       </p:sp>
       <p:sp>
         <p:nvSpPr>
-          <p:cNvPr id="143363" name="Rectangle 2"/>
+          <p:cNvPr id="142339" name="Rectangle 2"/>
           <p:cNvSpPr>
             <a:spLocks noGrp="1" noRot="1" noChangeAspect="1" noChangeArrowheads="1" noTextEdit="1"/>
           </p:cNvSpPr>
@@ -3419,7 +3420,7 @@
       </p:sp>
       <p:sp>
         <p:nvSpPr>
-          <p:cNvPr id="143364" name="Rectangle 3"/>
+          <p:cNvPr id="142340" name="Rectangle 3"/>
           <p:cNvSpPr>
             <a:spLocks noGrp="1" noChangeArrowheads="1"/>
           </p:cNvSpPr>
@@ -3467,7 +3468,7 @@
       </p:grpSpPr>
       <p:sp>
         <p:nvSpPr>
-          <p:cNvPr id="144386" name="Rectangle 7"/>
+          <p:cNvPr id="143362" name="Rectangle 7"/>
           <p:cNvSpPr>
             <a:spLocks noGrp="1" noChangeArrowheads="1"/>
           </p:cNvSpPr>
@@ -3482,7 +3483,7 @@
           <a:bodyPr/>
           <a:lstStyle/>
           <a:p>
-            <a:fld id="{65EAEA66-8F26-4DBA-84DE-398CACAEA82D}" type="slidenum">
+            <a:fld id="{2082D2CA-1C49-446E-AD55-3F7BE8C3AE80}" type="slidenum">
               <a:rPr lang="en-US" smtClean="0"/>
               <a:pPr/>
               <a:t>36</a:t>
@@ -3493,7 +3494,7 @@
       </p:sp>
       <p:sp>
         <p:nvSpPr>
-          <p:cNvPr id="144387" name="Rectangle 2"/>
+          <p:cNvPr id="143363" name="Rectangle 2"/>
           <p:cNvSpPr>
             <a:spLocks noGrp="1" noRot="1" noChangeAspect="1" noChangeArrowheads="1" noTextEdit="1"/>
           </p:cNvSpPr>
@@ -3507,7 +3508,7 @@
       </p:sp>
       <p:sp>
         <p:nvSpPr>
-          <p:cNvPr id="144388" name="Rectangle 3"/>
+          <p:cNvPr id="143364" name="Rectangle 3"/>
           <p:cNvSpPr>
             <a:spLocks noGrp="1" noChangeArrowheads="1"/>
           </p:cNvSpPr>
@@ -3555,7 +3556,7 @@
       </p:grpSpPr>
       <p:sp>
         <p:nvSpPr>
-          <p:cNvPr id="145410" name="Rectangle 7"/>
+          <p:cNvPr id="144386" name="Rectangle 7"/>
           <p:cNvSpPr>
             <a:spLocks noGrp="1" noChangeArrowheads="1"/>
           </p:cNvSpPr>
@@ -3570,10 +3571,98 @@
           <a:bodyPr/>
           <a:lstStyle/>
           <a:p>
+            <a:fld id="{65EAEA66-8F26-4DBA-84DE-398CACAEA82D}" type="slidenum">
+              <a:rPr lang="en-US" smtClean="0"/>
+              <a:pPr/>
+              <a:t>37</a:t>
+            </a:fld>
+            <a:endParaRPr lang="en-US" smtClean="0"/>
+          </a:p>
+        </p:txBody>
+      </p:sp>
+      <p:sp>
+        <p:nvSpPr>
+          <p:cNvPr id="144387" name="Rectangle 2"/>
+          <p:cNvSpPr>
+            <a:spLocks noGrp="1" noRot="1" noChangeAspect="1" noChangeArrowheads="1" noTextEdit="1"/>
+          </p:cNvSpPr>
+          <p:nvPr>
+            <p:ph type="sldImg"/>
+          </p:nvPr>
+        </p:nvSpPr>
+        <p:spPr>
+          <a:ln/>
+        </p:spPr>
+      </p:sp>
+      <p:sp>
+        <p:nvSpPr>
+          <p:cNvPr id="144388" name="Rectangle 3"/>
+          <p:cNvSpPr>
+            <a:spLocks noGrp="1" noChangeArrowheads="1"/>
+          </p:cNvSpPr>
+          <p:nvPr>
+            <p:ph type="body" idx="1"/>
+          </p:nvPr>
+        </p:nvSpPr>
+        <p:spPr>
+          <a:noFill/>
+          <a:ln/>
+        </p:spPr>
+        <p:txBody>
+          <a:bodyPr/>
+          <a:lstStyle/>
+          <a:p>
+            <a:pPr eaLnBrk="1" hangingPunct="1"/>
+            <a:endParaRPr lang="en-US" smtClean="0"/>
+          </a:p>
+        </p:txBody>
+      </p:sp>
+    </p:spTree>
+  </p:cSld>
+  <p:clrMapOvr>
+    <a:masterClrMapping/>
+  </p:clrMapOvr>
+</p:notes>
+</file>
+
+<file path=ppt/notesSlides/notesSlide38.xml><?xml version="1.0" encoding="utf-8"?>
+<p:notes xmlns:a="http://schemas.openxmlformats.org/drawingml/2006/main" xmlns:r="http://schemas.openxmlformats.org/officeDocument/2006/relationships" xmlns:p="http://schemas.openxmlformats.org/presentationml/2006/main">
+  <p:cSld>
+    <p:spTree>
+      <p:nvGrpSpPr>
+        <p:cNvPr id="1" name=""/>
+        <p:cNvGrpSpPr/>
+        <p:nvPr/>
+      </p:nvGrpSpPr>
+      <p:grpSpPr>
+        <a:xfrm>
+          <a:off x="0" y="0"/>
+          <a:ext cx="0" cy="0"/>
+          <a:chOff x="0" y="0"/>
+          <a:chExt cx="0" cy="0"/>
+        </a:xfrm>
+      </p:grpSpPr>
+      <p:sp>
+        <p:nvSpPr>
+          <p:cNvPr id="145410" name="Rectangle 7"/>
+          <p:cNvSpPr>
+            <a:spLocks noGrp="1" noChangeArrowheads="1"/>
+          </p:cNvSpPr>
+          <p:nvPr>
+            <p:ph type="sldNum" sz="quarter" idx="5"/>
+          </p:nvPr>
+        </p:nvSpPr>
+        <p:spPr>
+          <a:noFill/>
+        </p:spPr>
+        <p:txBody>
+          <a:bodyPr/>
+          <a:lstStyle/>
+          <a:p>
             <a:fld id="{3E82F9BA-F747-4BBA-B6FE-8CC2E957E0DE}" type="slidenum">
               <a:rPr lang="en-US" smtClean="0"/>
               <a:pPr/>
-              <a:t>37</a:t>
+              <a:t>38</a:t>
             </a:fld>
             <a:endParaRPr lang="en-US" smtClean="0"/>
           </a:p>
@@ -5916,6 +6005,14 @@
   <p:clrMapOvr>
     <a:masterClrMapping/>
   </p:clrMapOvr>
+  <mc:AlternateContent xmlns:mc="http://schemas.openxmlformats.org/markup-compatibility/2006" xmlns:p14="http://schemas.microsoft.com/office/powerpoint/2010/main">
+    <mc:Choice Requires="p14">
+      <p:transition spd="slow" p14:dur="2000" advTm="20779"/>
+    </mc:Choice>
+    <mc:Fallback xmlns="">
+      <p:transition xmlns:p14="http://schemas.microsoft.com/office/powerpoint/2010/main" spd="slow" advTm="20779"/>
+    </mc:Fallback>
+  </mc:AlternateContent>
   <p:timing>
     <p:tnLst>
       <p:par>
@@ -6027,7 +6124,7 @@
         </p:nvSpPr>
         <p:spPr bwMode="auto">
           <a:xfrm>
-            <a:off x="1447800" y="4572000"/>
+            <a:off x="1973262" y="4572000"/>
             <a:ext cx="2903538" cy="450850"/>
           </a:xfrm>
           <a:prstGeom prst="rect">
@@ -6064,7 +6161,7 @@
         </p:nvSpPr>
         <p:spPr bwMode="auto">
           <a:xfrm>
-            <a:off x="1981200" y="4114800"/>
+            <a:off x="2506662" y="4114800"/>
             <a:ext cx="2903538" cy="450850"/>
           </a:xfrm>
           <a:prstGeom prst="rect">
@@ -6101,7 +6198,7 @@
         </p:nvSpPr>
         <p:spPr bwMode="auto">
           <a:xfrm>
-            <a:off x="2590800" y="3657600"/>
+            <a:off x="3116262" y="3657600"/>
             <a:ext cx="2903538" cy="450850"/>
           </a:xfrm>
           <a:prstGeom prst="rect">
@@ -6138,7 +6235,7 @@
         </p:nvSpPr>
         <p:spPr bwMode="auto">
           <a:xfrm>
-            <a:off x="4267200" y="1981200"/>
+            <a:off x="4792662" y="1981200"/>
             <a:ext cx="2903538" cy="450850"/>
           </a:xfrm>
           <a:prstGeom prst="rect">
@@ -6175,7 +6272,7 @@
         </p:nvSpPr>
         <p:spPr bwMode="auto">
           <a:xfrm>
-            <a:off x="5029200" y="1524000"/>
+            <a:off x="5554662" y="1524000"/>
             <a:ext cx="2903538" cy="450850"/>
           </a:xfrm>
           <a:prstGeom prst="rect">
@@ -6212,7 +6309,7 @@
         </p:nvSpPr>
         <p:spPr bwMode="auto">
           <a:xfrm flipV="1">
-            <a:off x="2590800" y="2438400"/>
+            <a:off x="3116262" y="2438400"/>
             <a:ext cx="1676400" cy="1219200"/>
           </a:xfrm>
           <a:prstGeom prst="line">
@@ -6247,7 +6344,7 @@
         </p:nvSpPr>
         <p:spPr bwMode="auto">
           <a:xfrm flipV="1">
-            <a:off x="5486400" y="2438400"/>
+            <a:off x="6011862" y="2438400"/>
             <a:ext cx="1676400" cy="1219200"/>
           </a:xfrm>
           <a:prstGeom prst="line">
@@ -6590,69 +6687,6 @@
           </a:p>
         </p:txBody>
       </p:sp>
-      <p:sp>
-        <p:nvSpPr>
-          <p:cNvPr id="63507" name="Text Box 10"/>
-          <p:cNvSpPr txBox="1">
-            <a:spLocks noChangeArrowheads="1"/>
-          </p:cNvSpPr>
-          <p:nvPr/>
-        </p:nvSpPr>
-        <p:spPr bwMode="auto">
-          <a:xfrm>
-            <a:off x="0" y="6580188"/>
-            <a:ext cx="3567113" cy="274637"/>
-          </a:xfrm>
-          <a:prstGeom prst="rect">
-            <a:avLst/>
-          </a:prstGeom>
-          <a:noFill/>
-          <a:ln w="9525">
-            <a:noFill/>
-            <a:miter lim="800000"/>
-            <a:headEnd/>
-            <a:tailEnd type="none" w="lg" len="lg"/>
-          </a:ln>
-        </p:spPr>
-        <p:txBody>
-          <a:bodyPr wrap="none">
-            <a:spAutoFit/>
-          </a:bodyPr>
-          <a:lstStyle/>
-          <a:p>
-            <a:r>
-              <a:rPr lang="en-US" sz="1000">
-                <a:latin typeface="Comic Sans MS" pitchFamily="66" charset="0"/>
-              </a:rPr>
-              <a:t>Copyright </a:t>
-            </a:r>
-            <a:r>
-              <a:rPr lang="en-US" sz="1000" i="1">
-                <a:latin typeface="Comic Sans MS" pitchFamily="66" charset="0"/>
-              </a:rPr>
-              <a:t>©</a:t>
-            </a:r>
-            <a:r>
-              <a:rPr lang="en-US" sz="1000">
-                <a:latin typeface="Comic Sans MS" pitchFamily="66" charset="0"/>
-              </a:rPr>
-              <a:t> Albert R. Meyer, 2007</a:t>
-            </a:r>
-            <a:r>
-              <a:rPr lang="en-US" sz="1200">
-                <a:latin typeface="Comic Sans MS" pitchFamily="66" charset="0"/>
-              </a:rPr>
-              <a:t>.  </a:t>
-            </a:r>
-            <a:r>
-              <a:rPr lang="en-US" sz="1000">
-                <a:latin typeface="Comic Sans MS" pitchFamily="66" charset="0"/>
-              </a:rPr>
-              <a:t>All rights reserved.</a:t>
-            </a:r>
-          </a:p>
-        </p:txBody>
-      </p:sp>
       <p:sp useBgFill="1">
         <p:nvSpPr>
           <p:cNvPr id="20" name="Text Box 15"/>
@@ -6740,11 +6774,114 @@
           </a:p>
         </p:txBody>
       </p:sp>
+      <p:sp>
+        <p:nvSpPr>
+          <p:cNvPr id="21" name="Date Placeholder 5"/>
+          <p:cNvSpPr txBox="1">
+            <a:spLocks/>
+          </p:cNvSpPr>
+          <p:nvPr/>
+        </p:nvSpPr>
+        <p:spPr>
+          <a:xfrm>
+            <a:off x="2971800" y="6553200"/>
+            <a:ext cx="3200400" cy="304800"/>
+          </a:xfrm>
+          <a:prstGeom prst="rect">
+            <a:avLst/>
+          </a:prstGeom>
+        </p:spPr>
+        <p:txBody>
+          <a:bodyPr/>
+          <a:lstStyle/>
+          <a:p>
+            <a:pPr marL="0" marR="0" lvl="0" indent="0" algn="l" defTabSz="914400" rtl="0" eaLnBrk="1" fontAlgn="base" latinLnBrk="0" hangingPunct="1">
+              <a:lnSpc>
+                <a:spcPct val="100000"/>
+              </a:lnSpc>
+              <a:spcBef>
+                <a:spcPct val="0"/>
+              </a:spcBef>
+              <a:spcAft>
+                <a:spcPct val="0"/>
+              </a:spcAft>
+              <a:buClrTx/>
+              <a:buSzTx/>
+              <a:buFontTx/>
+              <a:buNone/>
+              <a:tabLst/>
+              <a:defRPr/>
+            </a:pPr>
+            <a:r>
+              <a:rPr kumimoji="0" lang="en-US" sz="1200" b="0" i="0" u="none" strike="noStrike" kern="1200" cap="none" spc="0" normalizeH="0" baseline="0" noProof="0" dirty="0" smtClean="0">
+                <a:ln>
+                  <a:noFill/>
+                </a:ln>
+                <a:solidFill>
+                  <a:schemeClr val="tx1"/>
+                </a:solidFill>
+                <a:effectLst/>
+                <a:uLnTx/>
+                <a:uFillTx/>
+                <a:latin typeface="Comic Sans MS" pitchFamily="66" charset="0"/>
+              </a:rPr>
+              <a:t>Albert R Meyer,             November 4, 2011</a:t>
+            </a:r>
+            <a:endParaRPr kumimoji="0" lang="en-US" sz="1200" b="0" i="0" u="none" strike="noStrike" kern="1200" cap="none" spc="0" normalizeH="0" baseline="0" noProof="0" dirty="0">
+              <a:ln>
+                <a:noFill/>
+              </a:ln>
+              <a:solidFill>
+                <a:schemeClr val="tx1"/>
+              </a:solidFill>
+              <a:effectLst/>
+              <a:uLnTx/>
+              <a:uFillTx/>
+              <a:latin typeface="Comic Sans MS" pitchFamily="66" charset="0"/>
+            </a:endParaRPr>
+          </a:p>
+        </p:txBody>
+      </p:sp>
+      <p:pic>
+        <p:nvPicPr>
+          <p:cNvPr id="22" name="Picture 21" descr="license.img"/>
+          <p:cNvPicPr>
+            <a:picLocks/>
+          </p:cNvPicPr>
+          <p:nvPr/>
+        </p:nvPicPr>
+        <p:blipFill>
+          <a:blip r:embed="rId4"/>
+          <a:stretch>
+            <a:fillRect/>
+          </a:stretch>
+        </p:blipFill>
+        <p:spPr>
+          <a:xfrm>
+            <a:off x="38415" y="6553200"/>
+            <a:ext cx="875985" cy="290315"/>
+          </a:xfrm>
+          <a:prstGeom prst="rect">
+            <a:avLst/>
+          </a:prstGeom>
+        </p:spPr>
+      </p:pic>
     </p:spTree>
+    <p:custDataLst>
+      <p:tags r:id="rId1"/>
+    </p:custDataLst>
   </p:cSld>
   <p:clrMapOvr>
     <a:masterClrMapping/>
   </p:clrMapOvr>
+  <mc:AlternateContent xmlns:mc="http://schemas.openxmlformats.org/markup-compatibility/2006" xmlns:p14="http://schemas.microsoft.com/office/powerpoint/2010/main">
+    <mc:Choice Requires="p14">
+      <p:transition spd="slow" p14:dur="2000" advTm="24441"/>
+    </mc:Choice>
+    <mc:Fallback xmlns="">
+      <p:transition xmlns:p14="http://schemas.microsoft.com/office/powerpoint/2010/main" spd="slow" advTm="24441"/>
+    </mc:Fallback>
+  </mc:AlternateContent>
   <p:timing>
     <p:tnLst>
       <p:par>
@@ -7722,12 +7859,12 @@
           <a:graphicData uri="http://schemas.openxmlformats.org/presentationml/2006/ole">
             <mc:AlternateContent xmlns:mc="http://schemas.openxmlformats.org/markup-compatibility/2006">
               <mc:Choice xmlns:v="urn:schemas-microsoft-com:vml" Requires="v">
-                <p:oleObj spid="_x0000_s10268" name="Equation" r:id="rId4" imgW="914400" imgH="179640" progId="Equation.DSMT4">
+                <p:oleObj spid="_x0000_s10299" name="Equation" r:id="rId5" imgW="914400" imgH="179640" progId="Equation.DSMT4">
                   <p:embed/>
                 </p:oleObj>
               </mc:Choice>
               <mc:Fallback>
-                <p:oleObj name="Equation" r:id="rId4" imgW="914400" imgH="179640" progId="Equation.DSMT4">
+                <p:oleObj name="Equation" r:id="rId5" imgW="914400" imgH="179640" progId="Equation.DSMT4">
                   <p:embed/>
                   <p:pic>
                     <p:nvPicPr>
@@ -7738,7 +7875,7 @@
                       <p:nvPr/>
                     </p:nvPicPr>
                     <p:blipFill>
-                      <a:blip r:embed="rId5">
+                      <a:blip r:embed="rId6">
                         <a:extLst>
                           <a:ext uri="{28A0092B-C50C-407E-A947-70E740481C1C}">
                             <a14:useLocalDpi xmlns:a14="http://schemas.microsoft.com/office/drawing/2010/main" val="0"/>
@@ -7792,12 +7929,12 @@
           <a:graphicData uri="http://schemas.openxmlformats.org/presentationml/2006/ole">
             <mc:AlternateContent xmlns:mc="http://schemas.openxmlformats.org/markup-compatibility/2006">
               <mc:Choice xmlns:v="urn:schemas-microsoft-com:vml" Requires="v">
-                <p:oleObj spid="_x0000_s10269" name="Equation" r:id="rId6" imgW="215640" imgH="355320" progId="Equation.DSMT4">
+                <p:oleObj spid="_x0000_s10300" name="Equation" r:id="rId7" imgW="215640" imgH="355320" progId="Equation.DSMT4">
                   <p:embed/>
                 </p:oleObj>
               </mc:Choice>
               <mc:Fallback>
-                <p:oleObj name="Equation" r:id="rId6" imgW="215640" imgH="355320" progId="Equation.DSMT4">
+                <p:oleObj name="Equation" r:id="rId7" imgW="215640" imgH="355320" progId="Equation.DSMT4">
                   <p:embed/>
                   <p:pic>
                     <p:nvPicPr>
@@ -7808,7 +7945,7 @@
                       <p:nvPr/>
                     </p:nvPicPr>
                     <p:blipFill>
-                      <a:blip r:embed="rId7">
+                      <a:blip r:embed="rId8">
                         <a:extLst>
                           <a:ext uri="{28A0092B-C50C-407E-A947-70E740481C1C}">
                             <a14:useLocalDpi xmlns:a14="http://schemas.microsoft.com/office/drawing/2010/main" val="0"/>
@@ -7862,12 +7999,12 @@
           <a:graphicData uri="http://schemas.openxmlformats.org/presentationml/2006/ole">
             <mc:AlternateContent xmlns:mc="http://schemas.openxmlformats.org/markup-compatibility/2006">
               <mc:Choice xmlns:v="urn:schemas-microsoft-com:vml" Requires="v">
-                <p:oleObj spid="_x0000_s10270" name="Equation" r:id="rId8" imgW="215640" imgH="355320" progId="Equation.DSMT4">
+                <p:oleObj spid="_x0000_s10301" name="Equation" r:id="rId9" imgW="215640" imgH="355320" progId="Equation.DSMT4">
                   <p:embed/>
                 </p:oleObj>
               </mc:Choice>
               <mc:Fallback>
-                <p:oleObj name="Equation" r:id="rId8" imgW="215640" imgH="355320" progId="Equation.DSMT4">
+                <p:oleObj name="Equation" r:id="rId9" imgW="215640" imgH="355320" progId="Equation.DSMT4">
                   <p:embed/>
                   <p:pic>
                     <p:nvPicPr>
@@ -7878,7 +8015,7 @@
                       <p:nvPr/>
                     </p:nvPicPr>
                     <p:blipFill>
-                      <a:blip r:embed="rId9">
+                      <a:blip r:embed="rId10">
                         <a:extLst>
                           <a:ext uri="{28A0092B-C50C-407E-A947-70E740481C1C}">
                             <a14:useLocalDpi xmlns:a14="http://schemas.microsoft.com/office/drawing/2010/main" val="0"/>
@@ -8076,69 +8213,6 @@
           </a:p>
         </p:txBody>
       </p:sp>
-      <p:sp>
-        <p:nvSpPr>
-          <p:cNvPr id="10270" name="Text Box 10"/>
-          <p:cNvSpPr txBox="1">
-            <a:spLocks noChangeArrowheads="1"/>
-          </p:cNvSpPr>
-          <p:nvPr/>
-        </p:nvSpPr>
-        <p:spPr bwMode="auto">
-          <a:xfrm>
-            <a:off x="0" y="6580188"/>
-            <a:ext cx="3567113" cy="274637"/>
-          </a:xfrm>
-          <a:prstGeom prst="rect">
-            <a:avLst/>
-          </a:prstGeom>
-          <a:noFill/>
-          <a:ln w="9525">
-            <a:noFill/>
-            <a:miter lim="800000"/>
-            <a:headEnd/>
-            <a:tailEnd type="none" w="lg" len="lg"/>
-          </a:ln>
-        </p:spPr>
-        <p:txBody>
-          <a:bodyPr wrap="none">
-            <a:spAutoFit/>
-          </a:bodyPr>
-          <a:lstStyle/>
-          <a:p>
-            <a:r>
-              <a:rPr lang="en-US" sz="1000">
-                <a:latin typeface="Comic Sans MS" pitchFamily="66" charset="0"/>
-              </a:rPr>
-              <a:t>Copyright </a:t>
-            </a:r>
-            <a:r>
-              <a:rPr lang="en-US" sz="1000" i="1">
-                <a:latin typeface="Comic Sans MS" pitchFamily="66" charset="0"/>
-              </a:rPr>
-              <a:t>©</a:t>
-            </a:r>
-            <a:r>
-              <a:rPr lang="en-US" sz="1000">
-                <a:latin typeface="Comic Sans MS" pitchFamily="66" charset="0"/>
-              </a:rPr>
-              <a:t> Albert R. Meyer, 2007</a:t>
-            </a:r>
-            <a:r>
-              <a:rPr lang="en-US" sz="1200">
-                <a:latin typeface="Comic Sans MS" pitchFamily="66" charset="0"/>
-              </a:rPr>
-              <a:t>.  </a:t>
-            </a:r>
-            <a:r>
-              <a:rPr lang="en-US" sz="1000">
-                <a:latin typeface="Comic Sans MS" pitchFamily="66" charset="0"/>
-              </a:rPr>
-              <a:t>All rights reserved.</a:t>
-            </a:r>
-          </a:p>
-        </p:txBody>
-      </p:sp>
       <p:graphicFrame>
         <p:nvGraphicFramePr>
           <p:cNvPr id="30" name="Object 29"/>
@@ -8155,12 +8229,12 @@
           <a:graphicData uri="http://schemas.openxmlformats.org/presentationml/2006/ole">
             <mc:AlternateContent xmlns:mc="http://schemas.openxmlformats.org/markup-compatibility/2006">
               <mc:Choice xmlns:v="urn:schemas-microsoft-com:vml" Requires="v">
-                <p:oleObj spid="_x0000_s10271" name="Equation" r:id="rId10" imgW="139700" imgH="406400" progId="Equation.DSMT4">
+                <p:oleObj spid="_x0000_s10302" name="Equation" r:id="rId11" imgW="139700" imgH="406400" progId="Equation.DSMT4">
                   <p:embed/>
                 </p:oleObj>
               </mc:Choice>
               <mc:Fallback>
-                <p:oleObj name="Equation" r:id="rId10" imgW="139700" imgH="406400" progId="Equation.DSMT4">
+                <p:oleObj name="Equation" r:id="rId11" imgW="139700" imgH="406400" progId="Equation.DSMT4">
                   <p:embed/>
                   <p:pic>
                     <p:nvPicPr>
@@ -8171,7 +8245,7 @@
                       <p:nvPr/>
                     </p:nvPicPr>
                     <p:blipFill>
-                      <a:blip r:embed="rId11">
+                      <a:blip r:embed="rId12">
                         <a:extLst>
                           <a:ext uri="{28A0092B-C50C-407E-A947-70E740481C1C}">
                             <a14:useLocalDpi xmlns:a14="http://schemas.microsoft.com/office/drawing/2010/main" val="0"/>
@@ -8209,12 +8283,107 @@
           </a:graphicData>
         </a:graphic>
       </p:graphicFrame>
+      <p:sp>
+        <p:nvSpPr>
+          <p:cNvPr id="31" name="Date Placeholder 5"/>
+          <p:cNvSpPr txBox="1">
+            <a:spLocks/>
+          </p:cNvSpPr>
+          <p:nvPr/>
+        </p:nvSpPr>
+        <p:spPr>
+          <a:xfrm>
+            <a:off x="2971800" y="6553200"/>
+            <a:ext cx="3200400" cy="304800"/>
+          </a:xfrm>
+          <a:prstGeom prst="rect">
+            <a:avLst/>
+          </a:prstGeom>
+        </p:spPr>
+        <p:txBody>
+          <a:bodyPr/>
+          <a:lstStyle/>
+          <a:p>
+            <a:pPr marL="0" marR="0" lvl="0" indent="0" algn="l" defTabSz="914400" rtl="0" eaLnBrk="1" fontAlgn="base" latinLnBrk="0" hangingPunct="1">
+              <a:lnSpc>
+                <a:spcPct val="100000"/>
+              </a:lnSpc>
+              <a:spcBef>
+                <a:spcPct val="0"/>
+              </a:spcBef>
+              <a:spcAft>
+                <a:spcPct val="0"/>
+              </a:spcAft>
+              <a:buClrTx/>
+              <a:buSzTx/>
+              <a:buFontTx/>
+              <a:buNone/>
+              <a:tabLst/>
+              <a:defRPr/>
+            </a:pPr>
+            <a:r>
+              <a:rPr kumimoji="0" lang="en-US" sz="1200" b="0" i="0" u="none" strike="noStrike" kern="1200" cap="none" spc="0" normalizeH="0" baseline="0" noProof="0" dirty="0" smtClean="0">
+                <a:ln>
+                  <a:noFill/>
+                </a:ln>
+                <a:solidFill>
+                  <a:schemeClr val="tx1"/>
+                </a:solidFill>
+                <a:effectLst/>
+                <a:uLnTx/>
+                <a:uFillTx/>
+                <a:latin typeface="Comic Sans MS" pitchFamily="66" charset="0"/>
+              </a:rPr>
+              <a:t>Albert R Meyer,             November 4, 2011</a:t>
+            </a:r>
+            <a:endParaRPr kumimoji="0" lang="en-US" sz="1200" b="0" i="0" u="none" strike="noStrike" kern="1200" cap="none" spc="0" normalizeH="0" baseline="0" noProof="0" dirty="0">
+              <a:ln>
+                <a:noFill/>
+              </a:ln>
+              <a:solidFill>
+                <a:schemeClr val="tx1"/>
+              </a:solidFill>
+              <a:effectLst/>
+              <a:uLnTx/>
+              <a:uFillTx/>
+              <a:latin typeface="Comic Sans MS" pitchFamily="66" charset="0"/>
+            </a:endParaRPr>
+          </a:p>
+        </p:txBody>
+      </p:sp>
+      <p:pic>
+        <p:nvPicPr>
+          <p:cNvPr id="32" name="Picture 31" descr="license.img"/>
+          <p:cNvPicPr>
+            <a:picLocks/>
+          </p:cNvPicPr>
+          <p:nvPr/>
+        </p:nvPicPr>
+        <p:blipFill>
+          <a:blip r:embed="rId13"/>
+          <a:stretch>
+            <a:fillRect/>
+          </a:stretch>
+        </p:blipFill>
+        <p:spPr>
+          <a:xfrm>
+            <a:off x="38415" y="6553200"/>
+            <a:ext cx="875985" cy="290315"/>
+          </a:xfrm>
+          <a:prstGeom prst="rect">
+            <a:avLst/>
+          </a:prstGeom>
+        </p:spPr>
+      </p:pic>
     </p:spTree>
+    <p:custDataLst>
+      <p:tags r:id="rId2"/>
+    </p:custDataLst>
   </p:cSld>
   <p:clrMapOvr>
     <a:masterClrMapping/>
   </p:clrMapOvr>
-  <p:transition xmlns:p14="http://schemas.microsoft.com/office/powerpoint/2010/main">
+  <p:transition xmlns:p14="http://schemas.microsoft.com/office/powerpoint/2010/main" advTm="74493">
     <p:fade thruBlk="1"/>
   </p:transition>
   <p:timing>
@@ -8843,6 +9012,14 @@
   <p:clrMapOvr>
     <a:masterClrMapping/>
   </p:clrMapOvr>
+  <mc:AlternateContent xmlns:mc="http://schemas.openxmlformats.org/markup-compatibility/2006" xmlns:p14="http://schemas.microsoft.com/office/powerpoint/2010/main">
+    <mc:Choice Requires="p14">
+      <p:transition spd="slow" p14:dur="2000" advTm="23769"/>
+    </mc:Choice>
+    <mc:Fallback xmlns="">
+      <p:transition xmlns:p14="http://schemas.microsoft.com/office/powerpoint/2010/main" spd="slow" advTm="23769"/>
+    </mc:Fallback>
+  </mc:AlternateContent>
   <p:timing>
     <p:tnLst>
       <p:par>
@@ -8854,6 +9031,478 @@
 </file>
 
 <file path=ppt/slides/slide13.xml><?xml version="1.0" encoding="utf-8"?>
+<p:sld xmlns:a="http://schemas.openxmlformats.org/drawingml/2006/main" xmlns:r="http://schemas.openxmlformats.org/officeDocument/2006/relationships" xmlns:p="http://schemas.openxmlformats.org/presentationml/2006/main">
+  <p:cSld>
+    <p:spTree>
+      <p:nvGrpSpPr>
+        <p:cNvPr id="1" name=""/>
+        <p:cNvGrpSpPr/>
+        <p:nvPr/>
+      </p:nvGrpSpPr>
+      <p:grpSpPr>
+        <a:xfrm>
+          <a:off x="0" y="0"/>
+          <a:ext cx="0" cy="0"/>
+          <a:chOff x="0" y="0"/>
+          <a:chExt cx="0" cy="0"/>
+        </a:xfrm>
+      </p:grpSpPr>
+      <p:sp>
+        <p:nvSpPr>
+          <p:cNvPr id="11268" name="Rectangle 5"/>
+          <p:cNvSpPr>
+            <a:spLocks noChangeArrowheads="1"/>
+          </p:cNvSpPr>
+          <p:nvPr/>
+        </p:nvSpPr>
+        <p:spPr bwMode="auto">
+          <a:xfrm>
+            <a:off x="2878138" y="249238"/>
+            <a:ext cx="3398274" cy="830997"/>
+          </a:xfrm>
+          <a:prstGeom prst="rect">
+            <a:avLst/>
+          </a:prstGeom>
+          <a:noFill/>
+          <a:ln w="9525">
+            <a:noFill/>
+            <a:miter lim="800000"/>
+            <a:headEnd/>
+            <a:tailEnd/>
+          </a:ln>
+        </p:spPr>
+        <p:txBody>
+          <a:bodyPr wrap="none">
+            <a:spAutoFit/>
+          </a:bodyPr>
+          <a:lstStyle/>
+          <a:p>
+            <a:pPr eaLnBrk="0" hangingPunct="0"/>
+            <a:r>
+              <a:rPr lang="en-US" sz="4800" dirty="0" err="1" smtClean="0">
+                <a:solidFill>
+                  <a:srgbClr val="0000FF"/>
+                </a:solidFill>
+                <a:latin typeface="Comic Sans MS"/>
+                <a:cs typeface="Comic Sans MS"/>
+                <a:sym typeface="Symbol" pitchFamily="18" charset="2"/>
+              </a:rPr>
+              <a:t>Δ</a:t>
+            </a:r>
+            <a:r>
+              <a:rPr lang="en-US" sz="4800" dirty="0" smtClean="0">
+                <a:solidFill>
+                  <a:srgbClr val="0000FF"/>
+                </a:solidFill>
+                <a:latin typeface="Comic Sans MS"/>
+                <a:cs typeface="Comic Sans MS"/>
+                <a:sym typeface="Symbol" pitchFamily="18" charset="2"/>
+              </a:rPr>
+              <a:t>-</a:t>
+            </a:r>
+            <a:r>
+              <a:rPr lang="en-US" dirty="0" smtClean="0">
+                <a:solidFill>
+                  <a:srgbClr val="0000FF"/>
+                </a:solidFill>
+                <a:latin typeface="Comic Sans MS"/>
+                <a:cs typeface="Comic Sans MS"/>
+              </a:rPr>
+              <a:t>overhang</a:t>
+            </a:r>
+            <a:endParaRPr lang="en-US" dirty="0">
+              <a:solidFill>
+                <a:srgbClr val="0000FF"/>
+              </a:solidFill>
+              <a:latin typeface="Comic Sans MS"/>
+              <a:cs typeface="Comic Sans MS"/>
+            </a:endParaRPr>
+          </a:p>
+        </p:txBody>
+      </p:sp>
+      <p:grpSp>
+        <p:nvGrpSpPr>
+          <p:cNvPr id="2" name="Group 29"/>
+          <p:cNvGrpSpPr>
+            <a:grpSpLocks/>
+          </p:cNvGrpSpPr>
+          <p:nvPr/>
+        </p:nvGrpSpPr>
+        <p:grpSpPr bwMode="auto">
+          <a:xfrm>
+            <a:off x="2209800" y="2520950"/>
+            <a:ext cx="533400" cy="527050"/>
+            <a:chOff x="1392" y="1636"/>
+            <a:chExt cx="336" cy="332"/>
+          </a:xfrm>
+        </p:grpSpPr>
+        <p:sp>
+          <p:nvSpPr>
+            <p:cNvPr id="11285" name="AutoShape 7"/>
+            <p:cNvSpPr>
+              <a:spLocks noChangeArrowheads="1"/>
+            </p:cNvSpPr>
+            <p:nvPr/>
+          </p:nvSpPr>
+          <p:spPr bwMode="auto">
+            <a:xfrm rot="10800000">
+              <a:off x="1392" y="1680"/>
+              <a:ext cx="336" cy="288"/>
+            </a:xfrm>
+            <a:prstGeom prst="triangle">
+              <a:avLst>
+                <a:gd name="adj" fmla="val 50000"/>
+              </a:avLst>
+            </a:prstGeom>
+            <a:solidFill>
+              <a:schemeClr val="folHlink">
+                <a:alpha val="89803"/>
+              </a:schemeClr>
+            </a:solidFill>
+            <a:ln w="9525">
+              <a:solidFill>
+                <a:schemeClr val="tx1"/>
+              </a:solidFill>
+              <a:miter lim="800000"/>
+              <a:headEnd/>
+              <a:tailEnd/>
+            </a:ln>
+          </p:spPr>
+          <p:txBody>
+            <a:bodyPr wrap="none" anchor="ctr"/>
+            <a:lstStyle/>
+            <a:p>
+              <a:pPr eaLnBrk="0" hangingPunct="0"/>
+              <a:endParaRPr lang="en-US"/>
+            </a:p>
+          </p:txBody>
+        </p:sp>
+        <p:sp>
+          <p:nvSpPr>
+            <p:cNvPr id="11286" name="Text Box 11"/>
+            <p:cNvSpPr txBox="1">
+              <a:spLocks noChangeArrowheads="1"/>
+            </p:cNvSpPr>
+            <p:nvPr/>
+          </p:nvSpPr>
+          <p:spPr bwMode="auto">
+            <a:xfrm>
+              <a:off x="1440" y="1636"/>
+              <a:ext cx="210" cy="308"/>
+            </a:xfrm>
+            <a:prstGeom prst="rect">
+              <a:avLst/>
+            </a:prstGeom>
+            <a:noFill/>
+            <a:ln w="9525">
+              <a:noFill/>
+              <a:miter lim="800000"/>
+              <a:headEnd/>
+              <a:tailEnd/>
+            </a:ln>
+          </p:spPr>
+          <p:txBody>
+            <a:bodyPr wrap="none">
+              <a:spAutoFit/>
+            </a:bodyPr>
+            <a:lstStyle/>
+            <a:p>
+              <a:pPr eaLnBrk="0" hangingPunct="0"/>
+              <a:r>
+                <a:rPr lang="en-US" sz="2600">
+                  <a:latin typeface="Comic Sans MS" pitchFamily="66" charset="0"/>
+                </a:rPr>
+                <a:t>1</a:t>
+              </a:r>
+            </a:p>
+          </p:txBody>
+        </p:sp>
+      </p:grpSp>
+      <p:grpSp>
+        <p:nvGrpSpPr>
+          <p:cNvPr id="3" name="Group 36"/>
+          <p:cNvGrpSpPr>
+            <a:grpSpLocks/>
+          </p:cNvGrpSpPr>
+          <p:nvPr/>
+        </p:nvGrpSpPr>
+        <p:grpSpPr bwMode="auto">
+          <a:xfrm>
+            <a:off x="5867400" y="1219200"/>
+            <a:ext cx="2133600" cy="1828800"/>
+            <a:chOff x="3552" y="816"/>
+            <a:chExt cx="1344" cy="1152"/>
+          </a:xfrm>
+        </p:grpSpPr>
+        <p:sp>
+          <p:nvSpPr>
+            <p:cNvPr id="11283" name="AutoShape 20"/>
+            <p:cNvSpPr>
+              <a:spLocks noChangeArrowheads="1"/>
+            </p:cNvSpPr>
+            <p:nvPr/>
+          </p:nvSpPr>
+          <p:spPr bwMode="auto">
+            <a:xfrm rot="10800000">
+              <a:off x="3552" y="816"/>
+              <a:ext cx="1344" cy="1152"/>
+            </a:xfrm>
+            <a:prstGeom prst="triangle">
+              <a:avLst>
+                <a:gd name="adj" fmla="val 50000"/>
+              </a:avLst>
+            </a:prstGeom>
+            <a:solidFill>
+              <a:schemeClr val="folHlink">
+                <a:alpha val="89803"/>
+              </a:schemeClr>
+            </a:solidFill>
+            <a:ln w="9525">
+              <a:solidFill>
+                <a:schemeClr val="tx1"/>
+              </a:solidFill>
+              <a:miter lim="800000"/>
+              <a:headEnd/>
+              <a:tailEnd/>
+            </a:ln>
+          </p:spPr>
+          <p:txBody>
+            <a:bodyPr wrap="none" anchor="ctr"/>
+            <a:lstStyle/>
+            <a:p>
+              <a:pPr eaLnBrk="0" hangingPunct="0"/>
+              <a:endParaRPr lang="en-US"/>
+            </a:p>
+          </p:txBody>
+        </p:sp>
+        <p:sp>
+          <p:nvSpPr>
+            <p:cNvPr id="11284" name="Text Box 21"/>
+            <p:cNvSpPr txBox="1">
+              <a:spLocks noChangeArrowheads="1"/>
+            </p:cNvSpPr>
+            <p:nvPr/>
+          </p:nvSpPr>
+          <p:spPr bwMode="auto">
+            <a:xfrm>
+              <a:off x="4100" y="1045"/>
+              <a:ext cx="275" cy="423"/>
+            </a:xfrm>
+            <a:prstGeom prst="rect">
+              <a:avLst/>
+            </a:prstGeom>
+            <a:noFill/>
+            <a:ln w="9525">
+              <a:noFill/>
+              <a:miter lim="800000"/>
+              <a:headEnd/>
+              <a:tailEnd/>
+            </a:ln>
+          </p:spPr>
+          <p:txBody>
+            <a:bodyPr wrap="none">
+              <a:spAutoFit/>
+            </a:bodyPr>
+            <a:lstStyle/>
+            <a:p>
+              <a:pPr eaLnBrk="0" hangingPunct="0"/>
+              <a:r>
+                <a:rPr lang="en-US" sz="3800">
+                  <a:latin typeface="Comic Sans MS" pitchFamily="66" charset="0"/>
+                </a:rPr>
+                <a:t>n</a:t>
+              </a:r>
+            </a:p>
+          </p:txBody>
+        </p:sp>
+      </p:grpSp>
+      <p:grpSp>
+        <p:nvGrpSpPr>
+          <p:cNvPr id="11271" name="Group 38"/>
+          <p:cNvGrpSpPr>
+            <a:grpSpLocks/>
+          </p:cNvGrpSpPr>
+          <p:nvPr/>
+        </p:nvGrpSpPr>
+        <p:grpSpPr bwMode="auto">
+          <a:xfrm>
+            <a:off x="2438400" y="3429000"/>
+            <a:ext cx="4572000" cy="1096963"/>
+            <a:chOff x="1536" y="2304"/>
+            <a:chExt cx="2688" cy="544"/>
+          </a:xfrm>
+        </p:grpSpPr>
+        <p:sp>
+          <p:nvSpPr>
+            <p:cNvPr id="11279" name="Line 23"/>
+            <p:cNvSpPr>
+              <a:spLocks noChangeShapeType="1"/>
+            </p:cNvSpPr>
+            <p:nvPr/>
+          </p:nvSpPr>
+          <p:spPr bwMode="auto">
+            <a:xfrm>
+              <a:off x="1536" y="2448"/>
+              <a:ext cx="2688" cy="0"/>
+            </a:xfrm>
+            <a:prstGeom prst="line">
+              <a:avLst/>
+            </a:prstGeom>
+            <a:noFill/>
+            <a:ln w="25400">
+              <a:solidFill>
+                <a:schemeClr val="tx1"/>
+              </a:solidFill>
+              <a:prstDash val="sysDot"/>
+              <a:round/>
+              <a:headEnd type="stealth" w="lg" len="lg"/>
+              <a:tailEnd type="stealth" w="lg" len="lg"/>
+            </a:ln>
+          </p:spPr>
+          <p:txBody>
+            <a:bodyPr/>
+            <a:lstStyle/>
+            <a:p>
+              <a:endParaRPr lang="en-US"/>
+            </a:p>
+          </p:txBody>
+        </p:sp>
+        <p:sp>
+          <p:nvSpPr>
+            <p:cNvPr id="11280" name="Line 24"/>
+            <p:cNvSpPr>
+              <a:spLocks noChangeShapeType="1"/>
+            </p:cNvSpPr>
+            <p:nvPr/>
+          </p:nvSpPr>
+          <p:spPr bwMode="auto">
+            <a:xfrm>
+              <a:off x="1536" y="2304"/>
+              <a:ext cx="0" cy="288"/>
+            </a:xfrm>
+            <a:prstGeom prst="line">
+              <a:avLst/>
+            </a:prstGeom>
+            <a:noFill/>
+            <a:ln w="25400">
+              <a:solidFill>
+                <a:schemeClr val="tx1"/>
+              </a:solidFill>
+              <a:round/>
+              <a:headEnd/>
+              <a:tailEnd/>
+            </a:ln>
+          </p:spPr>
+          <p:txBody>
+            <a:bodyPr/>
+            <a:lstStyle/>
+            <a:p>
+              <a:endParaRPr lang="en-US"/>
+            </a:p>
+          </p:txBody>
+        </p:sp>
+        <p:sp>
+          <p:nvSpPr>
+            <p:cNvPr id="11281" name="Line 25"/>
+            <p:cNvSpPr>
+              <a:spLocks noChangeShapeType="1"/>
+            </p:cNvSpPr>
+            <p:nvPr/>
+          </p:nvSpPr>
+          <p:spPr bwMode="auto">
+            <a:xfrm>
+              <a:off x="4224" y="2304"/>
+              <a:ext cx="0" cy="288"/>
+            </a:xfrm>
+            <a:prstGeom prst="line">
+              <a:avLst/>
+            </a:prstGeom>
+            <a:noFill/>
+            <a:ln w="25400">
+              <a:solidFill>
+                <a:schemeClr val="tx1"/>
+              </a:solidFill>
+              <a:round/>
+              <a:headEnd/>
+              <a:tailEnd/>
+            </a:ln>
+          </p:spPr>
+          <p:txBody>
+            <a:bodyPr/>
+            <a:lstStyle/>
+            <a:p>
+              <a:endParaRPr lang="en-US"/>
+            </a:p>
+          </p:txBody>
+        </p:sp>
+        <p:sp>
+          <p:nvSpPr>
+            <p:cNvPr id="11282" name="Text Box 26"/>
+            <p:cNvSpPr txBox="1">
+              <a:spLocks noChangeArrowheads="1"/>
+            </p:cNvSpPr>
+            <p:nvPr/>
+          </p:nvSpPr>
+          <p:spPr bwMode="auto">
+            <a:xfrm>
+              <a:off x="2642" y="2528"/>
+              <a:ext cx="535" cy="320"/>
+            </a:xfrm>
+            <a:prstGeom prst="rect">
+              <a:avLst/>
+            </a:prstGeom>
+            <a:noFill/>
+            <a:ln w="9525">
+              <a:noFill/>
+              <a:miter lim="800000"/>
+              <a:headEnd/>
+              <a:tailEnd/>
+            </a:ln>
+          </p:spPr>
+          <p:txBody>
+            <a:bodyPr wrap="none">
+              <a:spAutoFit/>
+            </a:bodyPr>
+            <a:lstStyle/>
+            <a:p>
+              <a:pPr eaLnBrk="0" hangingPunct="0"/>
+              <a:r>
+                <a:rPr lang="en-US" sz="3600">
+                  <a:latin typeface="Comic Sans MS" pitchFamily="66" charset="0"/>
+                </a:rPr>
+                <a:t>1/2</a:t>
+              </a:r>
+            </a:p>
+          </p:txBody>
+        </p:sp>
+      </p:grpSp>
+    </p:spTree>
+    <p:custDataLst>
+      <p:tags r:id="rId1"/>
+    </p:custDataLst>
+  </p:cSld>
+  <p:clrMapOvr>
+    <a:masterClrMapping/>
+  </p:clrMapOvr>
+  <mc:AlternateContent xmlns:mc="http://schemas.openxmlformats.org/markup-compatibility/2006" xmlns:p14="http://schemas.microsoft.com/office/powerpoint/2010/main">
+    <mc:Choice Requires="p14">
+      <p:transition spd="slow" p14:dur="2000" advTm="44212"/>
+    </mc:Choice>
+    <mc:Fallback xmlns="">
+      <p:transition xmlns:p14="http://schemas.microsoft.com/office/powerpoint/2010/main" spd="slow" advTm="44212"/>
+    </mc:Fallback>
+  </mc:AlternateContent>
+  <p:timing>
+    <p:tnLst>
+      <p:par>
+        <p:cTn xmlns:p14="http://schemas.microsoft.com/office/powerpoint/2010/main" id="1" dur="indefinite" restart="never" nodeType="tmRoot"/>
+      </p:par>
+    </p:tnLst>
+  </p:timing>
+</p:sld>
+</file>
+
+<file path=ppt/slides/slide14.xml><?xml version="1.0" encoding="utf-8"?>
 <p:sld xmlns:a="http://schemas.openxmlformats.org/drawingml/2006/main" xmlns:r="http://schemas.openxmlformats.org/officeDocument/2006/relationships" xmlns:p="http://schemas.openxmlformats.org/presentationml/2006/main">
   <p:cSld>
     <p:spTree>
@@ -8886,23 +9535,23 @@
           <a:graphicData uri="http://schemas.openxmlformats.org/presentationml/2006/ole">
             <mc:AlternateContent xmlns:mc="http://schemas.openxmlformats.org/markup-compatibility/2006">
               <mc:Choice xmlns:v="urn:schemas-microsoft-com:vml" Requires="v">
-                <p:oleObj spid="_x0000_s11274" name="Equation" r:id="rId4" imgW="1219200" imgH="546100" progId="Equation.DSMT4">
+                <p:oleObj spid="_x0000_s1030" name="Equation" r:id="rId5" imgW="1219200" imgH="546100" progId="Equation.DSMT4">
                   <p:embed/>
                 </p:oleObj>
               </mc:Choice>
               <mc:Fallback>
-                <p:oleObj name="Equation" r:id="rId4" imgW="1219200" imgH="546100" progId="Equation.DSMT4">
+                <p:oleObj name="Equation" r:id="rId5" imgW="1219200" imgH="546100" progId="Equation.DSMT4">
                   <p:embed/>
                   <p:pic>
                     <p:nvPicPr>
-                      <p:cNvPr id="0" name="Object 4"/>
+                      <p:cNvPr id="0" name=""/>
                       <p:cNvPicPr>
                         <a:picLocks noChangeAspect="1" noChangeArrowheads="1"/>
                       </p:cNvPicPr>
                       <p:nvPr/>
                     </p:nvPicPr>
                     <p:blipFill>
-                      <a:blip r:embed="rId5">
+                      <a:blip r:embed="rId6">
                         <a:extLst>
                           <a:ext uri="{28A0092B-C50C-407E-A947-70E740481C1C}">
                             <a14:useLocalDpi xmlns:a14="http://schemas.microsoft.com/office/drawing/2010/main" val="0"/>
@@ -9596,10 +10245,26 @@
         </p:cxnSp>
       </p:grpSp>
     </p:spTree>
+    <p:custDataLst>
+      <p:tags r:id="rId2"/>
+    </p:custDataLst>
+    <p:extLst>
+      <p:ext uri="{BB962C8B-B14F-4D97-AF65-F5344CB8AC3E}">
+        <p14:creationId xmlns:p14="http://schemas.microsoft.com/office/powerpoint/2010/main" val="1231828727"/>
+      </p:ext>
+    </p:extLst>
   </p:cSld>
   <p:clrMapOvr>
     <a:masterClrMapping/>
   </p:clrMapOvr>
+  <mc:AlternateContent xmlns:mc="http://schemas.openxmlformats.org/markup-compatibility/2006" xmlns:p14="http://schemas.microsoft.com/office/powerpoint/2010/main">
+    <mc:Choice Requires="p14">
+      <p:transition spd="slow" p14:dur="2000" advTm="52544"/>
+    </mc:Choice>
+    <mc:Fallback xmlns="">
+      <p:transition xmlns:p14="http://schemas.microsoft.com/office/powerpoint/2010/main" spd="slow" advTm="52544"/>
+    </mc:Fallback>
+  </mc:AlternateContent>
   <p:timing>
     <p:tnLst>
       <p:par>
@@ -9792,7 +10457,7 @@
 </p:sld>
 </file>
 
-<file path=ppt/slides/slide14.xml><?xml version="1.0" encoding="utf-8"?>
+<file path=ppt/slides/slide15.xml><?xml version="1.0" encoding="utf-8"?>
 <p:sld xmlns:a="http://schemas.openxmlformats.org/drawingml/2006/main" xmlns:r="http://schemas.openxmlformats.org/officeDocument/2006/relationships" xmlns:p="http://schemas.openxmlformats.org/presentationml/2006/main" show="0">
   <p:cSld>
     <p:spTree>
@@ -9905,7 +10570,7 @@
           <a:graphicData uri="http://schemas.openxmlformats.org/presentationml/2006/ole">
             <mc:AlternateContent xmlns:mc="http://schemas.openxmlformats.org/markup-compatibility/2006">
               <mc:Choice xmlns:v="urn:schemas-microsoft-com:vml" Requires="v">
-                <p:oleObj spid="_x0000_s12298" name="Equation" r:id="rId4" imgW="1942920" imgH="431640" progId="Equation.DSMT4">
+                <p:oleObj spid="_x0000_s12307" name="Equation" r:id="rId4" imgW="1942920" imgH="431640" progId="Equation.DSMT4">
                   <p:embed/>
                 </p:oleObj>
               </mc:Choice>
@@ -10193,7 +10858,7 @@
 </p:sld>
 </file>
 
-<file path=ppt/slides/slide15.xml><?xml version="1.0" encoding="utf-8"?>
+<file path=ppt/slides/slide16.xml><?xml version="1.0" encoding="utf-8"?>
 <p:sld xmlns:a="http://schemas.openxmlformats.org/drawingml/2006/main" xmlns:r="http://schemas.openxmlformats.org/officeDocument/2006/relationships" xmlns:p="http://schemas.openxmlformats.org/presentationml/2006/main">
   <p:cSld>
     <p:spTree>
@@ -11021,7 +11686,7 @@
           <a:graphicData uri="http://schemas.openxmlformats.org/presentationml/2006/ole">
             <mc:AlternateContent xmlns:mc="http://schemas.openxmlformats.org/markup-compatibility/2006">
               <mc:Choice xmlns:v="urn:schemas-microsoft-com:vml" Requires="v">
-                <p:oleObj spid="_x0000_s13346" name="Equation" r:id="rId4" imgW="914400" imgH="179640" progId="Equation.DSMT4">
+                <p:oleObj spid="_x0000_s13384" name="Equation" r:id="rId4" imgW="914400" imgH="179640" progId="Equation.DSMT4">
                   <p:embed/>
                 </p:oleObj>
               </mc:Choice>
@@ -11091,7 +11756,7 @@
           <a:graphicData uri="http://schemas.openxmlformats.org/presentationml/2006/ole">
             <mc:AlternateContent xmlns:mc="http://schemas.openxmlformats.org/markup-compatibility/2006">
               <mc:Choice xmlns:v="urn:schemas-microsoft-com:vml" Requires="v">
-                <p:oleObj spid="_x0000_s13347" name="Equation" r:id="rId6" imgW="215640" imgH="355320" progId="Equation.DSMT4">
+                <p:oleObj spid="_x0000_s13385" name="Equation" r:id="rId6" imgW="215640" imgH="355320" progId="Equation.DSMT4">
                   <p:embed/>
                 </p:oleObj>
               </mc:Choice>
@@ -11161,7 +11826,7 @@
           <a:graphicData uri="http://schemas.openxmlformats.org/presentationml/2006/ole">
             <mc:AlternateContent xmlns:mc="http://schemas.openxmlformats.org/markup-compatibility/2006">
               <mc:Choice xmlns:v="urn:schemas-microsoft-com:vml" Requires="v">
-                <p:oleObj spid="_x0000_s13348" name="Equation" r:id="rId8" imgW="215640" imgH="355320" progId="Equation.DSMT4">
+                <p:oleObj spid="_x0000_s13386" name="Equation" r:id="rId8" imgW="215640" imgH="355320" progId="Equation.DSMT4">
                   <p:embed/>
                 </p:oleObj>
               </mc:Choice>
@@ -11391,7 +12056,7 @@
           <a:graphicData uri="http://schemas.openxmlformats.org/presentationml/2006/ole">
             <mc:AlternateContent xmlns:mc="http://schemas.openxmlformats.org/markup-compatibility/2006">
               <mc:Choice xmlns:v="urn:schemas-microsoft-com:vml" Requires="v">
-                <p:oleObj spid="_x0000_s13349" name="Equation" r:id="rId10" imgW="520560" imgH="419040" progId="Equation.DSMT4">
+                <p:oleObj spid="_x0000_s13387" name="Equation" r:id="rId10" imgW="520560" imgH="419040" progId="Equation.DSMT4">
                   <p:embed/>
                 </p:oleObj>
               </mc:Choice>
@@ -11461,7 +12126,7 @@
           <a:graphicData uri="http://schemas.openxmlformats.org/presentationml/2006/ole">
             <mc:AlternateContent xmlns:mc="http://schemas.openxmlformats.org/markup-compatibility/2006">
               <mc:Choice xmlns:v="urn:schemas-microsoft-com:vml" Requires="v">
-                <p:oleObj spid="_x0000_s13350" name="Equation" r:id="rId12" imgW="139700" imgH="406400" progId="Equation.DSMT4">
+                <p:oleObj spid="_x0000_s13388" name="Equation" r:id="rId12" imgW="139700" imgH="406400" progId="Equation.DSMT4">
                   <p:embed/>
                 </p:oleObj>
               </mc:Choice>
@@ -11515,12 +12180,104 @@
           </a:graphicData>
         </a:graphic>
       </p:graphicFrame>
+      <p:sp>
+        <p:nvSpPr>
+          <p:cNvPr id="31" name="Date Placeholder 5"/>
+          <p:cNvSpPr txBox="1">
+            <a:spLocks/>
+          </p:cNvSpPr>
+          <p:nvPr/>
+        </p:nvSpPr>
+        <p:spPr>
+          <a:xfrm>
+            <a:off x="2971800" y="6553200"/>
+            <a:ext cx="3200400" cy="304800"/>
+          </a:xfrm>
+          <a:prstGeom prst="rect">
+            <a:avLst/>
+          </a:prstGeom>
+        </p:spPr>
+        <p:txBody>
+          <a:bodyPr/>
+          <a:lstStyle/>
+          <a:p>
+            <a:pPr marL="0" marR="0" lvl="0" indent="0" algn="l" defTabSz="914400" rtl="0" eaLnBrk="1" fontAlgn="base" latinLnBrk="0" hangingPunct="1">
+              <a:lnSpc>
+                <a:spcPct val="100000"/>
+              </a:lnSpc>
+              <a:spcBef>
+                <a:spcPct val="0"/>
+              </a:spcBef>
+              <a:spcAft>
+                <a:spcPct val="0"/>
+              </a:spcAft>
+              <a:buClrTx/>
+              <a:buSzTx/>
+              <a:buFontTx/>
+              <a:buNone/>
+              <a:tabLst/>
+              <a:defRPr/>
+            </a:pPr>
+            <a:r>
+              <a:rPr kumimoji="0" lang="en-US" sz="1200" b="0" i="0" u="none" strike="noStrike" kern="1200" cap="none" spc="0" normalizeH="0" baseline="0" noProof="0" dirty="0" smtClean="0">
+                <a:ln>
+                  <a:noFill/>
+                </a:ln>
+                <a:solidFill>
+                  <a:schemeClr val="tx1"/>
+                </a:solidFill>
+                <a:effectLst/>
+                <a:uLnTx/>
+                <a:uFillTx/>
+                <a:latin typeface="Comic Sans MS" pitchFamily="66" charset="0"/>
+              </a:rPr>
+              <a:t>Albert R Meyer,             November 4, 2011</a:t>
+            </a:r>
+            <a:endParaRPr kumimoji="0" lang="en-US" sz="1200" b="0" i="0" u="none" strike="noStrike" kern="1200" cap="none" spc="0" normalizeH="0" baseline="0" noProof="0" dirty="0">
+              <a:ln>
+                <a:noFill/>
+              </a:ln>
+              <a:solidFill>
+                <a:schemeClr val="tx1"/>
+              </a:solidFill>
+              <a:effectLst/>
+              <a:uLnTx/>
+              <a:uFillTx/>
+              <a:latin typeface="Comic Sans MS" pitchFamily="66" charset="0"/>
+            </a:endParaRPr>
+          </a:p>
+        </p:txBody>
+      </p:sp>
+      <p:pic>
+        <p:nvPicPr>
+          <p:cNvPr id="32" name="Picture 31" descr="license.img"/>
+          <p:cNvPicPr>
+            <a:picLocks/>
+          </p:cNvPicPr>
+          <p:nvPr/>
+        </p:nvPicPr>
+        <p:blipFill>
+          <a:blip r:embed="rId14"/>
+          <a:stretch>
+            <a:fillRect/>
+          </a:stretch>
+        </p:blipFill>
+        <p:spPr>
+          <a:xfrm>
+            <a:off x="38415" y="6553200"/>
+            <a:ext cx="875985" cy="290315"/>
+          </a:xfrm>
+          <a:prstGeom prst="rect">
+            <a:avLst/>
+          </a:prstGeom>
+        </p:spPr>
+      </p:pic>
     </p:spTree>
   </p:cSld>
   <p:clrMapOvr>
     <a:masterClrMapping/>
   </p:clrMapOvr>
-  <p:transition xmlns:p14="http://schemas.microsoft.com/office/powerpoint/2010/main">
+  <p:transition xmlns:p14="http://schemas.microsoft.com/office/powerpoint/2010/main" advTm="29777">
     <p:fade thruBlk="1"/>
   </p:transition>
   <p:timing>
@@ -11533,7 +12290,7 @@
 </p:sld>
 </file>
 
-<file path=ppt/slides/slide16.xml><?xml version="1.0" encoding="utf-8"?>
+<file path=ppt/slides/slide17.xml><?xml version="1.0" encoding="utf-8"?>
 <p:sld xmlns:a="http://schemas.openxmlformats.org/drawingml/2006/main" xmlns:r="http://schemas.openxmlformats.org/officeDocument/2006/relationships" xmlns:p="http://schemas.openxmlformats.org/presentationml/2006/main">
   <p:cSld>
     <p:spTree>
@@ -11748,12 +12505,12 @@
           <a:graphicData uri="http://schemas.openxmlformats.org/presentationml/2006/ole">
             <mc:AlternateContent xmlns:mc="http://schemas.openxmlformats.org/markup-compatibility/2006">
               <mc:Choice xmlns:v="urn:schemas-microsoft-com:vml" Requires="v">
-                <p:oleObj spid="_x0000_s14351" name="Equation" r:id="rId4" imgW="520560" imgH="419040" progId="Equation.DSMT4">
+                <p:oleObj spid="_x0000_s14370" name="Equation" r:id="rId5" imgW="520560" imgH="419040" progId="Equation.DSMT4">
                   <p:embed/>
                 </p:oleObj>
               </mc:Choice>
               <mc:Fallback>
-                <p:oleObj name="Equation" r:id="rId4" imgW="520560" imgH="419040" progId="Equation.DSMT4">
+                <p:oleObj name="Equation" r:id="rId5" imgW="520560" imgH="419040" progId="Equation.DSMT4">
                   <p:embed/>
                   <p:pic>
                     <p:nvPicPr>
@@ -11764,7 +12521,7 @@
                       <p:nvPr/>
                     </p:nvPicPr>
                     <p:blipFill>
-                      <a:blip r:embed="rId5">
+                      <a:blip r:embed="rId6">
                         <a:extLst>
                           <a:ext uri="{28A0092B-C50C-407E-A947-70E740481C1C}">
                             <a14:useLocalDpi xmlns:a14="http://schemas.microsoft.com/office/drawing/2010/main" val="0"/>
@@ -11900,12 +12657,12 @@
           <a:graphicData uri="http://schemas.openxmlformats.org/presentationml/2006/ole">
             <mc:AlternateContent xmlns:mc="http://schemas.openxmlformats.org/markup-compatibility/2006">
               <mc:Choice xmlns:v="urn:schemas-microsoft-com:vml" Requires="v">
-                <p:oleObj spid="_x0000_s14352" name="Equation" r:id="rId6" imgW="1295400" imgH="469900" progId="Equation.3">
+                <p:oleObj spid="_x0000_s14371" name="Equation" r:id="rId7" imgW="1295400" imgH="469900" progId="Equation.3">
                   <p:embed/>
                 </p:oleObj>
               </mc:Choice>
               <mc:Fallback>
-                <p:oleObj name="Equation" r:id="rId6" imgW="1295400" imgH="469900" progId="Equation.3">
+                <p:oleObj name="Equation" r:id="rId7" imgW="1295400" imgH="469900" progId="Equation.3">
                   <p:embed/>
                   <p:pic>
                     <p:nvPicPr>
@@ -11916,7 +12673,7 @@
                       <p:nvPr/>
                     </p:nvPicPr>
                     <p:blipFill>
-                      <a:blip r:embed="rId7"/>
+                      <a:blip r:embed="rId8"/>
                       <a:srcRect/>
                       <a:stretch>
                         <a:fillRect/>
@@ -11974,11 +12731,14 @@
         </a:graphic>
       </p:graphicFrame>
     </p:spTree>
+    <p:custDataLst>
+      <p:tags r:id="rId2"/>
+    </p:custDataLst>
   </p:cSld>
   <p:clrMapOvr>
     <a:masterClrMapping/>
   </p:clrMapOvr>
-  <p:transition xmlns:p14="http://schemas.microsoft.com/office/powerpoint/2010/main">
+  <p:transition xmlns:p14="http://schemas.microsoft.com/office/powerpoint/2010/main" advTm="34302">
     <p:fade/>
   </p:transition>
   <p:timing>
@@ -12032,15 +12792,33 @@
                                   </p:childTnLst>
                                 </p:cTn>
                               </p:par>
+                            </p:childTnLst>
+                          </p:cTn>
+                        </p:par>
+                      </p:childTnLst>
+                    </p:cTn>
+                  </p:par>
+                  <p:par>
+                    <p:cTn id="7" fill="hold">
+                      <p:stCondLst>
+                        <p:cond delay="indefinite"/>
+                      </p:stCondLst>
+                      <p:childTnLst>
+                        <p:par>
+                          <p:cTn id="8" fill="hold">
+                            <p:stCondLst>
+                              <p:cond delay="0"/>
+                            </p:stCondLst>
+                            <p:childTnLst>
                               <p:par>
-                                <p:cTn id="7" presetID="1" presetClass="entr" presetSubtype="0" fill="hold" nodeType="withEffect">
+                                <p:cTn id="9" presetID="9" presetClass="entr" presetSubtype="0" fill="hold" nodeType="clickEffect">
                                   <p:stCondLst>
                                     <p:cond delay="0"/>
                                   </p:stCondLst>
                                   <p:childTnLst>
                                     <p:set>
                                       <p:cBhvr>
-                                        <p:cTn id="8" dur="1" fill="hold">
+                                        <p:cTn id="10" dur="1" fill="hold">
                                           <p:stCondLst>
                                             <p:cond delay="0"/>
                                           </p:stCondLst>
@@ -12060,18 +12838,39 @@
                                         <p:strVal val="visible"/>
                                       </p:to>
                                     </p:set>
+                                    <p:animEffect transition="in" filter="dissolve">
+                                      <p:cBhvr>
+                                        <p:cTn id="11" dur="500"/>
+                                        <p:tgtEl>
+                                          <p:spTgt spid="81923">
+                                            <p:txEl>
+                                              <p:pRg st="2" end="2"/>
+                                            </p:txEl>
+                                          </p:spTgt>
+                                        </p:tgtEl>
+                                      </p:cBhvr>
+                                    </p:animEffect>
                                   </p:childTnLst>
                                 </p:cTn>
                               </p:par>
+                            </p:childTnLst>
+                          </p:cTn>
+                        </p:par>
+                        <p:par>
+                          <p:cTn id="12" fill="hold">
+                            <p:stCondLst>
+                              <p:cond delay="500"/>
+                            </p:stCondLst>
+                            <p:childTnLst>
                               <p:par>
-                                <p:cTn id="9" presetID="1" presetClass="entr" presetSubtype="0" fill="hold" nodeType="withEffect">
+                                <p:cTn id="13" presetID="9" presetClass="entr" presetSubtype="0" fill="hold" nodeType="afterEffect">
                                   <p:stCondLst>
                                     <p:cond delay="0"/>
                                   </p:stCondLst>
                                   <p:childTnLst>
                                     <p:set>
                                       <p:cBhvr>
-                                        <p:cTn id="10" dur="1" fill="hold">
+                                        <p:cTn id="14" dur="1" fill="hold">
                                           <p:stCondLst>
                                             <p:cond delay="0"/>
                                           </p:stCondLst>
@@ -12087,6 +12886,14 @@
                                         <p:strVal val="visible"/>
                                       </p:to>
                                     </p:set>
+                                    <p:animEffect transition="in" filter="dissolve">
+                                      <p:cBhvr>
+                                        <p:cTn id="15" dur="500"/>
+                                        <p:tgtEl>
+                                          <p:spTgt spid="14338"/>
+                                        </p:tgtEl>
+                                      </p:cBhvr>
+                                    </p:animEffect>
                                   </p:childTnLst>
                                 </p:cTn>
                               </p:par>
@@ -12097,26 +12904,26 @@
                     </p:cTn>
                   </p:par>
                   <p:par>
-                    <p:cTn id="11" fill="hold">
+                    <p:cTn id="16" fill="hold">
                       <p:stCondLst>
                         <p:cond delay="indefinite"/>
                       </p:stCondLst>
                       <p:childTnLst>
                         <p:par>
-                          <p:cTn id="12" fill="hold">
+                          <p:cTn id="17" fill="hold">
                             <p:stCondLst>
                               <p:cond delay="0"/>
                             </p:stCondLst>
                             <p:childTnLst>
                               <p:par>
-                                <p:cTn id="13" presetID="1" presetClass="entr" presetSubtype="0" fill="hold" nodeType="clickEffect">
+                                <p:cTn id="18" presetID="1" presetClass="entr" presetSubtype="0" fill="hold" nodeType="clickEffect">
                                   <p:stCondLst>
                                     <p:cond delay="0"/>
                                   </p:stCondLst>
                                   <p:childTnLst>
                                     <p:set>
                                       <p:cBhvr>
-                                        <p:cTn id="14" dur="1" fill="hold">
+                                        <p:cTn id="19" dur="1" fill="hold">
                                           <p:stCondLst>
                                             <p:cond delay="0"/>
                                           </p:stCondLst>
@@ -12143,20 +12950,20 @@
                           </p:cTn>
                         </p:par>
                         <p:par>
-                          <p:cTn id="15" fill="hold">
+                          <p:cTn id="20" fill="hold">
                             <p:stCondLst>
                               <p:cond delay="0"/>
                             </p:stCondLst>
                             <p:childTnLst>
                               <p:par>
-                                <p:cTn id="16" presetID="22" presetClass="entr" presetSubtype="8" fill="hold" nodeType="afterEffect">
+                                <p:cTn id="21" presetID="22" presetClass="entr" presetSubtype="8" fill="hold" nodeType="afterEffect">
                                   <p:stCondLst>
                                     <p:cond delay="0"/>
                                   </p:stCondLst>
                                   <p:childTnLst>
                                     <p:set>
                                       <p:cBhvr>
-                                        <p:cTn id="17" dur="1" fill="hold">
+                                        <p:cTn id="22" dur="1" fill="hold">
                                           <p:stCondLst>
                                             <p:cond delay="0"/>
                                           </p:stCondLst>
@@ -12174,7 +12981,7 @@
                                     </p:set>
                                     <p:animEffect transition="in" filter="wipe(left)">
                                       <p:cBhvr>
-                                        <p:cTn id="18" dur="1000"/>
+                                        <p:cTn id="23" dur="1000"/>
                                         <p:tgtEl>
                                           <p:spTgt spid="81933"/>
                                         </p:tgtEl>
@@ -12214,7 +13021,7 @@
 </p:sld>
 </file>
 
-<file path=ppt/slides/slide17.xml><?xml version="1.0" encoding="utf-8"?>
+<file path=ppt/slides/slide18.xml><?xml version="1.0" encoding="utf-8"?>
 <p:sld xmlns:a="http://schemas.openxmlformats.org/drawingml/2006/main" xmlns:r="http://schemas.openxmlformats.org/officeDocument/2006/relationships" xmlns:p="http://schemas.openxmlformats.org/presentationml/2006/main">
   <p:cSld>
     <p:spTree>
@@ -12253,12 +13060,12 @@
           <a:graphicData uri="http://schemas.openxmlformats.org/presentationml/2006/ole">
             <mc:AlternateContent xmlns:mc="http://schemas.openxmlformats.org/markup-compatibility/2006">
               <mc:Choice xmlns:v="urn:schemas-microsoft-com:vml" Requires="v">
-                <p:oleObj spid="_x0000_s15370" name="Equation" r:id="rId4" imgW="1422400" imgH="419100" progId="Equation.3">
+                <p:oleObj spid="_x0000_s15381" name="Equation" r:id="rId5" imgW="1422400" imgH="419100" progId="Equation.3">
                   <p:embed/>
                 </p:oleObj>
               </mc:Choice>
               <mc:Fallback>
-                <p:oleObj name="Equation" r:id="rId4" imgW="1422400" imgH="419100" progId="Equation.3">
+                <p:oleObj name="Equation" r:id="rId5" imgW="1422400" imgH="419100" progId="Equation.3">
                   <p:embed/>
                   <p:pic>
                     <p:nvPicPr>
@@ -12269,7 +13076,7 @@
                       <p:nvPr/>
                     </p:nvPicPr>
                     <p:blipFill>
-                      <a:blip r:embed="rId5"/>
+                      <a:blip r:embed="rId6"/>
                       <a:srcRect/>
                       <a:stretch>
                         <a:fillRect/>
@@ -12466,11 +13273,25 @@
         </p:txBody>
       </p:sp>
     </p:spTree>
+    <p:custDataLst>
+      <p:tags r:id="rId2"/>
+    </p:custDataLst>
   </p:cSld>
   <p:clrMapOvr>
     <a:masterClrMapping/>
   </p:clrMapOvr>
-  <p:transition xmlns:p14="http://schemas.microsoft.com/office/powerpoint/2010/main"/>
+  <mc:AlternateContent xmlns:mc="http://schemas.openxmlformats.org/markup-compatibility/2006" xmlns:p14="http://schemas.microsoft.com/office/powerpoint/2010/main">
+    <mc:Choice Requires="p14">
+      <p:transition spd="med" p14:dur="700" advTm="33839">
+        <p:fade/>
+      </p:transition>
+    </mc:Choice>
+    <mc:Fallback xmlns="">
+      <p:transition xmlns:p14="http://schemas.microsoft.com/office/powerpoint/2010/main" spd="med" advTm="33839">
+        <p:fade/>
+      </p:transition>
+    </mc:Fallback>
+  </mc:AlternateContent>
   <p:timing>
     <p:tnLst>
       <p:par>
@@ -12492,7 +13313,7 @@
                             </p:stCondLst>
                             <p:childTnLst>
                               <p:par>
-                                <p:cTn id="5" presetID="1" presetClass="entr" presetSubtype="0" fill="hold" nodeType="clickEffect">
+                                <p:cTn id="5" presetID="9" presetClass="entr" presetSubtype="0" fill="hold" nodeType="clickEffect">
                                   <p:stCondLst>
                                     <p:cond delay="0"/>
                                   </p:stCondLst>
@@ -12519,6 +13340,18 @@
                                         <p:strVal val="visible"/>
                                       </p:to>
                                     </p:set>
+                                    <p:animEffect transition="in" filter="dissolve">
+                                      <p:cBhvr>
+                                        <p:cTn id="7" dur="500"/>
+                                        <p:tgtEl>
+                                          <p:spTgt spid="82949">
+                                            <p:txEl>
+                                              <p:pRg st="0" end="0"/>
+                                            </p:txEl>
+                                          </p:spTgt>
+                                        </p:tgtEl>
+                                      </p:cBhvr>
+                                    </p:animEffect>
                                   </p:childTnLst>
                                 </p:cTn>
                               </p:par>
@@ -12529,26 +13362,26 @@
                     </p:cTn>
                   </p:par>
                   <p:par>
-                    <p:cTn id="7" fill="hold">
+                    <p:cTn id="8" fill="hold">
                       <p:stCondLst>
                         <p:cond delay="indefinite"/>
                       </p:stCondLst>
                       <p:childTnLst>
                         <p:par>
-                          <p:cTn id="8" fill="hold">
+                          <p:cTn id="9" fill="hold">
                             <p:stCondLst>
                               <p:cond delay="0"/>
                             </p:stCondLst>
                             <p:childTnLst>
                               <p:par>
-                                <p:cTn id="9" presetID="1" presetClass="entr" presetSubtype="0" fill="hold" nodeType="clickEffect">
+                                <p:cTn id="10" presetID="9" presetClass="entr" presetSubtype="0" fill="hold" nodeType="clickEffect">
                                   <p:stCondLst>
                                     <p:cond delay="0"/>
                                   </p:stCondLst>
                                   <p:childTnLst>
                                     <p:set>
                                       <p:cBhvr>
-                                        <p:cTn id="10" dur="1" fill="hold">
+                                        <p:cTn id="11" dur="1" fill="hold">
                                           <p:stCondLst>
                                             <p:cond delay="0"/>
                                           </p:stCondLst>
@@ -12568,6 +13401,18 @@
                                         <p:strVal val="visible"/>
                                       </p:to>
                                     </p:set>
+                                    <p:animEffect transition="in" filter="dissolve">
+                                      <p:cBhvr>
+                                        <p:cTn id="12" dur="500"/>
+                                        <p:tgtEl>
+                                          <p:spTgt spid="82949">
+                                            <p:txEl>
+                                              <p:pRg st="1" end="1"/>
+                                            </p:txEl>
+                                          </p:spTgt>
+                                        </p:tgtEl>
+                                      </p:cBhvr>
+                                    </p:animEffect>
                                   </p:childTnLst>
                                 </p:cTn>
                               </p:par>
@@ -12602,7 +13447,7 @@
 </p:sld>
 </file>
 
-<file path=ppt/slides/slide18.xml><?xml version="1.0" encoding="utf-8"?>
+<file path=ppt/slides/slide19.xml><?xml version="1.0" encoding="utf-8"?>
 <p:sld xmlns:a="http://schemas.openxmlformats.org/drawingml/2006/main" xmlns:r="http://schemas.openxmlformats.org/officeDocument/2006/relationships" xmlns:p="http://schemas.openxmlformats.org/presentationml/2006/main">
   <p:cSld>
     <p:spTree>
@@ -13739,11 +14584,14 @@
         </p:txBody>
       </p:sp>
     </p:spTree>
+    <p:custDataLst>
+      <p:tags r:id="rId1"/>
+    </p:custDataLst>
   </p:cSld>
   <p:clrMapOvr>
     <a:masterClrMapping/>
   </p:clrMapOvr>
-  <p:transition xmlns:p14="http://schemas.microsoft.com/office/powerpoint/2010/main">
+  <p:transition xmlns:p14="http://schemas.microsoft.com/office/powerpoint/2010/main" advTm="76485">
     <p:fade thruBlk="1"/>
   </p:transition>
   <p:timing>
@@ -14338,7 +15186,7 @@
 </p:sld>
 </file>
 
-<file path=ppt/slides/slide19.xml><?xml version="1.0" encoding="utf-8"?>
+<file path=ppt/slides/slide2.xml><?xml version="1.0" encoding="utf-8"?>
 <p:sld xmlns:a="http://schemas.openxmlformats.org/drawingml/2006/main" xmlns:r="http://schemas.openxmlformats.org/officeDocument/2006/relationships" xmlns:p="http://schemas.openxmlformats.org/presentationml/2006/main">
   <p:cSld>
     <p:spTree>
@@ -14357,6 +15205,459 @@
       </p:grpSpPr>
       <p:sp>
         <p:nvSpPr>
+          <p:cNvPr id="55298" name="Rectangle 2"/>
+          <p:cNvSpPr>
+            <a:spLocks noGrp="1" noChangeArrowheads="1"/>
+          </p:cNvSpPr>
+          <p:nvPr>
+            <p:ph type="title"/>
+          </p:nvPr>
+        </p:nvSpPr>
+        <p:spPr>
+          <a:xfrm>
+            <a:off x="685800" y="0"/>
+            <a:ext cx="7772400" cy="1143000"/>
+          </a:xfrm>
+        </p:spPr>
+        <p:txBody>
+          <a:bodyPr/>
+          <a:lstStyle/>
+          <a:p>
+            <a:pPr eaLnBrk="1" hangingPunct="1"/>
+            <a:r>
+              <a:rPr lang="en-US" sz="3200" smtClean="0"/>
+              <a:t>Book Stacking</a:t>
+            </a:r>
+          </a:p>
+        </p:txBody>
+      </p:sp>
+      <p:sp>
+        <p:nvSpPr>
+          <p:cNvPr id="55299" name="Rectangle 7"/>
+          <p:cNvSpPr>
+            <a:spLocks noChangeArrowheads="1"/>
+          </p:cNvSpPr>
+          <p:nvPr/>
+        </p:nvSpPr>
+        <p:spPr bwMode="auto">
+          <a:xfrm>
+            <a:off x="2286000" y="4572000"/>
+            <a:ext cx="2903538" cy="450850"/>
+          </a:xfrm>
+          <a:prstGeom prst="rect">
+            <a:avLst/>
+          </a:prstGeom>
+          <a:solidFill>
+            <a:schemeClr val="folHlink"/>
+          </a:solidFill>
+          <a:ln w="9525">
+            <a:solidFill>
+              <a:schemeClr val="tx1"/>
+            </a:solidFill>
+            <a:miter lim="800000"/>
+            <a:headEnd/>
+            <a:tailEnd type="none" w="lg" len="lg"/>
+          </a:ln>
+        </p:spPr>
+        <p:txBody>
+          <a:bodyPr wrap="none" anchor="ctr"/>
+          <a:lstStyle/>
+          <a:p>
+            <a:pPr eaLnBrk="0" hangingPunct="0"/>
+            <a:endParaRPr lang="en-US" sz="2400"/>
+          </a:p>
+        </p:txBody>
+      </p:sp>
+      <p:sp>
+        <p:nvSpPr>
+          <p:cNvPr id="55300" name="Rectangle 20"/>
+          <p:cNvSpPr>
+            <a:spLocks noChangeArrowheads="1"/>
+          </p:cNvSpPr>
+          <p:nvPr/>
+        </p:nvSpPr>
+        <p:spPr bwMode="auto">
+          <a:xfrm>
+            <a:off x="0" y="5029200"/>
+            <a:ext cx="4572000" cy="1828800"/>
+          </a:xfrm>
+          <a:prstGeom prst="rect">
+            <a:avLst/>
+          </a:prstGeom>
+          <a:solidFill>
+            <a:srgbClr val="FFCC99"/>
+          </a:solidFill>
+          <a:ln w="9525">
+            <a:solidFill>
+              <a:schemeClr val="tx1"/>
+            </a:solidFill>
+            <a:miter lim="800000"/>
+            <a:headEnd/>
+            <a:tailEnd/>
+          </a:ln>
+        </p:spPr>
+        <p:txBody>
+          <a:bodyPr wrap="none" anchor="ctr"/>
+          <a:lstStyle/>
+          <a:p>
+            <a:pPr eaLnBrk="0" hangingPunct="0"/>
+            <a:endParaRPr lang="en-US"/>
+          </a:p>
+        </p:txBody>
+      </p:sp>
+      <p:sp>
+        <p:nvSpPr>
+          <p:cNvPr id="55301" name="Rectangle 21"/>
+          <p:cNvSpPr>
+            <a:spLocks noChangeArrowheads="1"/>
+          </p:cNvSpPr>
+          <p:nvPr/>
+        </p:nvSpPr>
+        <p:spPr bwMode="auto">
+          <a:xfrm>
+            <a:off x="2819400" y="4114800"/>
+            <a:ext cx="2903538" cy="450850"/>
+          </a:xfrm>
+          <a:prstGeom prst="rect">
+            <a:avLst/>
+          </a:prstGeom>
+          <a:solidFill>
+            <a:schemeClr val="folHlink"/>
+          </a:solidFill>
+          <a:ln w="9525">
+            <a:solidFill>
+              <a:schemeClr val="tx1"/>
+            </a:solidFill>
+            <a:miter lim="800000"/>
+            <a:headEnd/>
+            <a:tailEnd type="none" w="lg" len="lg"/>
+          </a:ln>
+        </p:spPr>
+        <p:txBody>
+          <a:bodyPr wrap="none" anchor="ctr"/>
+          <a:lstStyle/>
+          <a:p>
+            <a:pPr eaLnBrk="0" hangingPunct="0"/>
+            <a:endParaRPr lang="en-US" sz="2400"/>
+          </a:p>
+        </p:txBody>
+      </p:sp>
+      <p:sp>
+        <p:nvSpPr>
+          <p:cNvPr id="55302" name="Rectangle 22"/>
+          <p:cNvSpPr>
+            <a:spLocks noChangeArrowheads="1"/>
+          </p:cNvSpPr>
+          <p:nvPr/>
+        </p:nvSpPr>
+        <p:spPr bwMode="auto">
+          <a:xfrm>
+            <a:off x="4343400" y="3657600"/>
+            <a:ext cx="2903538" cy="450850"/>
+          </a:xfrm>
+          <a:prstGeom prst="rect">
+            <a:avLst/>
+          </a:prstGeom>
+          <a:solidFill>
+            <a:schemeClr val="folHlink"/>
+          </a:solidFill>
+          <a:ln w="9525">
+            <a:solidFill>
+              <a:schemeClr val="tx1"/>
+            </a:solidFill>
+            <a:miter lim="800000"/>
+            <a:headEnd/>
+            <a:tailEnd type="none" w="lg" len="lg"/>
+          </a:ln>
+        </p:spPr>
+        <p:txBody>
+          <a:bodyPr wrap="none" anchor="ctr"/>
+          <a:lstStyle/>
+          <a:p>
+            <a:pPr eaLnBrk="0" hangingPunct="0"/>
+            <a:endParaRPr lang="en-US" sz="2400"/>
+          </a:p>
+        </p:txBody>
+      </p:sp>
+      <p:sp>
+        <p:nvSpPr>
+          <p:cNvPr id="55303" name="Rectangle 23"/>
+          <p:cNvSpPr>
+            <a:spLocks noChangeArrowheads="1"/>
+          </p:cNvSpPr>
+          <p:nvPr/>
+        </p:nvSpPr>
+        <p:spPr bwMode="auto">
+          <a:xfrm>
+            <a:off x="3733800" y="3203575"/>
+            <a:ext cx="2903538" cy="450850"/>
+          </a:xfrm>
+          <a:prstGeom prst="rect">
+            <a:avLst/>
+          </a:prstGeom>
+          <a:solidFill>
+            <a:schemeClr val="folHlink"/>
+          </a:solidFill>
+          <a:ln w="9525">
+            <a:solidFill>
+              <a:schemeClr val="tx1"/>
+            </a:solidFill>
+            <a:miter lim="800000"/>
+            <a:headEnd/>
+            <a:tailEnd type="none" w="lg" len="lg"/>
+          </a:ln>
+        </p:spPr>
+        <p:txBody>
+          <a:bodyPr wrap="none" anchor="ctr"/>
+          <a:lstStyle/>
+          <a:p>
+            <a:pPr eaLnBrk="0" hangingPunct="0"/>
+            <a:endParaRPr lang="en-US" sz="2400"/>
+          </a:p>
+        </p:txBody>
+      </p:sp>
+      <p:sp>
+        <p:nvSpPr>
+          <p:cNvPr id="55304" name="Rectangle 24"/>
+          <p:cNvSpPr>
+            <a:spLocks noChangeArrowheads="1"/>
+          </p:cNvSpPr>
+          <p:nvPr/>
+        </p:nvSpPr>
+        <p:spPr bwMode="auto">
+          <a:xfrm>
+            <a:off x="3119438" y="2743200"/>
+            <a:ext cx="2903537" cy="450850"/>
+          </a:xfrm>
+          <a:prstGeom prst="rect">
+            <a:avLst/>
+          </a:prstGeom>
+          <a:solidFill>
+            <a:schemeClr val="folHlink"/>
+          </a:solidFill>
+          <a:ln w="9525">
+            <a:solidFill>
+              <a:schemeClr val="tx1"/>
+            </a:solidFill>
+            <a:miter lim="800000"/>
+            <a:headEnd/>
+            <a:tailEnd type="none" w="lg" len="lg"/>
+          </a:ln>
+        </p:spPr>
+        <p:txBody>
+          <a:bodyPr wrap="none" anchor="ctr"/>
+          <a:lstStyle/>
+          <a:p>
+            <a:pPr eaLnBrk="0" hangingPunct="0"/>
+            <a:endParaRPr lang="en-US" sz="2400"/>
+          </a:p>
+        </p:txBody>
+      </p:sp>
+      <p:sp>
+        <p:nvSpPr>
+          <p:cNvPr id="55305" name="Rectangle 25"/>
+          <p:cNvSpPr>
+            <a:spLocks noChangeArrowheads="1"/>
+          </p:cNvSpPr>
+          <p:nvPr/>
+        </p:nvSpPr>
+        <p:spPr bwMode="auto">
+          <a:xfrm>
+            <a:off x="4953000" y="2286000"/>
+            <a:ext cx="2903538" cy="450850"/>
+          </a:xfrm>
+          <a:prstGeom prst="rect">
+            <a:avLst/>
+          </a:prstGeom>
+          <a:solidFill>
+            <a:schemeClr val="folHlink"/>
+          </a:solidFill>
+          <a:ln w="9525">
+            <a:solidFill>
+              <a:schemeClr val="tx1"/>
+            </a:solidFill>
+            <a:miter lim="800000"/>
+            <a:headEnd/>
+            <a:tailEnd type="none" w="lg" len="lg"/>
+          </a:ln>
+        </p:spPr>
+        <p:txBody>
+          <a:bodyPr wrap="none" anchor="ctr"/>
+          <a:lstStyle/>
+          <a:p>
+            <a:pPr eaLnBrk="0" hangingPunct="0"/>
+            <a:endParaRPr lang="en-US" sz="2400"/>
+          </a:p>
+        </p:txBody>
+      </p:sp>
+      <p:sp>
+        <p:nvSpPr>
+          <p:cNvPr id="55306" name="Text Box 34"/>
+          <p:cNvSpPr txBox="1">
+            <a:spLocks noChangeArrowheads="1"/>
+          </p:cNvSpPr>
+          <p:nvPr/>
+        </p:nvSpPr>
+        <p:spPr bwMode="auto">
+          <a:xfrm>
+            <a:off x="1447800" y="5565775"/>
+            <a:ext cx="1403350" cy="701675"/>
+          </a:xfrm>
+          <a:prstGeom prst="rect">
+            <a:avLst/>
+          </a:prstGeom>
+          <a:noFill/>
+          <a:ln w="9525">
+            <a:noFill/>
+            <a:miter lim="800000"/>
+            <a:headEnd/>
+            <a:tailEnd type="none" w="lg" len="lg"/>
+          </a:ln>
+        </p:spPr>
+        <p:txBody>
+          <a:bodyPr wrap="none">
+            <a:spAutoFit/>
+          </a:bodyPr>
+          <a:lstStyle/>
+          <a:p>
+            <a:r>
+              <a:rPr lang="en-US" sz="4000">
+                <a:latin typeface="Comic Sans MS" pitchFamily="66" charset="0"/>
+              </a:rPr>
+              <a:t>table</a:t>
+            </a:r>
+          </a:p>
+        </p:txBody>
+      </p:sp>
+      <p:sp>
+        <p:nvSpPr>
+          <p:cNvPr id="13" name="Date Placeholder 5"/>
+          <p:cNvSpPr txBox="1">
+            <a:spLocks/>
+          </p:cNvSpPr>
+          <p:nvPr/>
+        </p:nvSpPr>
+        <p:spPr>
+          <a:xfrm>
+            <a:off x="2971800" y="6553200"/>
+            <a:ext cx="3200400" cy="304800"/>
+          </a:xfrm>
+          <a:prstGeom prst="rect">
+            <a:avLst/>
+          </a:prstGeom>
+        </p:spPr>
+        <p:txBody>
+          <a:bodyPr/>
+          <a:lstStyle/>
+          <a:p>
+            <a:pPr marL="0" marR="0" lvl="0" indent="0" algn="l" defTabSz="914400" rtl="0" eaLnBrk="1" fontAlgn="base" latinLnBrk="0" hangingPunct="1">
+              <a:lnSpc>
+                <a:spcPct val="100000"/>
+              </a:lnSpc>
+              <a:spcBef>
+                <a:spcPct val="0"/>
+              </a:spcBef>
+              <a:spcAft>
+                <a:spcPct val="0"/>
+              </a:spcAft>
+              <a:buClrTx/>
+              <a:buSzTx/>
+              <a:buFontTx/>
+              <a:buNone/>
+              <a:tabLst/>
+              <a:defRPr/>
+            </a:pPr>
+            <a:r>
+              <a:rPr kumimoji="0" lang="en-US" sz="1200" b="0" i="0" u="none" strike="noStrike" kern="1200" cap="none" spc="0" normalizeH="0" baseline="0" noProof="0" dirty="0" smtClean="0">
+                <a:ln>
+                  <a:noFill/>
+                </a:ln>
+                <a:solidFill>
+                  <a:schemeClr val="tx1"/>
+                </a:solidFill>
+                <a:effectLst/>
+                <a:uLnTx/>
+                <a:uFillTx/>
+                <a:latin typeface="Comic Sans MS" pitchFamily="66" charset="0"/>
+              </a:rPr>
+              <a:t>Albert R Meyer,             November 4, 2011</a:t>
+            </a:r>
+            <a:endParaRPr kumimoji="0" lang="en-US" sz="1200" b="0" i="0" u="none" strike="noStrike" kern="1200" cap="none" spc="0" normalizeH="0" baseline="0" noProof="0" dirty="0">
+              <a:ln>
+                <a:noFill/>
+              </a:ln>
+              <a:solidFill>
+                <a:schemeClr val="tx1"/>
+              </a:solidFill>
+              <a:effectLst/>
+              <a:uLnTx/>
+              <a:uFillTx/>
+              <a:latin typeface="Comic Sans MS" pitchFamily="66" charset="0"/>
+            </a:endParaRPr>
+          </a:p>
+        </p:txBody>
+      </p:sp>
+      <p:pic>
+        <p:nvPicPr>
+          <p:cNvPr id="14" name="Picture 13" descr="license.img"/>
+          <p:cNvPicPr>
+            <a:picLocks/>
+          </p:cNvPicPr>
+          <p:nvPr/>
+        </p:nvPicPr>
+        <p:blipFill>
+          <a:blip r:embed="rId3"/>
+          <a:stretch>
+            <a:fillRect/>
+          </a:stretch>
+        </p:blipFill>
+        <p:spPr>
+          <a:xfrm>
+            <a:off x="38415" y="6553200"/>
+            <a:ext cx="875985" cy="290315"/>
+          </a:xfrm>
+          <a:prstGeom prst="rect">
+            <a:avLst/>
+          </a:prstGeom>
+        </p:spPr>
+      </p:pic>
+    </p:spTree>
+  </p:cSld>
+  <p:clrMapOvr>
+    <a:masterClrMapping/>
+  </p:clrMapOvr>
+  <p:transition xmlns:p14="http://schemas.microsoft.com/office/powerpoint/2010/main" advTm="32983">
+    <p:fade thruBlk="1"/>
+  </p:transition>
+  <p:timing>
+    <p:tnLst>
+      <p:par>
+        <p:cTn xmlns:p14="http://schemas.microsoft.com/office/powerpoint/2010/main" id="1" dur="indefinite" restart="never" nodeType="tmRoot"/>
+      </p:par>
+    </p:tnLst>
+  </p:timing>
+</p:sld>
+</file>
+
+<file path=ppt/slides/slide20.xml><?xml version="1.0" encoding="utf-8"?>
+<p:sld xmlns:a="http://schemas.openxmlformats.org/drawingml/2006/main" xmlns:r="http://schemas.openxmlformats.org/officeDocument/2006/relationships" xmlns:p="http://schemas.openxmlformats.org/presentationml/2006/main">
+  <p:cSld>
+    <p:spTree>
+      <p:nvGrpSpPr>
+        <p:cNvPr id="1" name=""/>
+        <p:cNvGrpSpPr/>
+        <p:nvPr/>
+      </p:nvGrpSpPr>
+      <p:grpSpPr>
+        <a:xfrm>
+          <a:off x="0" y="0"/>
+          <a:ext cx="0" cy="0"/>
+          <a:chOff x="0" y="0"/>
+          <a:chExt cx="0" cy="0"/>
+        </a:xfrm>
+      </p:grpSpPr>
+      <p:sp>
+        <p:nvSpPr>
           <p:cNvPr id="3" name="Content Placeholder 2"/>
           <p:cNvSpPr>
             <a:spLocks noGrp="1"/>
@@ -14510,12 +15811,12 @@
           <a:graphicData uri="http://schemas.openxmlformats.org/presentationml/2006/ole">
             <mc:AlternateContent xmlns:mc="http://schemas.openxmlformats.org/markup-compatibility/2006">
               <mc:Choice xmlns:v="urn:schemas-microsoft-com:vml" Requires="v">
-                <p:oleObj spid="_x0000_s102411" name="Equation" r:id="rId4" imgW="1943100" imgH="495300" progId="Equation.DSMT4">
+                <p:oleObj spid="_x0000_s102422" name="Equation" r:id="rId5" imgW="1943100" imgH="495300" progId="Equation.DSMT4">
                   <p:embed/>
                 </p:oleObj>
               </mc:Choice>
               <mc:Fallback>
-                <p:oleObj name="Equation" r:id="rId4" imgW="1943100" imgH="495300" progId="Equation.DSMT4">
+                <p:oleObj name="Equation" r:id="rId5" imgW="1943100" imgH="495300" progId="Equation.DSMT4">
                   <p:embed/>
                   <p:pic>
                     <p:nvPicPr>
@@ -14526,7 +15827,7 @@
                       <p:nvPr/>
                     </p:nvPicPr>
                     <p:blipFill>
-                      <a:blip r:embed="rId5">
+                      <a:blip r:embed="rId6">
                         <a:extLst>
                           <a:ext uri="{28A0092B-C50C-407E-A947-70E740481C1C}">
                             <a14:useLocalDpi xmlns:a14="http://schemas.microsoft.com/office/drawing/2010/main" val="0"/>
@@ -14565,10 +15866,21 @@
         </a:graphic>
       </p:graphicFrame>
     </p:spTree>
+    <p:custDataLst>
+      <p:tags r:id="rId2"/>
+    </p:custDataLst>
   </p:cSld>
   <p:clrMapOvr>
     <a:masterClrMapping/>
   </p:clrMapOvr>
+  <mc:AlternateContent xmlns:mc="http://schemas.openxmlformats.org/markup-compatibility/2006" xmlns:p14="http://schemas.microsoft.com/office/powerpoint/2010/main">
+    <mc:Choice Requires="p14">
+      <p:transition spd="slow" p14:dur="2000" advTm="36412"/>
+    </mc:Choice>
+    <mc:Fallback xmlns="">
+      <p:transition xmlns:p14="http://schemas.microsoft.com/office/powerpoint/2010/main" spd="slow" advTm="36412"/>
+    </mc:Fallback>
+  </mc:AlternateContent>
   <p:timing>
     <p:tnLst>
       <p:par>
@@ -14590,7 +15902,7 @@
                             </p:stCondLst>
                             <p:childTnLst>
                               <p:par>
-                                <p:cTn id="5" presetID="1" presetClass="entr" presetSubtype="0" fill="hold" nodeType="clickEffect">
+                                <p:cTn id="5" presetID="22" presetClass="entr" presetSubtype="8" fill="hold" nodeType="clickEffect">
                                   <p:stCondLst>
                                     <p:cond delay="0"/>
                                   </p:stCondLst>
@@ -14617,27 +15929,48 @@
                                         <p:strVal val="visible"/>
                                       </p:to>
                                     </p:set>
+                                    <p:animEffect transition="in" filter="wipe(left)">
+                                      <p:cBhvr>
+                                        <p:cTn id="7" dur="1000"/>
+                                        <p:tgtEl>
+                                          <p:spTgt spid="3">
+                                            <p:txEl>
+                                              <p:pRg st="1" end="1"/>
+                                            </p:txEl>
+                                          </p:spTgt>
+                                        </p:tgtEl>
+                                      </p:cBhvr>
+                                    </p:animEffect>
                                   </p:childTnLst>
                                 </p:cTn>
                               </p:par>
                             </p:childTnLst>
                           </p:cTn>
                         </p:par>
+                      </p:childTnLst>
+                    </p:cTn>
+                  </p:par>
+                  <p:par>
+                    <p:cTn id="8" fill="hold">
+                      <p:stCondLst>
+                        <p:cond delay="indefinite"/>
+                      </p:stCondLst>
+                      <p:childTnLst>
                         <p:par>
-                          <p:cTn id="7" fill="hold">
+                          <p:cTn id="9" fill="hold">
                             <p:stCondLst>
                               <p:cond delay="0"/>
                             </p:stCondLst>
                             <p:childTnLst>
                               <p:par>
-                                <p:cTn id="8" presetID="1" presetClass="entr" presetSubtype="0" fill="hold" nodeType="afterEffect">
+                                <p:cTn id="10" presetID="22" presetClass="entr" presetSubtype="8" fill="hold" nodeType="clickEffect">
                                   <p:stCondLst>
                                     <p:cond delay="0"/>
                                   </p:stCondLst>
                                   <p:childTnLst>
                                     <p:set>
                                       <p:cBhvr>
-                                        <p:cTn id="9" dur="1" fill="hold">
+                                        <p:cTn id="11" dur="1" fill="hold">
                                           <p:stCondLst>
                                             <p:cond delay="0"/>
                                           </p:stCondLst>
@@ -14653,6 +15986,14 @@
                                         <p:strVal val="visible"/>
                                       </p:to>
                                     </p:set>
+                                    <p:animEffect transition="in" filter="wipe(left)">
+                                      <p:cBhvr>
+                                        <p:cTn id="12" dur="500"/>
+                                        <p:tgtEl>
+                                          <p:spTgt spid="102403"/>
+                                        </p:tgtEl>
+                                      </p:cBhvr>
+                                    </p:animEffect>
                                   </p:childTnLst>
                                 </p:cTn>
                               </p:par>
@@ -14687,431 +16028,7 @@
 </p:sld>
 </file>
 
-<file path=ppt/slides/slide2.xml><?xml version="1.0" encoding="utf-8"?>
-<p:sld xmlns:a="http://schemas.openxmlformats.org/drawingml/2006/main" xmlns:r="http://schemas.openxmlformats.org/officeDocument/2006/relationships" xmlns:p="http://schemas.openxmlformats.org/presentationml/2006/main">
-  <p:cSld>
-    <p:spTree>
-      <p:nvGrpSpPr>
-        <p:cNvPr id="1" name=""/>
-        <p:cNvGrpSpPr/>
-        <p:nvPr/>
-      </p:nvGrpSpPr>
-      <p:grpSpPr>
-        <a:xfrm>
-          <a:off x="0" y="0"/>
-          <a:ext cx="0" cy="0"/>
-          <a:chOff x="0" y="0"/>
-          <a:chExt cx="0" cy="0"/>
-        </a:xfrm>
-      </p:grpSpPr>
-      <p:sp>
-        <p:nvSpPr>
-          <p:cNvPr id="55298" name="Rectangle 2"/>
-          <p:cNvSpPr>
-            <a:spLocks noGrp="1" noChangeArrowheads="1"/>
-          </p:cNvSpPr>
-          <p:nvPr>
-            <p:ph type="title"/>
-          </p:nvPr>
-        </p:nvSpPr>
-        <p:spPr>
-          <a:xfrm>
-            <a:off x="685800" y="0"/>
-            <a:ext cx="7772400" cy="1143000"/>
-          </a:xfrm>
-        </p:spPr>
-        <p:txBody>
-          <a:bodyPr/>
-          <a:lstStyle/>
-          <a:p>
-            <a:pPr eaLnBrk="1" hangingPunct="1"/>
-            <a:r>
-              <a:rPr lang="en-US" sz="3200" smtClean="0"/>
-              <a:t>Book Stacking</a:t>
-            </a:r>
-          </a:p>
-        </p:txBody>
-      </p:sp>
-      <p:sp>
-        <p:nvSpPr>
-          <p:cNvPr id="55299" name="Rectangle 7"/>
-          <p:cNvSpPr>
-            <a:spLocks noChangeArrowheads="1"/>
-          </p:cNvSpPr>
-          <p:nvPr/>
-        </p:nvSpPr>
-        <p:spPr bwMode="auto">
-          <a:xfrm>
-            <a:off x="2286000" y="4572000"/>
-            <a:ext cx="2903538" cy="450850"/>
-          </a:xfrm>
-          <a:prstGeom prst="rect">
-            <a:avLst/>
-          </a:prstGeom>
-          <a:solidFill>
-            <a:schemeClr val="folHlink"/>
-          </a:solidFill>
-          <a:ln w="9525">
-            <a:solidFill>
-              <a:schemeClr val="tx1"/>
-            </a:solidFill>
-            <a:miter lim="800000"/>
-            <a:headEnd/>
-            <a:tailEnd type="none" w="lg" len="lg"/>
-          </a:ln>
-        </p:spPr>
-        <p:txBody>
-          <a:bodyPr wrap="none" anchor="ctr"/>
-          <a:lstStyle/>
-          <a:p>
-            <a:pPr eaLnBrk="0" hangingPunct="0"/>
-            <a:endParaRPr lang="en-US" sz="2400"/>
-          </a:p>
-        </p:txBody>
-      </p:sp>
-      <p:sp>
-        <p:nvSpPr>
-          <p:cNvPr id="55300" name="Rectangle 20"/>
-          <p:cNvSpPr>
-            <a:spLocks noChangeArrowheads="1"/>
-          </p:cNvSpPr>
-          <p:nvPr/>
-        </p:nvSpPr>
-        <p:spPr bwMode="auto">
-          <a:xfrm>
-            <a:off x="0" y="5029200"/>
-            <a:ext cx="4572000" cy="1828800"/>
-          </a:xfrm>
-          <a:prstGeom prst="rect">
-            <a:avLst/>
-          </a:prstGeom>
-          <a:solidFill>
-            <a:srgbClr val="FFCC99"/>
-          </a:solidFill>
-          <a:ln w="9525">
-            <a:solidFill>
-              <a:schemeClr val="tx1"/>
-            </a:solidFill>
-            <a:miter lim="800000"/>
-            <a:headEnd/>
-            <a:tailEnd/>
-          </a:ln>
-        </p:spPr>
-        <p:txBody>
-          <a:bodyPr wrap="none" anchor="ctr"/>
-          <a:lstStyle/>
-          <a:p>
-            <a:pPr eaLnBrk="0" hangingPunct="0"/>
-            <a:endParaRPr lang="en-US"/>
-          </a:p>
-        </p:txBody>
-      </p:sp>
-      <p:sp>
-        <p:nvSpPr>
-          <p:cNvPr id="55301" name="Rectangle 21"/>
-          <p:cNvSpPr>
-            <a:spLocks noChangeArrowheads="1"/>
-          </p:cNvSpPr>
-          <p:nvPr/>
-        </p:nvSpPr>
-        <p:spPr bwMode="auto">
-          <a:xfrm>
-            <a:off x="2819400" y="4114800"/>
-            <a:ext cx="2903538" cy="450850"/>
-          </a:xfrm>
-          <a:prstGeom prst="rect">
-            <a:avLst/>
-          </a:prstGeom>
-          <a:solidFill>
-            <a:schemeClr val="folHlink"/>
-          </a:solidFill>
-          <a:ln w="9525">
-            <a:solidFill>
-              <a:schemeClr val="tx1"/>
-            </a:solidFill>
-            <a:miter lim="800000"/>
-            <a:headEnd/>
-            <a:tailEnd type="none" w="lg" len="lg"/>
-          </a:ln>
-        </p:spPr>
-        <p:txBody>
-          <a:bodyPr wrap="none" anchor="ctr"/>
-          <a:lstStyle/>
-          <a:p>
-            <a:pPr eaLnBrk="0" hangingPunct="0"/>
-            <a:endParaRPr lang="en-US" sz="2400"/>
-          </a:p>
-        </p:txBody>
-      </p:sp>
-      <p:sp>
-        <p:nvSpPr>
-          <p:cNvPr id="55302" name="Rectangle 22"/>
-          <p:cNvSpPr>
-            <a:spLocks noChangeArrowheads="1"/>
-          </p:cNvSpPr>
-          <p:nvPr/>
-        </p:nvSpPr>
-        <p:spPr bwMode="auto">
-          <a:xfrm>
-            <a:off x="4343400" y="3657600"/>
-            <a:ext cx="2903538" cy="450850"/>
-          </a:xfrm>
-          <a:prstGeom prst="rect">
-            <a:avLst/>
-          </a:prstGeom>
-          <a:solidFill>
-            <a:schemeClr val="folHlink"/>
-          </a:solidFill>
-          <a:ln w="9525">
-            <a:solidFill>
-              <a:schemeClr val="tx1"/>
-            </a:solidFill>
-            <a:miter lim="800000"/>
-            <a:headEnd/>
-            <a:tailEnd type="none" w="lg" len="lg"/>
-          </a:ln>
-        </p:spPr>
-        <p:txBody>
-          <a:bodyPr wrap="none" anchor="ctr"/>
-          <a:lstStyle/>
-          <a:p>
-            <a:pPr eaLnBrk="0" hangingPunct="0"/>
-            <a:endParaRPr lang="en-US" sz="2400"/>
-          </a:p>
-        </p:txBody>
-      </p:sp>
-      <p:sp>
-        <p:nvSpPr>
-          <p:cNvPr id="55303" name="Rectangle 23"/>
-          <p:cNvSpPr>
-            <a:spLocks noChangeArrowheads="1"/>
-          </p:cNvSpPr>
-          <p:nvPr/>
-        </p:nvSpPr>
-        <p:spPr bwMode="auto">
-          <a:xfrm>
-            <a:off x="3733800" y="3203575"/>
-            <a:ext cx="2903538" cy="450850"/>
-          </a:xfrm>
-          <a:prstGeom prst="rect">
-            <a:avLst/>
-          </a:prstGeom>
-          <a:solidFill>
-            <a:schemeClr val="folHlink"/>
-          </a:solidFill>
-          <a:ln w="9525">
-            <a:solidFill>
-              <a:schemeClr val="tx1"/>
-            </a:solidFill>
-            <a:miter lim="800000"/>
-            <a:headEnd/>
-            <a:tailEnd type="none" w="lg" len="lg"/>
-          </a:ln>
-        </p:spPr>
-        <p:txBody>
-          <a:bodyPr wrap="none" anchor="ctr"/>
-          <a:lstStyle/>
-          <a:p>
-            <a:pPr eaLnBrk="0" hangingPunct="0"/>
-            <a:endParaRPr lang="en-US" sz="2400"/>
-          </a:p>
-        </p:txBody>
-      </p:sp>
-      <p:sp>
-        <p:nvSpPr>
-          <p:cNvPr id="55304" name="Rectangle 24"/>
-          <p:cNvSpPr>
-            <a:spLocks noChangeArrowheads="1"/>
-          </p:cNvSpPr>
-          <p:nvPr/>
-        </p:nvSpPr>
-        <p:spPr bwMode="auto">
-          <a:xfrm>
-            <a:off x="3119438" y="2743200"/>
-            <a:ext cx="2903537" cy="450850"/>
-          </a:xfrm>
-          <a:prstGeom prst="rect">
-            <a:avLst/>
-          </a:prstGeom>
-          <a:solidFill>
-            <a:schemeClr val="folHlink"/>
-          </a:solidFill>
-          <a:ln w="9525">
-            <a:solidFill>
-              <a:schemeClr val="tx1"/>
-            </a:solidFill>
-            <a:miter lim="800000"/>
-            <a:headEnd/>
-            <a:tailEnd type="none" w="lg" len="lg"/>
-          </a:ln>
-        </p:spPr>
-        <p:txBody>
-          <a:bodyPr wrap="none" anchor="ctr"/>
-          <a:lstStyle/>
-          <a:p>
-            <a:pPr eaLnBrk="0" hangingPunct="0"/>
-            <a:endParaRPr lang="en-US" sz="2400"/>
-          </a:p>
-        </p:txBody>
-      </p:sp>
-      <p:sp>
-        <p:nvSpPr>
-          <p:cNvPr id="55305" name="Rectangle 25"/>
-          <p:cNvSpPr>
-            <a:spLocks noChangeArrowheads="1"/>
-          </p:cNvSpPr>
-          <p:nvPr/>
-        </p:nvSpPr>
-        <p:spPr bwMode="auto">
-          <a:xfrm>
-            <a:off x="4953000" y="2286000"/>
-            <a:ext cx="2903538" cy="450850"/>
-          </a:xfrm>
-          <a:prstGeom prst="rect">
-            <a:avLst/>
-          </a:prstGeom>
-          <a:solidFill>
-            <a:schemeClr val="folHlink"/>
-          </a:solidFill>
-          <a:ln w="9525">
-            <a:solidFill>
-              <a:schemeClr val="tx1"/>
-            </a:solidFill>
-            <a:miter lim="800000"/>
-            <a:headEnd/>
-            <a:tailEnd type="none" w="lg" len="lg"/>
-          </a:ln>
-        </p:spPr>
-        <p:txBody>
-          <a:bodyPr wrap="none" anchor="ctr"/>
-          <a:lstStyle/>
-          <a:p>
-            <a:pPr eaLnBrk="0" hangingPunct="0"/>
-            <a:endParaRPr lang="en-US" sz="2400"/>
-          </a:p>
-        </p:txBody>
-      </p:sp>
-      <p:sp>
-        <p:nvSpPr>
-          <p:cNvPr id="55306" name="Text Box 34"/>
-          <p:cNvSpPr txBox="1">
-            <a:spLocks noChangeArrowheads="1"/>
-          </p:cNvSpPr>
-          <p:nvPr/>
-        </p:nvSpPr>
-        <p:spPr bwMode="auto">
-          <a:xfrm>
-            <a:off x="1447800" y="5565775"/>
-            <a:ext cx="1403350" cy="701675"/>
-          </a:xfrm>
-          <a:prstGeom prst="rect">
-            <a:avLst/>
-          </a:prstGeom>
-          <a:noFill/>
-          <a:ln w="9525">
-            <a:noFill/>
-            <a:miter lim="800000"/>
-            <a:headEnd/>
-            <a:tailEnd type="none" w="lg" len="lg"/>
-          </a:ln>
-        </p:spPr>
-        <p:txBody>
-          <a:bodyPr wrap="none">
-            <a:spAutoFit/>
-          </a:bodyPr>
-          <a:lstStyle/>
-          <a:p>
-            <a:r>
-              <a:rPr lang="en-US" sz="4000">
-                <a:latin typeface="Comic Sans MS" pitchFamily="66" charset="0"/>
-              </a:rPr>
-              <a:t>table</a:t>
-            </a:r>
-          </a:p>
-        </p:txBody>
-      </p:sp>
-      <p:sp>
-        <p:nvSpPr>
-          <p:cNvPr id="55308" name="Text Box 10"/>
-          <p:cNvSpPr txBox="1">
-            <a:spLocks noChangeArrowheads="1"/>
-          </p:cNvSpPr>
-          <p:nvPr/>
-        </p:nvSpPr>
-        <p:spPr bwMode="auto">
-          <a:xfrm>
-            <a:off x="0" y="6580188"/>
-            <a:ext cx="3567113" cy="274637"/>
-          </a:xfrm>
-          <a:prstGeom prst="rect">
-            <a:avLst/>
-          </a:prstGeom>
-          <a:noFill/>
-          <a:ln w="9525">
-            <a:noFill/>
-            <a:miter lim="800000"/>
-            <a:headEnd/>
-            <a:tailEnd type="none" w="lg" len="lg"/>
-          </a:ln>
-        </p:spPr>
-        <p:txBody>
-          <a:bodyPr wrap="none">
-            <a:spAutoFit/>
-          </a:bodyPr>
-          <a:lstStyle/>
-          <a:p>
-            <a:r>
-              <a:rPr lang="en-US" sz="1000">
-                <a:latin typeface="Comic Sans MS" pitchFamily="66" charset="0"/>
-              </a:rPr>
-              <a:t>Copyright </a:t>
-            </a:r>
-            <a:r>
-              <a:rPr lang="en-US" sz="1000" i="1">
-                <a:latin typeface="Comic Sans MS" pitchFamily="66" charset="0"/>
-              </a:rPr>
-              <a:t>©</a:t>
-            </a:r>
-            <a:r>
-              <a:rPr lang="en-US" sz="1000">
-                <a:latin typeface="Comic Sans MS" pitchFamily="66" charset="0"/>
-              </a:rPr>
-              <a:t> Albert R. Meyer, 2007</a:t>
-            </a:r>
-            <a:r>
-              <a:rPr lang="en-US" sz="1200">
-                <a:latin typeface="Comic Sans MS" pitchFamily="66" charset="0"/>
-              </a:rPr>
-              <a:t>.  </a:t>
-            </a:r>
-            <a:r>
-              <a:rPr lang="en-US" sz="1000">
-                <a:latin typeface="Comic Sans MS" pitchFamily="66" charset="0"/>
-              </a:rPr>
-              <a:t>All rights reserved.</a:t>
-            </a:r>
-          </a:p>
-        </p:txBody>
-      </p:sp>
-    </p:spTree>
-  </p:cSld>
-  <p:clrMapOvr>
-    <a:masterClrMapping/>
-  </p:clrMapOvr>
-  <p:transition xmlns:p14="http://schemas.microsoft.com/office/powerpoint/2010/main">
-    <p:fade thruBlk="1"/>
-  </p:transition>
-  <p:timing>
-    <p:tnLst>
-      <p:par>
-        <p:cTn xmlns:p14="http://schemas.microsoft.com/office/powerpoint/2010/main" id="1" dur="indefinite" restart="never" nodeType="tmRoot"/>
-      </p:par>
-    </p:tnLst>
-  </p:timing>
-</p:sld>
-</file>
-
-<file path=ppt/slides/slide20.xml><?xml version="1.0" encoding="utf-8"?>
+<file path=ppt/slides/slide21.xml><?xml version="1.0" encoding="utf-8"?>
 <p:sld xmlns:a="http://schemas.openxmlformats.org/drawingml/2006/main" xmlns:r="http://schemas.openxmlformats.org/officeDocument/2006/relationships" xmlns:p="http://schemas.openxmlformats.org/presentationml/2006/main" show="0">
   <p:cSld>
     <p:spTree>
@@ -15150,7 +16067,7 @@
           <a:graphicData uri="http://schemas.openxmlformats.org/presentationml/2006/ole">
             <mc:AlternateContent xmlns:mc="http://schemas.openxmlformats.org/markup-compatibility/2006">
               <mc:Choice xmlns:v="urn:schemas-microsoft-com:vml" Requires="v">
-                <p:oleObj spid="_x0000_s16394" name="Equation" r:id="rId4" imgW="1651000" imgH="1181100" progId="Equation.3">
+                <p:oleObj spid="_x0000_s16403" name="Equation" r:id="rId4" imgW="1651000" imgH="1181100" progId="Equation.3">
                   <p:embed/>
                 </p:oleObj>
               </mc:Choice>
@@ -15293,7 +16210,7 @@
 </p:sld>
 </file>
 
-<file path=ppt/slides/slide21.xml><?xml version="1.0" encoding="utf-8"?>
+<file path=ppt/slides/slide22.xml><?xml version="1.0" encoding="utf-8"?>
 <p:sld xmlns:a="http://schemas.openxmlformats.org/drawingml/2006/main" xmlns:r="http://schemas.openxmlformats.org/officeDocument/2006/relationships" xmlns:p="http://schemas.openxmlformats.org/presentationml/2006/main" show="0">
   <p:cSld>
     <p:spTree>
@@ -15332,7 +16249,7 @@
           <a:graphicData uri="http://schemas.openxmlformats.org/presentationml/2006/ole">
             <mc:AlternateContent xmlns:mc="http://schemas.openxmlformats.org/markup-compatibility/2006">
               <mc:Choice xmlns:v="urn:schemas-microsoft-com:vml" Requires="v">
-                <p:oleObj spid="_x0000_s103439" name="Equation" r:id="rId4" imgW="1816100" imgH="495300" progId="Equation.3">
+                <p:oleObj spid="_x0000_s103454" name="Equation" r:id="rId4" imgW="1816100" imgH="495300" progId="Equation.3">
                   <p:embed/>
                 </p:oleObj>
               </mc:Choice>
@@ -15396,7 +16313,7 @@
           <a:graphicData uri="http://schemas.openxmlformats.org/presentationml/2006/ole">
             <mc:AlternateContent xmlns:mc="http://schemas.openxmlformats.org/markup-compatibility/2006">
               <mc:Choice xmlns:v="urn:schemas-microsoft-com:vml" Requires="v">
-                <p:oleObj spid="_x0000_s103440" name="Equation" r:id="rId6" imgW="914400" imgH="469800" progId="Equation.DSMT4">
+                <p:oleObj spid="_x0000_s103455" name="Equation" r:id="rId6" imgW="914400" imgH="469800" progId="Equation.DSMT4">
                   <p:embed/>
                 </p:oleObj>
               </mc:Choice>
@@ -15753,7 +16670,7 @@
 </p:sld>
 </file>
 
-<file path=ppt/slides/slide22.xml><?xml version="1.0" encoding="utf-8"?>
+<file path=ppt/slides/slide23.xml><?xml version="1.0" encoding="utf-8"?>
 <p:sld xmlns:a="http://schemas.openxmlformats.org/drawingml/2006/main" xmlns:r="http://schemas.openxmlformats.org/officeDocument/2006/relationships" xmlns:p="http://schemas.openxmlformats.org/presentationml/2006/main">
   <p:cSld>
     <p:spTree>
@@ -16144,11 +17061,25 @@
         </p:txBody>
       </p:sp>
     </p:spTree>
+    <p:custDataLst>
+      <p:tags r:id="rId1"/>
+    </p:custDataLst>
   </p:cSld>
   <p:clrMapOvr>
     <a:masterClrMapping/>
   </p:clrMapOvr>
-  <p:transition xmlns:p14="http://schemas.microsoft.com/office/powerpoint/2010/main"/>
+  <mc:AlternateContent xmlns:mc="http://schemas.openxmlformats.org/markup-compatibility/2006" xmlns:p14="http://schemas.microsoft.com/office/powerpoint/2010/main">
+    <mc:Choice Requires="p14">
+      <p:transition spd="med" p14:dur="700" advTm="103837">
+        <p:fade/>
+      </p:transition>
+    </mc:Choice>
+    <mc:Fallback xmlns="">
+      <p:transition xmlns:p14="http://schemas.microsoft.com/office/powerpoint/2010/main" spd="med" advTm="103837">
+        <p:fade/>
+      </p:transition>
+    </mc:Fallback>
+  </mc:AlternateContent>
   <p:timing>
     <p:tnLst>
       <p:par>
@@ -16268,7 +17199,7 @@
                             </p:stCondLst>
                             <p:childTnLst>
                               <p:par>
-                                <p:cTn id="13" presetID="1" presetClass="entr" presetSubtype="0" fill="hold" nodeType="clickEffect">
+                                <p:cTn id="13" presetID="9" presetClass="entr" presetSubtype="0" fill="hold" nodeType="clickEffect">
                                   <p:stCondLst>
                                     <p:cond delay="0"/>
                                   </p:stCondLst>
@@ -16295,18 +17226,39 @@
                                         <p:strVal val="visible"/>
                                       </p:to>
                                     </p:set>
+                                    <p:animEffect transition="in" filter="dissolve">
+                                      <p:cBhvr>
+                                        <p:cTn id="15" dur="500"/>
+                                        <p:tgtEl>
+                                          <p:spTgt spid="87043">
+                                            <p:txEl>
+                                              <p:pRg st="4" end="4"/>
+                                            </p:txEl>
+                                          </p:spTgt>
+                                        </p:tgtEl>
+                                      </p:cBhvr>
+                                    </p:animEffect>
                                   </p:childTnLst>
                                 </p:cTn>
                               </p:par>
+                            </p:childTnLst>
+                          </p:cTn>
+                        </p:par>
+                        <p:par>
+                          <p:cTn id="16" fill="hold">
+                            <p:stCondLst>
+                              <p:cond delay="500"/>
+                            </p:stCondLst>
+                            <p:childTnLst>
                               <p:par>
-                                <p:cTn id="15" presetID="1" presetClass="entr" presetSubtype="0" fill="hold" nodeType="withEffect">
+                                <p:cTn id="17" presetID="9" presetClass="entr" presetSubtype="0" fill="hold" nodeType="afterEffect">
                                   <p:stCondLst>
                                     <p:cond delay="0"/>
                                   </p:stCondLst>
                                   <p:childTnLst>
                                     <p:set>
                                       <p:cBhvr>
-                                        <p:cTn id="16" dur="1" fill="hold">
+                                        <p:cTn id="18" dur="1" fill="hold">
                                           <p:stCondLst>
                                             <p:cond delay="0"/>
                                           </p:stCondLst>
@@ -16326,6 +17278,18 @@
                                         <p:strVal val="visible"/>
                                       </p:to>
                                     </p:set>
+                                    <p:animEffect transition="in" filter="dissolve">
+                                      <p:cBhvr>
+                                        <p:cTn id="19" dur="500"/>
+                                        <p:tgtEl>
+                                          <p:spTgt spid="87043">
+                                            <p:txEl>
+                                              <p:pRg st="5" end="5"/>
+                                            </p:txEl>
+                                          </p:spTgt>
+                                        </p:tgtEl>
+                                      </p:cBhvr>
+                                    </p:animEffect>
                                   </p:childTnLst>
                                 </p:cTn>
                               </p:par>
@@ -16360,7 +17324,7 @@
 </p:sld>
 </file>
 
-<file path=ppt/slides/slide23.xml><?xml version="1.0" encoding="utf-8"?>
+<file path=ppt/slides/slide24.xml><?xml version="1.0" encoding="utf-8"?>
 <p:sld xmlns:a="http://schemas.openxmlformats.org/drawingml/2006/main" xmlns:r="http://schemas.openxmlformats.org/officeDocument/2006/relationships" xmlns:p="http://schemas.openxmlformats.org/presentationml/2006/main">
   <p:cSld>
     <p:spTree>
@@ -16412,8 +17376,8 @@
         </p:nvSpPr>
         <p:spPr>
           <a:xfrm>
-            <a:off x="952500" y="1600200"/>
-            <a:ext cx="7239000" cy="3657600"/>
+            <a:off x="381000" y="1676400"/>
+            <a:ext cx="8382000" cy="3581400"/>
           </a:xfrm>
         </p:spPr>
         <p:txBody>
@@ -16422,20 +17386,12 @@
           <a:p>
             <a:pPr eaLnBrk="1" hangingPunct="1"/>
             <a:r>
-              <a:rPr lang="en-US" sz="6000" dirty="0" err="1" smtClean="0">
+              <a:rPr lang="en-US" sz="6000" dirty="0" smtClean="0">
                 <a:solidFill>
                   <a:srgbClr val="0000FF"/>
                 </a:solidFill>
               </a:rPr>
-              <a:t>H</a:t>
-            </a:r>
-            <a:r>
-              <a:rPr lang="en-US" sz="6000" baseline="-25000" dirty="0" err="1" smtClean="0">
-                <a:solidFill>
-                  <a:srgbClr val="0000FF"/>
-                </a:solidFill>
-              </a:rPr>
-              <a:t>n</a:t>
+              <a:t>log(n+1)</a:t>
             </a:r>
             <a:r>
               <a:rPr lang="en-US" sz="6000" b="1" dirty="0" smtClean="0">
@@ -16461,7 +17417,7 @@
               <a:t> </a:t>
             </a:r>
             <a:r>
-              <a:rPr lang="en-US" sz="6000" dirty="0" err="1" smtClean="0">
+              <a:rPr lang="en-US" sz="6000" dirty="0" smtClean="0">
                 <a:solidFill>
                   <a:srgbClr val="0000FF"/>
                 </a:solidFill>
@@ -16535,11 +17491,25 @@
         </p:txBody>
       </p:sp>
     </p:spTree>
+    <p:custDataLst>
+      <p:tags r:id="rId1"/>
+    </p:custDataLst>
   </p:cSld>
   <p:clrMapOvr>
     <a:masterClrMapping/>
   </p:clrMapOvr>
-  <p:transition xmlns:p14="http://schemas.microsoft.com/office/powerpoint/2010/main"/>
+  <mc:AlternateContent xmlns:mc="http://schemas.openxmlformats.org/markup-compatibility/2006" xmlns:p14="http://schemas.microsoft.com/office/powerpoint/2010/main">
+    <mc:Choice Requires="p14">
+      <p:transition spd="med" p14:dur="700" advTm="28551">
+        <p:fade/>
+      </p:transition>
+    </mc:Choice>
+    <mc:Fallback xmlns="">
+      <p:transition xmlns:p14="http://schemas.microsoft.com/office/powerpoint/2010/main" spd="med" advTm="28551">
+        <p:fade/>
+      </p:transition>
+    </mc:Fallback>
+  </mc:AlternateContent>
   <p:timing>
     <p:tnLst>
       <p:par>
@@ -16653,7 +17623,7 @@
 </p:sld>
 </file>
 
-<file path=ppt/slides/slide24.xml><?xml version="1.0" encoding="utf-8"?>
+<file path=ppt/slides/slide25.xml><?xml version="1.0" encoding="utf-8"?>
 <p:sld xmlns:a="http://schemas.openxmlformats.org/drawingml/2006/main" xmlns:r="http://schemas.openxmlformats.org/officeDocument/2006/relationships" xmlns:p="http://schemas.openxmlformats.org/presentationml/2006/main">
   <p:cSld>
     <p:spTree>
@@ -16680,13 +17650,18 @@
             <p:ph type="title"/>
           </p:nvPr>
         </p:nvSpPr>
-        <p:spPr/>
+        <p:spPr>
+          <a:xfrm>
+            <a:off x="1143000" y="0"/>
+            <a:ext cx="7239000" cy="914400"/>
+          </a:xfrm>
+        </p:spPr>
         <p:txBody>
           <a:bodyPr/>
           <a:lstStyle/>
           <a:p>
             <a:r>
-              <a:rPr lang="en-US" sz="3600" smtClean="0"/>
+              <a:rPr lang="en-US" sz="3600" dirty="0" smtClean="0"/>
               <a:t>CD cases over the edge</a:t>
             </a:r>
           </a:p>
@@ -16717,7 +17692,7 @@
               <a:buNone/>
             </a:pPr>
             <a:r>
-              <a:rPr lang="en-US" sz="3600" smtClean="0"/>
+              <a:rPr lang="en-US" sz="3600" dirty="0" smtClean="0"/>
               <a:t>43 cases high --top 4 cases completely off the table --1.8 or 1.9 case-lengths</a:t>
             </a:r>
           </a:p>
@@ -16732,7 +17707,7 @@
           <p:nvPr/>
         </p:nvPicPr>
         <p:blipFill>
-          <a:blip r:embed="rId3"/>
+          <a:blip r:embed="rId4"/>
           <a:srcRect/>
           <a:stretch>
             <a:fillRect/>
@@ -16756,25 +17731,115 @@
         </p:spPr>
       </p:pic>
     </p:spTree>
+    <p:custDataLst>
+      <p:tags r:id="rId1"/>
+    </p:custDataLst>
   </p:cSld>
   <p:clrMapOvr>
     <a:masterClrMapping/>
   </p:clrMapOvr>
-  <p:transition xmlns:p14="http://schemas.microsoft.com/office/powerpoint/2010/main">
+  <p:transition xmlns:p14="http://schemas.microsoft.com/office/powerpoint/2010/main" advTm="70397">
     <p:fade/>
   </p:transition>
   <p:timing>
     <p:tnLst>
       <p:par>
-        <p:cTn xmlns:p14="http://schemas.microsoft.com/office/powerpoint/2010/main" id="1" dur="indefinite" restart="never" nodeType="tmRoot"/>
+        <p:cTn xmlns:p14="http://schemas.microsoft.com/office/powerpoint/2010/main" id="1" dur="indefinite" restart="never" nodeType="tmRoot">
+          <p:childTnLst>
+            <p:seq concurrent="1" nextAc="seek">
+              <p:cTn id="2" dur="indefinite" nodeType="mainSeq">
+                <p:childTnLst>
+                  <p:par>
+                    <p:cTn id="3" fill="hold">
+                      <p:stCondLst>
+                        <p:cond delay="indefinite"/>
+                      </p:stCondLst>
+                      <p:childTnLst>
+                        <p:par>
+                          <p:cTn id="4" fill="hold">
+                            <p:stCondLst>
+                              <p:cond delay="0"/>
+                            </p:stCondLst>
+                            <p:childTnLst>
+                              <p:par>
+                                <p:cTn id="5" presetID="9" presetClass="entr" presetSubtype="0" fill="hold" grpId="0" nodeType="clickEffect">
+                                  <p:stCondLst>
+                                    <p:cond delay="0"/>
+                                  </p:stCondLst>
+                                  <p:childTnLst>
+                                    <p:set>
+                                      <p:cBhvr>
+                                        <p:cTn id="6" dur="1" fill="hold">
+                                          <p:stCondLst>
+                                            <p:cond delay="0"/>
+                                          </p:stCondLst>
+                                        </p:cTn>
+                                        <p:tgtEl>
+                                          <p:spTgt spid="68611">
+                                            <p:txEl>
+                                              <p:pRg st="0" end="0"/>
+                                            </p:txEl>
+                                          </p:spTgt>
+                                        </p:tgtEl>
+                                        <p:attrNameLst>
+                                          <p:attrName>style.visibility</p:attrName>
+                                        </p:attrNameLst>
+                                      </p:cBhvr>
+                                      <p:to>
+                                        <p:strVal val="visible"/>
+                                      </p:to>
+                                    </p:set>
+                                    <p:animEffect transition="in" filter="dissolve">
+                                      <p:cBhvr>
+                                        <p:cTn id="7" dur="500"/>
+                                        <p:tgtEl>
+                                          <p:spTgt spid="68611">
+                                            <p:txEl>
+                                              <p:pRg st="0" end="0"/>
+                                            </p:txEl>
+                                          </p:spTgt>
+                                        </p:tgtEl>
+                                      </p:cBhvr>
+                                    </p:animEffect>
+                                  </p:childTnLst>
+                                </p:cTn>
+                              </p:par>
+                            </p:childTnLst>
+                          </p:cTn>
+                        </p:par>
+                      </p:childTnLst>
+                    </p:cTn>
+                  </p:par>
+                </p:childTnLst>
+              </p:cTn>
+              <p:prevCondLst>
+                <p:cond evt="onPrev" delay="0">
+                  <p:tgtEl>
+                    <p:sldTgt/>
+                  </p:tgtEl>
+                </p:cond>
+              </p:prevCondLst>
+              <p:nextCondLst>
+                <p:cond evt="onNext" delay="0">
+                  <p:tgtEl>
+                    <p:sldTgt/>
+                  </p:tgtEl>
+                </p:cond>
+              </p:nextCondLst>
+            </p:seq>
+          </p:childTnLst>
+        </p:cTn>
       </p:par>
     </p:tnLst>
+    <p:bldLst>
+      <p:bldP spid="68611" grpId="0" build="p"/>
+    </p:bldLst>
   </p:timing>
 </p:sld>
 </file>
 
-<file path=ppt/slides/slide25.xml><?xml version="1.0" encoding="utf-8"?>
-<p:sld xmlns:a="http://schemas.openxmlformats.org/drawingml/2006/main" xmlns:r="http://schemas.openxmlformats.org/officeDocument/2006/relationships" xmlns:p="http://schemas.openxmlformats.org/presentationml/2006/main" show="0">
+<file path=ppt/slides/slide26.xml><?xml version="1.0" encoding="utf-8"?>
+<p:sld xmlns:a="http://schemas.openxmlformats.org/drawingml/2006/main" xmlns:r="http://schemas.openxmlformats.org/officeDocument/2006/relationships" xmlns:p="http://schemas.openxmlformats.org/presentationml/2006/main">
   <p:cSld>
     <p:spTree>
       <p:nvGrpSpPr>
@@ -16883,7 +17948,7 @@
   <p:clrMapOvr>
     <a:masterClrMapping/>
   </p:clrMapOvr>
-  <p:transition xmlns:p14="http://schemas.microsoft.com/office/powerpoint/2010/main"/>
+  <p:transition xmlns:p14="http://schemas.microsoft.com/office/powerpoint/2010/main" advTm="5865"/>
   <p:timing>
     <p:tnLst>
       <p:par>
@@ -16894,7 +17959,7 @@
 </p:sld>
 </file>
 
-<file path=ppt/slides/slide26.xml><?xml version="1.0" encoding="utf-8"?>
+<file path=ppt/slides/slide27.xml><?xml version="1.0" encoding="utf-8"?>
 <p:sld xmlns:a="http://schemas.openxmlformats.org/drawingml/2006/main" xmlns:r="http://schemas.openxmlformats.org/officeDocument/2006/relationships" xmlns:p="http://schemas.openxmlformats.org/presentationml/2006/main" show="0">
   <p:cSld>
     <p:spTree>
@@ -16973,7 +18038,7 @@
 </p:sld>
 </file>
 
-<file path=ppt/slides/slide27.xml><?xml version="1.0" encoding="utf-8"?>
+<file path=ppt/slides/slide28.xml><?xml version="1.0" encoding="utf-8"?>
 <p:sld xmlns:a="http://schemas.openxmlformats.org/drawingml/2006/main" xmlns:r="http://schemas.openxmlformats.org/officeDocument/2006/relationships" xmlns:p="http://schemas.openxmlformats.org/presentationml/2006/main">
   <p:cSld>
     <p:spTree>
@@ -18050,12 +19115,12 @@
           <a:graphicData uri="http://schemas.openxmlformats.org/presentationml/2006/ole">
             <mc:AlternateContent xmlns:mc="http://schemas.openxmlformats.org/markup-compatibility/2006">
               <mc:Choice xmlns:v="urn:schemas-microsoft-com:vml" Requires="v">
-                <p:oleObj spid="_x0000_s104458" name="Equation" r:id="rId4" imgW="164880" imgH="419040" progId="Equation.DSMT4">
+                <p:oleObj spid="_x0000_s104469" name="Equation" r:id="rId5" imgW="164880" imgH="419040" progId="Equation.DSMT4">
                   <p:embed/>
                 </p:oleObj>
               </mc:Choice>
               <mc:Fallback>
-                <p:oleObj name="Equation" r:id="rId4" imgW="164880" imgH="419040" progId="Equation.DSMT4">
+                <p:oleObj name="Equation" r:id="rId5" imgW="164880" imgH="419040" progId="Equation.DSMT4">
                   <p:embed/>
                   <p:pic>
                     <p:nvPicPr>
@@ -18066,7 +19131,7 @@
                       <p:nvPr/>
                     </p:nvPicPr>
                     <p:blipFill>
-                      <a:blip r:embed="rId5">
+                      <a:blip r:embed="rId6">
                         <a:extLst>
                           <a:ext uri="{28A0092B-C50C-407E-A947-70E740481C1C}">
                             <a14:useLocalDpi xmlns:a14="http://schemas.microsoft.com/office/drawing/2010/main" val="0"/>
@@ -18105,13 +19170,25 @@
         </a:graphic>
       </p:graphicFrame>
     </p:spTree>
+    <p:custDataLst>
+      <p:tags r:id="rId2"/>
+    </p:custDataLst>
   </p:cSld>
   <p:clrMapOvr>
     <a:masterClrMapping/>
   </p:clrMapOvr>
-  <p:transition xmlns:p14="http://schemas.microsoft.com/office/powerpoint/2010/main">
-    <p:fade thruBlk="1"/>
-  </p:transition>
+  <mc:AlternateContent xmlns:mc="http://schemas.openxmlformats.org/markup-compatibility/2006" xmlns:p14="http://schemas.microsoft.com/office/powerpoint/2010/main">
+    <mc:Choice Requires="p14">
+      <p:transition spd="slow" p14:dur="800" advTm="39015">
+        <p:fade thruBlk="1"/>
+      </p:transition>
+    </mc:Choice>
+    <mc:Fallback xmlns="">
+      <p:transition xmlns:p14="http://schemas.microsoft.com/office/powerpoint/2010/main" spd="slow" advTm="39015">
+        <p:fade thruBlk="1"/>
+      </p:transition>
+    </mc:Fallback>
+  </mc:AlternateContent>
   <p:timing>
     <p:tnLst>
       <p:par>
@@ -18282,7 +19359,7 @@
 </p:sld>
 </file>
 
-<file path=ppt/slides/slide28.xml><?xml version="1.0" encoding="utf-8"?>
+<file path=ppt/slides/slide29.xml><?xml version="1.0" encoding="utf-8"?>
 <p:sld xmlns:a="http://schemas.openxmlformats.org/drawingml/2006/main" xmlns:r="http://schemas.openxmlformats.org/officeDocument/2006/relationships" xmlns:p="http://schemas.openxmlformats.org/presentationml/2006/main">
   <p:cSld>
     <p:spTree>
@@ -18315,7 +19392,7 @@
           <a:graphicData uri="http://schemas.openxmlformats.org/presentationml/2006/ole">
             <mc:AlternateContent xmlns:mc="http://schemas.openxmlformats.org/markup-compatibility/2006">
               <mc:Choice xmlns:v="urn:schemas-microsoft-com:vml" Requires="v">
-                <p:oleObj spid="_x0000_s105482" name="Equation" r:id="rId4" imgW="1091880" imgH="711000" progId="Equation.DSMT4">
+                <p:oleObj spid="_x0000_s105492" name="Equation" r:id="rId4" imgW="1091880" imgH="711000" progId="Equation.DSMT4">
                   <p:embed/>
                 </p:oleObj>
               </mc:Choice>
@@ -18444,7 +19521,7 @@
   <p:clrMapOvr>
     <a:masterClrMapping/>
   </p:clrMapOvr>
-  <p:transition xmlns:p14="http://schemas.microsoft.com/office/powerpoint/2010/main">
+  <p:transition xmlns:p14="http://schemas.microsoft.com/office/powerpoint/2010/main" advTm="15868">
     <p:fade/>
   </p:transition>
   <p:timing>
@@ -18536,7 +19613,7 @@
 </p:sld>
 </file>
 
-<file path=ppt/slides/slide29.xml><?xml version="1.0" encoding="utf-8"?>
+<file path=ppt/slides/slide3.xml><?xml version="1.0" encoding="utf-8"?>
 <p:sld xmlns:a="http://schemas.openxmlformats.org/drawingml/2006/main" xmlns:r="http://schemas.openxmlformats.org/officeDocument/2006/relationships" xmlns:p="http://schemas.openxmlformats.org/presentationml/2006/main">
   <p:cSld>
     <p:spTree>
@@ -18555,6 +19632,655 @@
       </p:grpSpPr>
       <p:sp>
         <p:nvSpPr>
+          <p:cNvPr id="56322" name="Rectangle 2"/>
+          <p:cNvSpPr>
+            <a:spLocks noGrp="1" noChangeArrowheads="1"/>
+          </p:cNvSpPr>
+          <p:nvPr>
+            <p:ph type="title"/>
+          </p:nvPr>
+        </p:nvSpPr>
+        <p:spPr>
+          <a:xfrm>
+            <a:off x="685800" y="0"/>
+            <a:ext cx="7772400" cy="1143000"/>
+          </a:xfrm>
+        </p:spPr>
+        <p:txBody>
+          <a:bodyPr/>
+          <a:lstStyle/>
+          <a:p>
+            <a:pPr eaLnBrk="1" hangingPunct="1"/>
+            <a:r>
+              <a:rPr lang="en-US" sz="3200" dirty="0" smtClean="0"/>
+              <a:t>Book Stacking</a:t>
+            </a:r>
+          </a:p>
+        </p:txBody>
+      </p:sp>
+      <p:sp>
+        <p:nvSpPr>
+          <p:cNvPr id="56323" name="Rectangle 3"/>
+          <p:cNvSpPr>
+            <a:spLocks noChangeArrowheads="1"/>
+          </p:cNvSpPr>
+          <p:nvPr/>
+        </p:nvSpPr>
+        <p:spPr bwMode="auto">
+          <a:xfrm>
+            <a:off x="2286000" y="4572000"/>
+            <a:ext cx="2903538" cy="450850"/>
+          </a:xfrm>
+          <a:prstGeom prst="rect">
+            <a:avLst/>
+          </a:prstGeom>
+          <a:solidFill>
+            <a:schemeClr val="folHlink"/>
+          </a:solidFill>
+          <a:ln w="9525">
+            <a:solidFill>
+              <a:schemeClr val="tx1"/>
+            </a:solidFill>
+            <a:miter lim="800000"/>
+            <a:headEnd/>
+            <a:tailEnd type="none" w="lg" len="lg"/>
+          </a:ln>
+        </p:spPr>
+        <p:txBody>
+          <a:bodyPr wrap="none" anchor="ctr"/>
+          <a:lstStyle/>
+          <a:p>
+            <a:pPr eaLnBrk="0" hangingPunct="0"/>
+            <a:endParaRPr lang="en-US"/>
+          </a:p>
+        </p:txBody>
+      </p:sp>
+      <p:sp>
+        <p:nvSpPr>
+          <p:cNvPr id="56324" name="Rectangle 4"/>
+          <p:cNvSpPr>
+            <a:spLocks noChangeArrowheads="1"/>
+          </p:cNvSpPr>
+          <p:nvPr/>
+        </p:nvSpPr>
+        <p:spPr bwMode="auto">
+          <a:xfrm>
+            <a:off x="0" y="5029200"/>
+            <a:ext cx="4572000" cy="1828800"/>
+          </a:xfrm>
+          <a:prstGeom prst="rect">
+            <a:avLst/>
+          </a:prstGeom>
+          <a:solidFill>
+            <a:srgbClr val="FFCC99"/>
+          </a:solidFill>
+          <a:ln w="9525">
+            <a:solidFill>
+              <a:schemeClr val="tx1"/>
+            </a:solidFill>
+            <a:miter lim="800000"/>
+            <a:headEnd/>
+            <a:tailEnd/>
+          </a:ln>
+        </p:spPr>
+        <p:txBody>
+          <a:bodyPr wrap="none" anchor="ctr"/>
+          <a:lstStyle/>
+          <a:p>
+            <a:pPr eaLnBrk="0" hangingPunct="0"/>
+            <a:endParaRPr lang="en-US"/>
+          </a:p>
+        </p:txBody>
+      </p:sp>
+      <p:sp>
+        <p:nvSpPr>
+          <p:cNvPr id="56325" name="Rectangle 5"/>
+          <p:cNvSpPr>
+            <a:spLocks noChangeArrowheads="1"/>
+          </p:cNvSpPr>
+          <p:nvPr/>
+        </p:nvSpPr>
+        <p:spPr bwMode="auto">
+          <a:xfrm>
+            <a:off x="2819400" y="4114800"/>
+            <a:ext cx="2903538" cy="450850"/>
+          </a:xfrm>
+          <a:prstGeom prst="rect">
+            <a:avLst/>
+          </a:prstGeom>
+          <a:solidFill>
+            <a:schemeClr val="folHlink"/>
+          </a:solidFill>
+          <a:ln w="9525">
+            <a:solidFill>
+              <a:schemeClr val="tx1"/>
+            </a:solidFill>
+            <a:miter lim="800000"/>
+            <a:headEnd/>
+            <a:tailEnd type="none" w="lg" len="lg"/>
+          </a:ln>
+        </p:spPr>
+        <p:txBody>
+          <a:bodyPr wrap="none" anchor="ctr"/>
+          <a:lstStyle/>
+          <a:p>
+            <a:pPr eaLnBrk="0" hangingPunct="0"/>
+            <a:endParaRPr lang="en-US"/>
+          </a:p>
+        </p:txBody>
+      </p:sp>
+      <p:sp>
+        <p:nvSpPr>
+          <p:cNvPr id="56326" name="Rectangle 6"/>
+          <p:cNvSpPr>
+            <a:spLocks noChangeArrowheads="1"/>
+          </p:cNvSpPr>
+          <p:nvPr/>
+        </p:nvSpPr>
+        <p:spPr bwMode="auto">
+          <a:xfrm>
+            <a:off x="4343400" y="3657600"/>
+            <a:ext cx="2903538" cy="450850"/>
+          </a:xfrm>
+          <a:prstGeom prst="rect">
+            <a:avLst/>
+          </a:prstGeom>
+          <a:solidFill>
+            <a:schemeClr val="folHlink"/>
+          </a:solidFill>
+          <a:ln w="9525">
+            <a:solidFill>
+              <a:schemeClr val="tx1"/>
+            </a:solidFill>
+            <a:miter lim="800000"/>
+            <a:headEnd/>
+            <a:tailEnd type="none" w="lg" len="lg"/>
+          </a:ln>
+        </p:spPr>
+        <p:txBody>
+          <a:bodyPr wrap="none" anchor="ctr"/>
+          <a:lstStyle/>
+          <a:p>
+            <a:pPr eaLnBrk="0" hangingPunct="0"/>
+            <a:endParaRPr lang="en-US"/>
+          </a:p>
+        </p:txBody>
+      </p:sp>
+      <p:sp>
+        <p:nvSpPr>
+          <p:cNvPr id="56327" name="Rectangle 7"/>
+          <p:cNvSpPr>
+            <a:spLocks noChangeArrowheads="1"/>
+          </p:cNvSpPr>
+          <p:nvPr/>
+        </p:nvSpPr>
+        <p:spPr bwMode="auto">
+          <a:xfrm>
+            <a:off x="3733800" y="3203575"/>
+            <a:ext cx="2903538" cy="450850"/>
+          </a:xfrm>
+          <a:prstGeom prst="rect">
+            <a:avLst/>
+          </a:prstGeom>
+          <a:solidFill>
+            <a:schemeClr val="folHlink"/>
+          </a:solidFill>
+          <a:ln w="9525">
+            <a:solidFill>
+              <a:schemeClr val="tx1"/>
+            </a:solidFill>
+            <a:miter lim="800000"/>
+            <a:headEnd/>
+            <a:tailEnd type="none" w="lg" len="lg"/>
+          </a:ln>
+        </p:spPr>
+        <p:txBody>
+          <a:bodyPr wrap="none" anchor="ctr"/>
+          <a:lstStyle/>
+          <a:p>
+            <a:pPr eaLnBrk="0" hangingPunct="0"/>
+            <a:endParaRPr lang="en-US"/>
+          </a:p>
+        </p:txBody>
+      </p:sp>
+      <p:sp>
+        <p:nvSpPr>
+          <p:cNvPr id="56328" name="Rectangle 8"/>
+          <p:cNvSpPr>
+            <a:spLocks noChangeArrowheads="1"/>
+          </p:cNvSpPr>
+          <p:nvPr/>
+        </p:nvSpPr>
+        <p:spPr bwMode="auto">
+          <a:xfrm>
+            <a:off x="3119438" y="2743200"/>
+            <a:ext cx="2903537" cy="450850"/>
+          </a:xfrm>
+          <a:prstGeom prst="rect">
+            <a:avLst/>
+          </a:prstGeom>
+          <a:solidFill>
+            <a:schemeClr val="folHlink"/>
+          </a:solidFill>
+          <a:ln w="9525">
+            <a:solidFill>
+              <a:schemeClr val="tx1"/>
+            </a:solidFill>
+            <a:miter lim="800000"/>
+            <a:headEnd/>
+            <a:tailEnd type="none" w="lg" len="lg"/>
+          </a:ln>
+        </p:spPr>
+        <p:txBody>
+          <a:bodyPr wrap="none" anchor="ctr"/>
+          <a:lstStyle/>
+          <a:p>
+            <a:pPr eaLnBrk="0" hangingPunct="0"/>
+            <a:endParaRPr lang="en-US"/>
+          </a:p>
+        </p:txBody>
+      </p:sp>
+      <p:sp>
+        <p:nvSpPr>
+          <p:cNvPr id="56329" name="Rectangle 9"/>
+          <p:cNvSpPr>
+            <a:spLocks noChangeArrowheads="1"/>
+          </p:cNvSpPr>
+          <p:nvPr/>
+        </p:nvSpPr>
+        <p:spPr bwMode="auto">
+          <a:xfrm>
+            <a:off x="4953000" y="2286000"/>
+            <a:ext cx="2903538" cy="450850"/>
+          </a:xfrm>
+          <a:prstGeom prst="rect">
+            <a:avLst/>
+          </a:prstGeom>
+          <a:solidFill>
+            <a:schemeClr val="folHlink"/>
+          </a:solidFill>
+          <a:ln w="9525">
+            <a:solidFill>
+              <a:schemeClr val="tx1"/>
+            </a:solidFill>
+            <a:miter lim="800000"/>
+            <a:headEnd/>
+            <a:tailEnd type="none" w="lg" len="lg"/>
+          </a:ln>
+        </p:spPr>
+        <p:txBody>
+          <a:bodyPr wrap="none" anchor="ctr"/>
+          <a:lstStyle/>
+          <a:p>
+            <a:pPr eaLnBrk="0" hangingPunct="0"/>
+            <a:endParaRPr lang="en-US"/>
+          </a:p>
+        </p:txBody>
+      </p:sp>
+      <p:sp>
+        <p:nvSpPr>
+          <p:cNvPr id="56330" name="Text Box 10"/>
+          <p:cNvSpPr txBox="1">
+            <a:spLocks noChangeArrowheads="1"/>
+          </p:cNvSpPr>
+          <p:nvPr/>
+        </p:nvSpPr>
+        <p:spPr bwMode="auto">
+          <a:xfrm>
+            <a:off x="228600" y="1458913"/>
+            <a:ext cx="4381500" cy="914400"/>
+          </a:xfrm>
+          <a:prstGeom prst="rect">
+            <a:avLst/>
+          </a:prstGeom>
+          <a:noFill/>
+          <a:ln w="9525">
+            <a:noFill/>
+            <a:miter lim="800000"/>
+            <a:headEnd/>
+            <a:tailEnd/>
+          </a:ln>
+        </p:spPr>
+        <p:txBody>
+          <a:bodyPr wrap="none">
+            <a:spAutoFit/>
+          </a:bodyPr>
+          <a:lstStyle/>
+          <a:p>
+            <a:pPr eaLnBrk="0" hangingPunct="0"/>
+            <a:r>
+              <a:rPr lang="en-US" sz="5400" dirty="0">
+                <a:solidFill>
+                  <a:srgbClr val="0000FF"/>
+                </a:solidFill>
+                <a:latin typeface="Comic Sans MS" pitchFamily="66" charset="0"/>
+              </a:rPr>
+              <a:t>How far out?</a:t>
+            </a:r>
+          </a:p>
+        </p:txBody>
+      </p:sp>
+      <p:sp>
+        <p:nvSpPr>
+          <p:cNvPr id="56331" name="Line 12"/>
+          <p:cNvSpPr>
+            <a:spLocks noChangeShapeType="1"/>
+          </p:cNvSpPr>
+          <p:nvPr/>
+        </p:nvSpPr>
+        <p:spPr bwMode="auto">
+          <a:xfrm>
+            <a:off x="7848600" y="2743200"/>
+            <a:ext cx="0" cy="2743200"/>
+          </a:xfrm>
+          <a:prstGeom prst="line">
+            <a:avLst/>
+          </a:prstGeom>
+          <a:noFill/>
+          <a:ln w="28575" cap="rnd">
+            <a:solidFill>
+              <a:schemeClr val="tx1"/>
+            </a:solidFill>
+            <a:prstDash val="sysDot"/>
+            <a:round/>
+            <a:headEnd/>
+            <a:tailEnd/>
+          </a:ln>
+        </p:spPr>
+        <p:txBody>
+          <a:bodyPr/>
+          <a:lstStyle/>
+          <a:p>
+            <a:endParaRPr lang="en-US"/>
+          </a:p>
+        </p:txBody>
+      </p:sp>
+      <p:sp>
+        <p:nvSpPr>
+          <p:cNvPr id="56332" name="Text Box 13"/>
+          <p:cNvSpPr txBox="1">
+            <a:spLocks noChangeArrowheads="1"/>
+          </p:cNvSpPr>
+          <p:nvPr/>
+        </p:nvSpPr>
+        <p:spPr bwMode="auto">
+          <a:xfrm>
+            <a:off x="6019800" y="4960938"/>
+            <a:ext cx="450850" cy="701675"/>
+          </a:xfrm>
+          <a:prstGeom prst="rect">
+            <a:avLst/>
+          </a:prstGeom>
+          <a:noFill/>
+          <a:ln w="9525">
+            <a:noFill/>
+            <a:miter lim="800000"/>
+            <a:headEnd/>
+            <a:tailEnd/>
+          </a:ln>
+        </p:spPr>
+        <p:txBody>
+          <a:bodyPr wrap="none">
+            <a:spAutoFit/>
+          </a:bodyPr>
+          <a:lstStyle/>
+          <a:p>
+            <a:pPr eaLnBrk="0" hangingPunct="0"/>
+            <a:r>
+              <a:rPr lang="en-US" sz="4000">
+                <a:latin typeface="Comic Sans MS" pitchFamily="66" charset="0"/>
+              </a:rPr>
+              <a:t>?</a:t>
+            </a:r>
+          </a:p>
+        </p:txBody>
+      </p:sp>
+      <p:sp>
+        <p:nvSpPr>
+          <p:cNvPr id="56333" name="Line 14"/>
+          <p:cNvSpPr>
+            <a:spLocks noChangeShapeType="1"/>
+          </p:cNvSpPr>
+          <p:nvPr/>
+        </p:nvSpPr>
+        <p:spPr bwMode="auto">
+          <a:xfrm flipH="1">
+            <a:off x="4572000" y="5334000"/>
+            <a:ext cx="1447800" cy="0"/>
+          </a:xfrm>
+          <a:prstGeom prst="line">
+            <a:avLst/>
+          </a:prstGeom>
+          <a:noFill/>
+          <a:ln w="28575">
+            <a:solidFill>
+              <a:schemeClr val="tx1"/>
+            </a:solidFill>
+            <a:round/>
+            <a:headEnd/>
+            <a:tailEnd type="triangle" w="lg" len="lg"/>
+          </a:ln>
+        </p:spPr>
+        <p:txBody>
+          <a:bodyPr/>
+          <a:lstStyle/>
+          <a:p>
+            <a:endParaRPr lang="en-US"/>
+          </a:p>
+        </p:txBody>
+      </p:sp>
+      <p:sp>
+        <p:nvSpPr>
+          <p:cNvPr id="56334" name="Line 15"/>
+          <p:cNvSpPr>
+            <a:spLocks noChangeShapeType="1"/>
+          </p:cNvSpPr>
+          <p:nvPr/>
+        </p:nvSpPr>
+        <p:spPr bwMode="auto">
+          <a:xfrm>
+            <a:off x="6400800" y="5334000"/>
+            <a:ext cx="1447800" cy="0"/>
+          </a:xfrm>
+          <a:prstGeom prst="line">
+            <a:avLst/>
+          </a:prstGeom>
+          <a:noFill/>
+          <a:ln w="28575">
+            <a:solidFill>
+              <a:schemeClr val="tx1"/>
+            </a:solidFill>
+            <a:round/>
+            <a:headEnd/>
+            <a:tailEnd type="triangle" w="lg" len="lg"/>
+          </a:ln>
+        </p:spPr>
+        <p:txBody>
+          <a:bodyPr/>
+          <a:lstStyle/>
+          <a:p>
+            <a:endParaRPr lang="en-US"/>
+          </a:p>
+        </p:txBody>
+      </p:sp>
+      <p:sp>
+        <p:nvSpPr>
+          <p:cNvPr id="56335" name="Text Box 16"/>
+          <p:cNvSpPr txBox="1">
+            <a:spLocks noChangeArrowheads="1"/>
+          </p:cNvSpPr>
+          <p:nvPr/>
+        </p:nvSpPr>
+        <p:spPr bwMode="auto">
+          <a:xfrm>
+            <a:off x="5410200" y="5492750"/>
+            <a:ext cx="1989138" cy="609600"/>
+          </a:xfrm>
+          <a:prstGeom prst="rect">
+            <a:avLst/>
+          </a:prstGeom>
+          <a:noFill/>
+          <a:ln w="9525">
+            <a:noFill/>
+            <a:miter lim="800000"/>
+            <a:headEnd/>
+            <a:tailEnd/>
+          </a:ln>
+        </p:spPr>
+        <p:txBody>
+          <a:bodyPr wrap="none">
+            <a:spAutoFit/>
+          </a:bodyPr>
+          <a:lstStyle/>
+          <a:p>
+            <a:pPr eaLnBrk="0" hangingPunct="0"/>
+            <a:r>
+              <a:rPr lang="en-US" sz="3400">
+                <a:latin typeface="Comic Sans MS" pitchFamily="66" charset="0"/>
+              </a:rPr>
+              <a:t>overhang</a:t>
+            </a:r>
+          </a:p>
+        </p:txBody>
+      </p:sp>
+      <p:sp>
+        <p:nvSpPr>
+          <p:cNvPr id="18" name="Date Placeholder 5"/>
+          <p:cNvSpPr txBox="1">
+            <a:spLocks/>
+          </p:cNvSpPr>
+          <p:nvPr/>
+        </p:nvSpPr>
+        <p:spPr>
+          <a:xfrm>
+            <a:off x="2971800" y="6553200"/>
+            <a:ext cx="3200400" cy="304800"/>
+          </a:xfrm>
+          <a:prstGeom prst="rect">
+            <a:avLst/>
+          </a:prstGeom>
+        </p:spPr>
+        <p:txBody>
+          <a:bodyPr/>
+          <a:lstStyle/>
+          <a:p>
+            <a:pPr marL="0" marR="0" lvl="0" indent="0" algn="l" defTabSz="914400" rtl="0" eaLnBrk="1" fontAlgn="base" latinLnBrk="0" hangingPunct="1">
+              <a:lnSpc>
+                <a:spcPct val="100000"/>
+              </a:lnSpc>
+              <a:spcBef>
+                <a:spcPct val="0"/>
+              </a:spcBef>
+              <a:spcAft>
+                <a:spcPct val="0"/>
+              </a:spcAft>
+              <a:buClrTx/>
+              <a:buSzTx/>
+              <a:buFontTx/>
+              <a:buNone/>
+              <a:tabLst/>
+              <a:defRPr/>
+            </a:pPr>
+            <a:r>
+              <a:rPr kumimoji="0" lang="en-US" sz="1200" b="0" i="0" u="none" strike="noStrike" kern="1200" cap="none" spc="0" normalizeH="0" baseline="0" noProof="0" dirty="0" smtClean="0">
+                <a:ln>
+                  <a:noFill/>
+                </a:ln>
+                <a:solidFill>
+                  <a:schemeClr val="tx1"/>
+                </a:solidFill>
+                <a:effectLst/>
+                <a:uLnTx/>
+                <a:uFillTx/>
+                <a:latin typeface="Comic Sans MS" pitchFamily="66" charset="0"/>
+              </a:rPr>
+              <a:t>Albert R Meyer,             November 4, 2011</a:t>
+            </a:r>
+            <a:endParaRPr kumimoji="0" lang="en-US" sz="1200" b="0" i="0" u="none" strike="noStrike" kern="1200" cap="none" spc="0" normalizeH="0" baseline="0" noProof="0" dirty="0">
+              <a:ln>
+                <a:noFill/>
+              </a:ln>
+              <a:solidFill>
+                <a:schemeClr val="tx1"/>
+              </a:solidFill>
+              <a:effectLst/>
+              <a:uLnTx/>
+              <a:uFillTx/>
+              <a:latin typeface="Comic Sans MS" pitchFamily="66" charset="0"/>
+            </a:endParaRPr>
+          </a:p>
+        </p:txBody>
+      </p:sp>
+      <p:pic>
+        <p:nvPicPr>
+          <p:cNvPr id="19" name="Picture 18" descr="license.img"/>
+          <p:cNvPicPr>
+            <a:picLocks/>
+          </p:cNvPicPr>
+          <p:nvPr/>
+        </p:nvPicPr>
+        <p:blipFill>
+          <a:blip r:embed="rId3"/>
+          <a:stretch>
+            <a:fillRect/>
+          </a:stretch>
+        </p:blipFill>
+        <p:spPr>
+          <a:xfrm>
+            <a:off x="38415" y="6553200"/>
+            <a:ext cx="875985" cy="290315"/>
+          </a:xfrm>
+          <a:prstGeom prst="rect">
+            <a:avLst/>
+          </a:prstGeom>
+        </p:spPr>
+      </p:pic>
+    </p:spTree>
+  </p:cSld>
+  <p:clrMapOvr>
+    <a:masterClrMapping/>
+  </p:clrMapOvr>
+  <mc:AlternateContent xmlns:mc="http://schemas.openxmlformats.org/markup-compatibility/2006" xmlns:p14="http://schemas.microsoft.com/office/powerpoint/2010/main">
+    <mc:Choice Requires="p14">
+      <p:transition spd="med" p14:dur="700" advTm="19802">
+        <p:fade/>
+      </p:transition>
+    </mc:Choice>
+    <mc:Fallback xmlns="">
+      <p:transition xmlns:p14="http://schemas.microsoft.com/office/powerpoint/2010/main" spd="med" advTm="19802">
+        <p:fade/>
+      </p:transition>
+    </mc:Fallback>
+  </mc:AlternateContent>
+  <p:timing>
+    <p:tnLst>
+      <p:par>
+        <p:cTn xmlns:p14="http://schemas.microsoft.com/office/powerpoint/2010/main" id="1" dur="indefinite" restart="never" nodeType="tmRoot"/>
+      </p:par>
+    </p:tnLst>
+  </p:timing>
+</p:sld>
+</file>
+
+<file path=ppt/slides/slide30.xml><?xml version="1.0" encoding="utf-8"?>
+<p:sld xmlns:a="http://schemas.openxmlformats.org/drawingml/2006/main" xmlns:r="http://schemas.openxmlformats.org/officeDocument/2006/relationships" xmlns:p="http://schemas.openxmlformats.org/presentationml/2006/main">
+  <p:cSld>
+    <p:spTree>
+      <p:nvGrpSpPr>
+        <p:cNvPr id="1" name=""/>
+        <p:cNvGrpSpPr/>
+        <p:nvPr/>
+      </p:nvGrpSpPr>
+      <p:grpSpPr>
+        <a:xfrm>
+          <a:off x="0" y="0"/>
+          <a:ext cx="0" cy="0"/>
+          <a:chOff x="0" y="0"/>
+          <a:chExt cx="0" cy="0"/>
+        </a:xfrm>
+      </p:grpSpPr>
+      <p:sp>
+        <p:nvSpPr>
           <p:cNvPr id="2" name="Title 1"/>
           <p:cNvSpPr>
             <a:spLocks noGrp="1"/>
@@ -18778,46 +20504,15 @@
           </a:p>
         </p:txBody>
       </p:sp>
-      <p:sp>
-        <p:nvSpPr>
-          <p:cNvPr id="4" name="Date Placeholder 3"/>
-          <p:cNvSpPr>
-            <a:spLocks noGrp="1"/>
-          </p:cNvSpPr>
-          <p:nvPr>
-            <p:ph type="dt" sz="half" idx="4294967295"/>
-          </p:nvPr>
-        </p:nvSpPr>
-        <p:spPr>
-          <a:xfrm>
-            <a:off x="4267200" y="6629400"/>
-            <a:ext cx="1447800" cy="228600"/>
-          </a:xfrm>
-          <a:prstGeom prst="rect">
-            <a:avLst/>
-          </a:prstGeom>
-        </p:spPr>
-        <p:txBody>
-          <a:bodyPr/>
-          <a:lstStyle/>
-          <a:p>
-            <a:pPr>
-              <a:defRPr/>
-            </a:pPr>
-            <a:r>
-              <a:rPr lang="en-US" smtClean="0"/>
-              <a:t>April 7, 2008</a:t>
-            </a:r>
-            <a:endParaRPr lang="en-US" dirty="0"/>
-          </a:p>
-        </p:txBody>
-      </p:sp>
     </p:spTree>
+    <p:custDataLst>
+      <p:tags r:id="rId1"/>
+    </p:custDataLst>
   </p:cSld>
   <p:clrMapOvr>
     <a:masterClrMapping/>
   </p:clrMapOvr>
-  <p:transition xmlns:p14="http://schemas.microsoft.com/office/powerpoint/2010/main">
+  <p:transition xmlns:p14="http://schemas.microsoft.com/office/powerpoint/2010/main" advTm="28963">
     <p:fade thruBlk="1"/>
   </p:transition>
   <p:timing>
@@ -18914,7 +20609,7 @@
 </p:sld>
 </file>
 
-<file path=ppt/slides/slide3.xml><?xml version="1.0" encoding="utf-8"?>
+<file path=ppt/slides/slide31.xml><?xml version="1.0" encoding="utf-8"?>
 <p:sld xmlns:a="http://schemas.openxmlformats.org/drawingml/2006/main" xmlns:r="http://schemas.openxmlformats.org/officeDocument/2006/relationships" xmlns:p="http://schemas.openxmlformats.org/presentationml/2006/main">
   <p:cSld>
     <p:spTree>
@@ -18933,614 +20628,6 @@
       </p:grpSpPr>
       <p:sp>
         <p:nvSpPr>
-          <p:cNvPr id="56322" name="Rectangle 2"/>
-          <p:cNvSpPr>
-            <a:spLocks noGrp="1" noChangeArrowheads="1"/>
-          </p:cNvSpPr>
-          <p:nvPr>
-            <p:ph type="title"/>
-          </p:nvPr>
-        </p:nvSpPr>
-        <p:spPr>
-          <a:xfrm>
-            <a:off x="685800" y="0"/>
-            <a:ext cx="7772400" cy="1143000"/>
-          </a:xfrm>
-        </p:spPr>
-        <p:txBody>
-          <a:bodyPr/>
-          <a:lstStyle/>
-          <a:p>
-            <a:pPr eaLnBrk="1" hangingPunct="1"/>
-            <a:r>
-              <a:rPr lang="en-US" sz="3200" dirty="0" smtClean="0"/>
-              <a:t>Book Stacking</a:t>
-            </a:r>
-          </a:p>
-        </p:txBody>
-      </p:sp>
-      <p:sp>
-        <p:nvSpPr>
-          <p:cNvPr id="56323" name="Rectangle 3"/>
-          <p:cNvSpPr>
-            <a:spLocks noChangeArrowheads="1"/>
-          </p:cNvSpPr>
-          <p:nvPr/>
-        </p:nvSpPr>
-        <p:spPr bwMode="auto">
-          <a:xfrm>
-            <a:off x="2286000" y="4572000"/>
-            <a:ext cx="2903538" cy="450850"/>
-          </a:xfrm>
-          <a:prstGeom prst="rect">
-            <a:avLst/>
-          </a:prstGeom>
-          <a:solidFill>
-            <a:schemeClr val="folHlink"/>
-          </a:solidFill>
-          <a:ln w="9525">
-            <a:solidFill>
-              <a:schemeClr val="tx1"/>
-            </a:solidFill>
-            <a:miter lim="800000"/>
-            <a:headEnd/>
-            <a:tailEnd type="none" w="lg" len="lg"/>
-          </a:ln>
-        </p:spPr>
-        <p:txBody>
-          <a:bodyPr wrap="none" anchor="ctr"/>
-          <a:lstStyle/>
-          <a:p>
-            <a:pPr eaLnBrk="0" hangingPunct="0"/>
-            <a:endParaRPr lang="en-US"/>
-          </a:p>
-        </p:txBody>
-      </p:sp>
-      <p:sp>
-        <p:nvSpPr>
-          <p:cNvPr id="56324" name="Rectangle 4"/>
-          <p:cNvSpPr>
-            <a:spLocks noChangeArrowheads="1"/>
-          </p:cNvSpPr>
-          <p:nvPr/>
-        </p:nvSpPr>
-        <p:spPr bwMode="auto">
-          <a:xfrm>
-            <a:off x="0" y="5029200"/>
-            <a:ext cx="4572000" cy="1828800"/>
-          </a:xfrm>
-          <a:prstGeom prst="rect">
-            <a:avLst/>
-          </a:prstGeom>
-          <a:solidFill>
-            <a:srgbClr val="FFCC99"/>
-          </a:solidFill>
-          <a:ln w="9525">
-            <a:solidFill>
-              <a:schemeClr val="tx1"/>
-            </a:solidFill>
-            <a:miter lim="800000"/>
-            <a:headEnd/>
-            <a:tailEnd/>
-          </a:ln>
-        </p:spPr>
-        <p:txBody>
-          <a:bodyPr wrap="none" anchor="ctr"/>
-          <a:lstStyle/>
-          <a:p>
-            <a:pPr eaLnBrk="0" hangingPunct="0"/>
-            <a:endParaRPr lang="en-US"/>
-          </a:p>
-        </p:txBody>
-      </p:sp>
-      <p:sp>
-        <p:nvSpPr>
-          <p:cNvPr id="56325" name="Rectangle 5"/>
-          <p:cNvSpPr>
-            <a:spLocks noChangeArrowheads="1"/>
-          </p:cNvSpPr>
-          <p:nvPr/>
-        </p:nvSpPr>
-        <p:spPr bwMode="auto">
-          <a:xfrm>
-            <a:off x="2819400" y="4114800"/>
-            <a:ext cx="2903538" cy="450850"/>
-          </a:xfrm>
-          <a:prstGeom prst="rect">
-            <a:avLst/>
-          </a:prstGeom>
-          <a:solidFill>
-            <a:schemeClr val="folHlink"/>
-          </a:solidFill>
-          <a:ln w="9525">
-            <a:solidFill>
-              <a:schemeClr val="tx1"/>
-            </a:solidFill>
-            <a:miter lim="800000"/>
-            <a:headEnd/>
-            <a:tailEnd type="none" w="lg" len="lg"/>
-          </a:ln>
-        </p:spPr>
-        <p:txBody>
-          <a:bodyPr wrap="none" anchor="ctr"/>
-          <a:lstStyle/>
-          <a:p>
-            <a:pPr eaLnBrk="0" hangingPunct="0"/>
-            <a:endParaRPr lang="en-US"/>
-          </a:p>
-        </p:txBody>
-      </p:sp>
-      <p:sp>
-        <p:nvSpPr>
-          <p:cNvPr id="56326" name="Rectangle 6"/>
-          <p:cNvSpPr>
-            <a:spLocks noChangeArrowheads="1"/>
-          </p:cNvSpPr>
-          <p:nvPr/>
-        </p:nvSpPr>
-        <p:spPr bwMode="auto">
-          <a:xfrm>
-            <a:off x="4343400" y="3657600"/>
-            <a:ext cx="2903538" cy="450850"/>
-          </a:xfrm>
-          <a:prstGeom prst="rect">
-            <a:avLst/>
-          </a:prstGeom>
-          <a:solidFill>
-            <a:schemeClr val="folHlink"/>
-          </a:solidFill>
-          <a:ln w="9525">
-            <a:solidFill>
-              <a:schemeClr val="tx1"/>
-            </a:solidFill>
-            <a:miter lim="800000"/>
-            <a:headEnd/>
-            <a:tailEnd type="none" w="lg" len="lg"/>
-          </a:ln>
-        </p:spPr>
-        <p:txBody>
-          <a:bodyPr wrap="none" anchor="ctr"/>
-          <a:lstStyle/>
-          <a:p>
-            <a:pPr eaLnBrk="0" hangingPunct="0"/>
-            <a:endParaRPr lang="en-US"/>
-          </a:p>
-        </p:txBody>
-      </p:sp>
-      <p:sp>
-        <p:nvSpPr>
-          <p:cNvPr id="56327" name="Rectangle 7"/>
-          <p:cNvSpPr>
-            <a:spLocks noChangeArrowheads="1"/>
-          </p:cNvSpPr>
-          <p:nvPr/>
-        </p:nvSpPr>
-        <p:spPr bwMode="auto">
-          <a:xfrm>
-            <a:off x="3733800" y="3203575"/>
-            <a:ext cx="2903538" cy="450850"/>
-          </a:xfrm>
-          <a:prstGeom prst="rect">
-            <a:avLst/>
-          </a:prstGeom>
-          <a:solidFill>
-            <a:schemeClr val="folHlink"/>
-          </a:solidFill>
-          <a:ln w="9525">
-            <a:solidFill>
-              <a:schemeClr val="tx1"/>
-            </a:solidFill>
-            <a:miter lim="800000"/>
-            <a:headEnd/>
-            <a:tailEnd type="none" w="lg" len="lg"/>
-          </a:ln>
-        </p:spPr>
-        <p:txBody>
-          <a:bodyPr wrap="none" anchor="ctr"/>
-          <a:lstStyle/>
-          <a:p>
-            <a:pPr eaLnBrk="0" hangingPunct="0"/>
-            <a:endParaRPr lang="en-US"/>
-          </a:p>
-        </p:txBody>
-      </p:sp>
-      <p:sp>
-        <p:nvSpPr>
-          <p:cNvPr id="56328" name="Rectangle 8"/>
-          <p:cNvSpPr>
-            <a:spLocks noChangeArrowheads="1"/>
-          </p:cNvSpPr>
-          <p:nvPr/>
-        </p:nvSpPr>
-        <p:spPr bwMode="auto">
-          <a:xfrm>
-            <a:off x="3119438" y="2743200"/>
-            <a:ext cx="2903537" cy="450850"/>
-          </a:xfrm>
-          <a:prstGeom prst="rect">
-            <a:avLst/>
-          </a:prstGeom>
-          <a:solidFill>
-            <a:schemeClr val="folHlink"/>
-          </a:solidFill>
-          <a:ln w="9525">
-            <a:solidFill>
-              <a:schemeClr val="tx1"/>
-            </a:solidFill>
-            <a:miter lim="800000"/>
-            <a:headEnd/>
-            <a:tailEnd type="none" w="lg" len="lg"/>
-          </a:ln>
-        </p:spPr>
-        <p:txBody>
-          <a:bodyPr wrap="none" anchor="ctr"/>
-          <a:lstStyle/>
-          <a:p>
-            <a:pPr eaLnBrk="0" hangingPunct="0"/>
-            <a:endParaRPr lang="en-US"/>
-          </a:p>
-        </p:txBody>
-      </p:sp>
-      <p:sp>
-        <p:nvSpPr>
-          <p:cNvPr id="56329" name="Rectangle 9"/>
-          <p:cNvSpPr>
-            <a:spLocks noChangeArrowheads="1"/>
-          </p:cNvSpPr>
-          <p:nvPr/>
-        </p:nvSpPr>
-        <p:spPr bwMode="auto">
-          <a:xfrm>
-            <a:off x="4953000" y="2286000"/>
-            <a:ext cx="2903538" cy="450850"/>
-          </a:xfrm>
-          <a:prstGeom prst="rect">
-            <a:avLst/>
-          </a:prstGeom>
-          <a:solidFill>
-            <a:schemeClr val="folHlink"/>
-          </a:solidFill>
-          <a:ln w="9525">
-            <a:solidFill>
-              <a:schemeClr val="tx1"/>
-            </a:solidFill>
-            <a:miter lim="800000"/>
-            <a:headEnd/>
-            <a:tailEnd type="none" w="lg" len="lg"/>
-          </a:ln>
-        </p:spPr>
-        <p:txBody>
-          <a:bodyPr wrap="none" anchor="ctr"/>
-          <a:lstStyle/>
-          <a:p>
-            <a:pPr eaLnBrk="0" hangingPunct="0"/>
-            <a:endParaRPr lang="en-US"/>
-          </a:p>
-        </p:txBody>
-      </p:sp>
-      <p:sp>
-        <p:nvSpPr>
-          <p:cNvPr id="56330" name="Text Box 10"/>
-          <p:cNvSpPr txBox="1">
-            <a:spLocks noChangeArrowheads="1"/>
-          </p:cNvSpPr>
-          <p:nvPr/>
-        </p:nvSpPr>
-        <p:spPr bwMode="auto">
-          <a:xfrm>
-            <a:off x="228600" y="1458913"/>
-            <a:ext cx="4381500" cy="914400"/>
-          </a:xfrm>
-          <a:prstGeom prst="rect">
-            <a:avLst/>
-          </a:prstGeom>
-          <a:noFill/>
-          <a:ln w="9525">
-            <a:noFill/>
-            <a:miter lim="800000"/>
-            <a:headEnd/>
-            <a:tailEnd/>
-          </a:ln>
-        </p:spPr>
-        <p:txBody>
-          <a:bodyPr wrap="none">
-            <a:spAutoFit/>
-          </a:bodyPr>
-          <a:lstStyle/>
-          <a:p>
-            <a:pPr eaLnBrk="0" hangingPunct="0"/>
-            <a:r>
-              <a:rPr lang="en-US" sz="5400" dirty="0">
-                <a:solidFill>
-                  <a:srgbClr val="0000FF"/>
-                </a:solidFill>
-                <a:latin typeface="Comic Sans MS" pitchFamily="66" charset="0"/>
-              </a:rPr>
-              <a:t>How far out?</a:t>
-            </a:r>
-          </a:p>
-        </p:txBody>
-      </p:sp>
-      <p:sp>
-        <p:nvSpPr>
-          <p:cNvPr id="56331" name="Line 12"/>
-          <p:cNvSpPr>
-            <a:spLocks noChangeShapeType="1"/>
-          </p:cNvSpPr>
-          <p:nvPr/>
-        </p:nvSpPr>
-        <p:spPr bwMode="auto">
-          <a:xfrm>
-            <a:off x="7848600" y="2743200"/>
-            <a:ext cx="0" cy="2743200"/>
-          </a:xfrm>
-          <a:prstGeom prst="line">
-            <a:avLst/>
-          </a:prstGeom>
-          <a:noFill/>
-          <a:ln w="28575" cap="rnd">
-            <a:solidFill>
-              <a:schemeClr val="tx1"/>
-            </a:solidFill>
-            <a:prstDash val="sysDot"/>
-            <a:round/>
-            <a:headEnd/>
-            <a:tailEnd/>
-          </a:ln>
-        </p:spPr>
-        <p:txBody>
-          <a:bodyPr/>
-          <a:lstStyle/>
-          <a:p>
-            <a:endParaRPr lang="en-US"/>
-          </a:p>
-        </p:txBody>
-      </p:sp>
-      <p:sp>
-        <p:nvSpPr>
-          <p:cNvPr id="56332" name="Text Box 13"/>
-          <p:cNvSpPr txBox="1">
-            <a:spLocks noChangeArrowheads="1"/>
-          </p:cNvSpPr>
-          <p:nvPr/>
-        </p:nvSpPr>
-        <p:spPr bwMode="auto">
-          <a:xfrm>
-            <a:off x="6019800" y="4960938"/>
-            <a:ext cx="450850" cy="701675"/>
-          </a:xfrm>
-          <a:prstGeom prst="rect">
-            <a:avLst/>
-          </a:prstGeom>
-          <a:noFill/>
-          <a:ln w="9525">
-            <a:noFill/>
-            <a:miter lim="800000"/>
-            <a:headEnd/>
-            <a:tailEnd/>
-          </a:ln>
-        </p:spPr>
-        <p:txBody>
-          <a:bodyPr wrap="none">
-            <a:spAutoFit/>
-          </a:bodyPr>
-          <a:lstStyle/>
-          <a:p>
-            <a:pPr eaLnBrk="0" hangingPunct="0"/>
-            <a:r>
-              <a:rPr lang="en-US" sz="4000">
-                <a:latin typeface="Comic Sans MS" pitchFamily="66" charset="0"/>
-              </a:rPr>
-              <a:t>?</a:t>
-            </a:r>
-          </a:p>
-        </p:txBody>
-      </p:sp>
-      <p:sp>
-        <p:nvSpPr>
-          <p:cNvPr id="56333" name="Line 14"/>
-          <p:cNvSpPr>
-            <a:spLocks noChangeShapeType="1"/>
-          </p:cNvSpPr>
-          <p:nvPr/>
-        </p:nvSpPr>
-        <p:spPr bwMode="auto">
-          <a:xfrm flipH="1">
-            <a:off x="4572000" y="5334000"/>
-            <a:ext cx="1447800" cy="0"/>
-          </a:xfrm>
-          <a:prstGeom prst="line">
-            <a:avLst/>
-          </a:prstGeom>
-          <a:noFill/>
-          <a:ln w="28575">
-            <a:solidFill>
-              <a:schemeClr val="tx1"/>
-            </a:solidFill>
-            <a:round/>
-            <a:headEnd/>
-            <a:tailEnd type="triangle" w="lg" len="lg"/>
-          </a:ln>
-        </p:spPr>
-        <p:txBody>
-          <a:bodyPr/>
-          <a:lstStyle/>
-          <a:p>
-            <a:endParaRPr lang="en-US"/>
-          </a:p>
-        </p:txBody>
-      </p:sp>
-      <p:sp>
-        <p:nvSpPr>
-          <p:cNvPr id="56334" name="Line 15"/>
-          <p:cNvSpPr>
-            <a:spLocks noChangeShapeType="1"/>
-          </p:cNvSpPr>
-          <p:nvPr/>
-        </p:nvSpPr>
-        <p:spPr bwMode="auto">
-          <a:xfrm>
-            <a:off x="6400800" y="5334000"/>
-            <a:ext cx="1447800" cy="0"/>
-          </a:xfrm>
-          <a:prstGeom prst="line">
-            <a:avLst/>
-          </a:prstGeom>
-          <a:noFill/>
-          <a:ln w="28575">
-            <a:solidFill>
-              <a:schemeClr val="tx1"/>
-            </a:solidFill>
-            <a:round/>
-            <a:headEnd/>
-            <a:tailEnd type="triangle" w="lg" len="lg"/>
-          </a:ln>
-        </p:spPr>
-        <p:txBody>
-          <a:bodyPr/>
-          <a:lstStyle/>
-          <a:p>
-            <a:endParaRPr lang="en-US"/>
-          </a:p>
-        </p:txBody>
-      </p:sp>
-      <p:sp>
-        <p:nvSpPr>
-          <p:cNvPr id="56335" name="Text Box 16"/>
-          <p:cNvSpPr txBox="1">
-            <a:spLocks noChangeArrowheads="1"/>
-          </p:cNvSpPr>
-          <p:nvPr/>
-        </p:nvSpPr>
-        <p:spPr bwMode="auto">
-          <a:xfrm>
-            <a:off x="5410200" y="5492750"/>
-            <a:ext cx="1989138" cy="609600"/>
-          </a:xfrm>
-          <a:prstGeom prst="rect">
-            <a:avLst/>
-          </a:prstGeom>
-          <a:noFill/>
-          <a:ln w="9525">
-            <a:noFill/>
-            <a:miter lim="800000"/>
-            <a:headEnd/>
-            <a:tailEnd/>
-          </a:ln>
-        </p:spPr>
-        <p:txBody>
-          <a:bodyPr wrap="none">
-            <a:spAutoFit/>
-          </a:bodyPr>
-          <a:lstStyle/>
-          <a:p>
-            <a:pPr eaLnBrk="0" hangingPunct="0"/>
-            <a:r>
-              <a:rPr lang="en-US" sz="3400">
-                <a:latin typeface="Comic Sans MS" pitchFamily="66" charset="0"/>
-              </a:rPr>
-              <a:t>overhang</a:t>
-            </a:r>
-          </a:p>
-        </p:txBody>
-      </p:sp>
-      <p:sp>
-        <p:nvSpPr>
-          <p:cNvPr id="56337" name="Text Box 10"/>
-          <p:cNvSpPr txBox="1">
-            <a:spLocks noChangeArrowheads="1"/>
-          </p:cNvSpPr>
-          <p:nvPr/>
-        </p:nvSpPr>
-        <p:spPr bwMode="auto">
-          <a:xfrm>
-            <a:off x="0" y="6580188"/>
-            <a:ext cx="3567113" cy="274637"/>
-          </a:xfrm>
-          <a:prstGeom prst="rect">
-            <a:avLst/>
-          </a:prstGeom>
-          <a:noFill/>
-          <a:ln w="9525">
-            <a:noFill/>
-            <a:miter lim="800000"/>
-            <a:headEnd/>
-            <a:tailEnd type="none" w="lg" len="lg"/>
-          </a:ln>
-        </p:spPr>
-        <p:txBody>
-          <a:bodyPr wrap="none">
-            <a:spAutoFit/>
-          </a:bodyPr>
-          <a:lstStyle/>
-          <a:p>
-            <a:r>
-              <a:rPr lang="en-US" sz="1000">
-                <a:latin typeface="Comic Sans MS" pitchFamily="66" charset="0"/>
-              </a:rPr>
-              <a:t>Copyright </a:t>
-            </a:r>
-            <a:r>
-              <a:rPr lang="en-US" sz="1000" i="1">
-                <a:latin typeface="Comic Sans MS" pitchFamily="66" charset="0"/>
-              </a:rPr>
-              <a:t>©</a:t>
-            </a:r>
-            <a:r>
-              <a:rPr lang="en-US" sz="1000">
-                <a:latin typeface="Comic Sans MS" pitchFamily="66" charset="0"/>
-              </a:rPr>
-              <a:t> Albert R. Meyer, 2007</a:t>
-            </a:r>
-            <a:r>
-              <a:rPr lang="en-US" sz="1200">
-                <a:latin typeface="Comic Sans MS" pitchFamily="66" charset="0"/>
-              </a:rPr>
-              <a:t>.  </a:t>
-            </a:r>
-            <a:r>
-              <a:rPr lang="en-US" sz="1000">
-                <a:latin typeface="Comic Sans MS" pitchFamily="66" charset="0"/>
-              </a:rPr>
-              <a:t>All rights reserved.</a:t>
-            </a:r>
-          </a:p>
-        </p:txBody>
-      </p:sp>
-    </p:spTree>
-  </p:cSld>
-  <p:clrMapOvr>
-    <a:masterClrMapping/>
-  </p:clrMapOvr>
-  <p:timing>
-    <p:tnLst>
-      <p:par>
-        <p:cTn xmlns:p14="http://schemas.microsoft.com/office/powerpoint/2010/main" id="1" dur="indefinite" restart="never" nodeType="tmRoot"/>
-      </p:par>
-    </p:tnLst>
-  </p:timing>
-</p:sld>
-</file>
-
-<file path=ppt/slides/slide30.xml><?xml version="1.0" encoding="utf-8"?>
-<p:sld xmlns:a="http://schemas.openxmlformats.org/drawingml/2006/main" xmlns:r="http://schemas.openxmlformats.org/officeDocument/2006/relationships" xmlns:p="http://schemas.openxmlformats.org/presentationml/2006/main">
-  <p:cSld>
-    <p:spTree>
-      <p:nvGrpSpPr>
-        <p:cNvPr id="1" name=""/>
-        <p:cNvGrpSpPr/>
-        <p:nvPr/>
-      </p:nvGrpSpPr>
-      <p:grpSpPr>
-        <a:xfrm>
-          <a:off x="0" y="0"/>
-          <a:ext cx="0" cy="0"/>
-          <a:chOff x="0" y="0"/>
-          <a:chExt cx="0" cy="0"/>
-        </a:xfrm>
-      </p:grpSpPr>
-      <p:sp>
-        <p:nvSpPr>
           <p:cNvPr id="24580" name="Rectangle 2"/>
           <p:cNvSpPr>
             <a:spLocks noGrp="1" noChangeArrowheads="1"/>
@@ -19587,12 +20674,12 @@
           <a:graphicData uri="http://schemas.openxmlformats.org/presentationml/2006/ole">
             <mc:AlternateContent xmlns:mc="http://schemas.openxmlformats.org/markup-compatibility/2006">
               <mc:Choice xmlns:v="urn:schemas-microsoft-com:vml" Requires="v">
-                <p:oleObj spid="_x0000_s24586" name="Equation" r:id="rId4" imgW="1104840" imgH="482400" progId="Equation.DSMT4">
+                <p:oleObj spid="_x0000_s24597" name="Equation" r:id="rId5" imgW="1104840" imgH="482400" progId="Equation.DSMT4">
                   <p:embed/>
                 </p:oleObj>
               </mc:Choice>
               <mc:Fallback>
-                <p:oleObj name="Equation" r:id="rId4" imgW="1104840" imgH="482400" progId="Equation.DSMT4">
+                <p:oleObj name="Equation" r:id="rId5" imgW="1104840" imgH="482400" progId="Equation.DSMT4">
                   <p:embed/>
                   <p:pic>
                     <p:nvPicPr>
@@ -19603,7 +20690,7 @@
                       <p:nvPr/>
                     </p:nvPicPr>
                     <p:blipFill>
-                      <a:blip r:embed="rId5">
+                      <a:blip r:embed="rId6">
                         <a:extLst>
                           <a:ext uri="{28A0092B-C50C-407E-A947-70E740481C1C}">
                             <a14:useLocalDpi xmlns:a14="http://schemas.microsoft.com/office/drawing/2010/main" val="0"/>
@@ -19729,11 +20816,16 @@
         </p:txBody>
       </p:sp>
     </p:spTree>
+    <p:custDataLst>
+      <p:tags r:id="rId2"/>
+    </p:custDataLst>
   </p:cSld>
   <p:clrMapOvr>
     <a:masterClrMapping/>
   </p:clrMapOvr>
-  <p:transition xmlns:p14="http://schemas.microsoft.com/office/powerpoint/2010/main"/>
+  <p:transition xmlns:p14="http://schemas.microsoft.com/office/powerpoint/2010/main" spd="slow" advTm="34775">
+    <p:fade thruBlk="1"/>
+  </p:transition>
   <p:timing>
     <p:tnLst>
       <p:par>
@@ -19755,7 +20847,7 @@
                             </p:stCondLst>
                             <p:childTnLst>
                               <p:par>
-                                <p:cTn id="5" presetID="1" presetClass="entr" presetSubtype="0" fill="hold" nodeType="clickEffect">
+                                <p:cTn id="5" presetID="22" presetClass="entr" presetSubtype="8" fill="hold" nodeType="clickEffect">
                                   <p:stCondLst>
                                     <p:cond delay="0"/>
                                   </p:stCondLst>
@@ -19778,6 +20870,14 @@
                                         <p:strVal val="visible"/>
                                       </p:to>
                                     </p:set>
+                                    <p:animEffect transition="in" filter="wipe(left)">
+                                      <p:cBhvr>
+                                        <p:cTn id="7" dur="500"/>
+                                        <p:tgtEl>
+                                          <p:spTgt spid="157699"/>
+                                        </p:tgtEl>
+                                      </p:cBhvr>
+                                    </p:animEffect>
                                   </p:childTnLst>
                                 </p:cTn>
                               </p:par>
@@ -19788,26 +20888,26 @@
                     </p:cTn>
                   </p:par>
                   <p:par>
-                    <p:cTn id="7" fill="hold">
+                    <p:cTn id="8" fill="hold">
                       <p:stCondLst>
                         <p:cond delay="indefinite"/>
                       </p:stCondLst>
                       <p:childTnLst>
                         <p:par>
-                          <p:cTn id="8" fill="hold">
+                          <p:cTn id="9" fill="hold">
                             <p:stCondLst>
                               <p:cond delay="0"/>
                             </p:stCondLst>
                             <p:childTnLst>
                               <p:par>
-                                <p:cTn id="9" presetID="3" presetClass="entr" presetSubtype="10" fill="hold" grpId="0" nodeType="clickEffect">
+                                <p:cTn id="10" presetID="3" presetClass="entr" presetSubtype="10" fill="hold" grpId="0" nodeType="clickEffect">
                                   <p:stCondLst>
                                     <p:cond delay="0"/>
                                   </p:stCondLst>
                                   <p:childTnLst>
                                     <p:set>
                                       <p:cBhvr>
-                                        <p:cTn id="10" dur="1" fill="hold">
+                                        <p:cTn id="11" dur="1" fill="hold">
                                           <p:stCondLst>
                                             <p:cond delay="0"/>
                                           </p:stCondLst>
@@ -19825,7 +20925,7 @@
                                     </p:set>
                                     <p:animEffect transition="in" filter="blinds(horizontal)">
                                       <p:cBhvr>
-                                        <p:cTn id="11" dur="500"/>
+                                        <p:cTn id="12" dur="500"/>
                                         <p:tgtEl>
                                           <p:spTgt spid="24580"/>
                                         </p:tgtEl>
@@ -19868,7 +20968,7 @@
 </p:sld>
 </file>
 
-<file path=ppt/slides/slide31.xml><?xml version="1.0" encoding="utf-8"?>
+<file path=ppt/slides/slide32.xml><?xml version="1.0" encoding="utf-8"?>
 <p:sld xmlns:a="http://schemas.openxmlformats.org/drawingml/2006/main" xmlns:r="http://schemas.openxmlformats.org/officeDocument/2006/relationships" xmlns:p="http://schemas.openxmlformats.org/presentationml/2006/main">
   <p:cSld>
     <p:spTree>
@@ -20140,12 +21240,12 @@
           <a:graphicData uri="http://schemas.openxmlformats.org/presentationml/2006/ole">
             <mc:AlternateContent xmlns:mc="http://schemas.openxmlformats.org/markup-compatibility/2006">
               <mc:Choice xmlns:v="urn:schemas-microsoft-com:vml" Requires="v">
-                <p:oleObj spid="_x0000_s100362" name="Equation" r:id="rId4" imgW="1625400" imgH="444240" progId="Equation.DSMT4">
+                <p:oleObj spid="_x0000_s100373" name="Equation" r:id="rId5" imgW="1625400" imgH="444240" progId="Equation.DSMT4">
                   <p:embed/>
                 </p:oleObj>
               </mc:Choice>
               <mc:Fallback>
-                <p:oleObj name="Equation" r:id="rId4" imgW="1625400" imgH="444240" progId="Equation.DSMT4">
+                <p:oleObj name="Equation" r:id="rId5" imgW="1625400" imgH="444240" progId="Equation.DSMT4">
                   <p:embed/>
                   <p:pic>
                     <p:nvPicPr>
@@ -20156,7 +21256,7 @@
                       <p:nvPr/>
                     </p:nvPicPr>
                     <p:blipFill>
-                      <a:blip r:embed="rId5">
+                      <a:blip r:embed="rId6">
                         <a:extLst>
                           <a:ext uri="{28A0092B-C50C-407E-A947-70E740481C1C}">
                             <a14:useLocalDpi xmlns:a14="http://schemas.microsoft.com/office/drawing/2010/main" val="0"/>
@@ -20195,21 +21295,160 @@
         </a:graphic>
       </p:graphicFrame>
     </p:spTree>
+    <p:custDataLst>
+      <p:tags r:id="rId2"/>
+    </p:custDataLst>
   </p:cSld>
   <p:clrMapOvr>
     <a:masterClrMapping/>
   </p:clrMapOvr>
+  <mc:AlternateContent xmlns:mc="http://schemas.openxmlformats.org/markup-compatibility/2006" xmlns:p14="http://schemas.microsoft.com/office/powerpoint/2010/main">
+    <mc:Choice Requires="p14">
+      <p:transition spd="med" p14:dur="700" advTm="27227">
+        <p:fade/>
+      </p:transition>
+    </mc:Choice>
+    <mc:Fallback xmlns="">
+      <p:transition xmlns:p14="http://schemas.microsoft.com/office/powerpoint/2010/main" spd="med" advTm="27227">
+        <p:fade/>
+      </p:transition>
+    </mc:Fallback>
+  </mc:AlternateContent>
   <p:timing>
     <p:tnLst>
       <p:par>
-        <p:cTn xmlns:p14="http://schemas.microsoft.com/office/powerpoint/2010/main" id="1" dur="indefinite" restart="never" nodeType="tmRoot"/>
+        <p:cTn xmlns:p14="http://schemas.microsoft.com/office/powerpoint/2010/main" id="1" dur="indefinite" restart="never" nodeType="tmRoot">
+          <p:childTnLst>
+            <p:seq concurrent="1" nextAc="seek">
+              <p:cTn id="2" dur="indefinite" nodeType="mainSeq">
+                <p:childTnLst>
+                  <p:par>
+                    <p:cTn id="3" fill="hold">
+                      <p:stCondLst>
+                        <p:cond delay="indefinite"/>
+                      </p:stCondLst>
+                      <p:childTnLst>
+                        <p:par>
+                          <p:cTn id="4" fill="hold">
+                            <p:stCondLst>
+                              <p:cond delay="0"/>
+                            </p:stCondLst>
+                            <p:childTnLst>
+                              <p:par>
+                                <p:cTn id="5" presetID="1" presetClass="entr" presetSubtype="0" fill="hold" grpId="0" nodeType="clickEffect">
+                                  <p:stCondLst>
+                                    <p:cond delay="0"/>
+                                  </p:stCondLst>
+                                  <p:childTnLst>
+                                    <p:set>
+                                      <p:cBhvr>
+                                        <p:cTn id="6" dur="1" fill="hold">
+                                          <p:stCondLst>
+                                            <p:cond delay="0"/>
+                                          </p:stCondLst>
+                                        </p:cTn>
+                                        <p:tgtEl>
+                                          <p:spTgt spid="10"/>
+                                        </p:tgtEl>
+                                        <p:attrNameLst>
+                                          <p:attrName>style.visibility</p:attrName>
+                                        </p:attrNameLst>
+                                      </p:cBhvr>
+                                      <p:to>
+                                        <p:strVal val="visible"/>
+                                      </p:to>
+                                    </p:set>
+                                  </p:childTnLst>
+                                </p:cTn>
+                              </p:par>
+                            </p:childTnLst>
+                          </p:cTn>
+                        </p:par>
+                      </p:childTnLst>
+                    </p:cTn>
+                  </p:par>
+                  <p:par>
+                    <p:cTn id="7" fill="hold">
+                      <p:stCondLst>
+                        <p:cond delay="indefinite"/>
+                      </p:stCondLst>
+                      <p:childTnLst>
+                        <p:par>
+                          <p:cTn id="8" fill="hold">
+                            <p:stCondLst>
+                              <p:cond delay="0"/>
+                            </p:stCondLst>
+                            <p:childTnLst>
+                              <p:par>
+                                <p:cTn id="9" presetID="22" presetClass="entr" presetSubtype="8" fill="hold" nodeType="clickEffect">
+                                  <p:stCondLst>
+                                    <p:cond delay="0"/>
+                                  </p:stCondLst>
+                                  <p:childTnLst>
+                                    <p:set>
+                                      <p:cBhvr>
+                                        <p:cTn id="10" dur="1" fill="hold">
+                                          <p:stCondLst>
+                                            <p:cond delay="0"/>
+                                          </p:stCondLst>
+                                        </p:cTn>
+                                        <p:tgtEl>
+                                          <p:spTgt spid="11"/>
+                                        </p:tgtEl>
+                                        <p:attrNameLst>
+                                          <p:attrName>style.visibility</p:attrName>
+                                        </p:attrNameLst>
+                                      </p:cBhvr>
+                                      <p:to>
+                                        <p:strVal val="visible"/>
+                                      </p:to>
+                                    </p:set>
+                                    <p:animEffect transition="in" filter="wipe(left)">
+                                      <p:cBhvr>
+                                        <p:cTn id="11" dur="2000"/>
+                                        <p:tgtEl>
+                                          <p:spTgt spid="11"/>
+                                        </p:tgtEl>
+                                      </p:cBhvr>
+                                    </p:animEffect>
+                                  </p:childTnLst>
+                                </p:cTn>
+                              </p:par>
+                            </p:childTnLst>
+                          </p:cTn>
+                        </p:par>
+                      </p:childTnLst>
+                    </p:cTn>
+                  </p:par>
+                </p:childTnLst>
+              </p:cTn>
+              <p:prevCondLst>
+                <p:cond evt="onPrev" delay="0">
+                  <p:tgtEl>
+                    <p:sldTgt/>
+                  </p:tgtEl>
+                </p:cond>
+              </p:prevCondLst>
+              <p:nextCondLst>
+                <p:cond evt="onNext" delay="0">
+                  <p:tgtEl>
+                    <p:sldTgt/>
+                  </p:tgtEl>
+                </p:cond>
+              </p:nextCondLst>
+            </p:seq>
+          </p:childTnLst>
+        </p:cTn>
       </p:par>
     </p:tnLst>
+    <p:bldLst>
+      <p:bldP spid="10" grpId="0"/>
+    </p:bldLst>
   </p:timing>
 </p:sld>
 </file>
 
-<file path=ppt/slides/slide32.xml><?xml version="1.0" encoding="utf-8"?>
+<file path=ppt/slides/slide33.xml><?xml version="1.0" encoding="utf-8"?>
 <p:sld xmlns:a="http://schemas.openxmlformats.org/drawingml/2006/main" xmlns:r="http://schemas.openxmlformats.org/officeDocument/2006/relationships" xmlns:p="http://schemas.openxmlformats.org/presentationml/2006/main">
   <p:cSld>
     <p:spTree>
@@ -20290,7 +21529,7 @@
   <p:clrMapOvr>
     <a:masterClrMapping/>
   </p:clrMapOvr>
-  <p:transition xmlns:p14="http://schemas.microsoft.com/office/powerpoint/2010/main" spd="slow">
+  <p:transition xmlns:p14="http://schemas.microsoft.com/office/powerpoint/2010/main" spd="slow" advTm="11632">
     <p:fade thruBlk="1"/>
   </p:transition>
   <p:timing>
@@ -20303,7 +21542,7 @@
 </p:sld>
 </file>
 
-<file path=ppt/slides/slide33.xml><?xml version="1.0" encoding="utf-8"?>
+<file path=ppt/slides/slide34.xml><?xml version="1.0" encoding="utf-8"?>
 <p:sld xmlns:a="http://schemas.openxmlformats.org/drawingml/2006/main" xmlns:r="http://schemas.openxmlformats.org/officeDocument/2006/relationships" xmlns:p="http://schemas.openxmlformats.org/presentationml/2006/main" showMasterPhAnim="0" show="0">
   <p:cSld>
     <p:spTree>
@@ -20370,7 +21609,7 @@
           <a:graphicData uri="http://schemas.openxmlformats.org/presentationml/2006/ole">
             <mc:AlternateContent xmlns:mc="http://schemas.openxmlformats.org/markup-compatibility/2006">
               <mc:Choice xmlns:v="urn:schemas-microsoft-com:vml" Requires="v">
-                <p:oleObj spid="_x0000_s145423" name="Equation" r:id="rId4" imgW="1904760" imgH="431640" progId="Equation.DSMT4">
+                <p:oleObj spid="_x0000_s145438" name="Equation" r:id="rId4" imgW="1904760" imgH="431640" progId="Equation.DSMT4">
                   <p:embed/>
                 </p:oleObj>
               </mc:Choice>
@@ -20796,7 +22035,7 @@
           <a:graphicData uri="http://schemas.openxmlformats.org/presentationml/2006/ole">
             <mc:AlternateContent xmlns:mc="http://schemas.openxmlformats.org/markup-compatibility/2006">
               <mc:Choice xmlns:v="urn:schemas-microsoft-com:vml" Requires="v">
-                <p:oleObj spid="_x0000_s145424" name="Equation" r:id="rId6" imgW="596880" imgH="431640" progId="Equation.DSMT4">
+                <p:oleObj spid="_x0000_s145439" name="Equation" r:id="rId6" imgW="596880" imgH="431640" progId="Equation.DSMT4">
                   <p:embed/>
                 </p:oleObj>
               </mc:Choice>
@@ -21068,7 +22307,7 @@
 </p:sld>
 </file>
 
-<file path=ppt/slides/slide34.xml><?xml version="1.0" encoding="utf-8"?>
+<file path=ppt/slides/slide35.xml><?xml version="1.0" encoding="utf-8"?>
 <p:sld xmlns:a="http://schemas.openxmlformats.org/drawingml/2006/main" xmlns:r="http://schemas.openxmlformats.org/officeDocument/2006/relationships" xmlns:p="http://schemas.openxmlformats.org/presentationml/2006/main" show="0">
   <p:cSld>
     <p:spTree>
@@ -23038,7 +24277,7 @@
           <a:graphicData uri="http://schemas.openxmlformats.org/presentationml/2006/ole">
             <mc:AlternateContent xmlns:mc="http://schemas.openxmlformats.org/markup-compatibility/2006">
               <mc:Choice xmlns:v="urn:schemas-microsoft-com:vml" Requires="v">
-                <p:oleObj spid="_x0000_s147466" name="Equation" r:id="rId4" imgW="495000" imgH="431640" progId="Equation.DSMT4">
+                <p:oleObj spid="_x0000_s147475" name="Equation" r:id="rId4" imgW="495000" imgH="431640" progId="Equation.DSMT4">
                   <p:embed/>
                 </p:oleObj>
               </mc:Choice>
@@ -23321,7 +24560,7 @@
 </p:sld>
 </file>
 
-<file path=ppt/slides/slide35.xml><?xml version="1.0" encoding="utf-8"?>
+<file path=ppt/slides/slide36.xml><?xml version="1.0" encoding="utf-8"?>
 <p:sld xmlns:a="http://schemas.openxmlformats.org/drawingml/2006/main" xmlns:r="http://schemas.openxmlformats.org/officeDocument/2006/relationships" xmlns:p="http://schemas.openxmlformats.org/presentationml/2006/main" showMasterPhAnim="0" show="0">
   <p:cSld>
     <p:spTree>
@@ -23354,7 +24593,7 @@
           <a:graphicData uri="http://schemas.openxmlformats.org/presentationml/2006/ole">
             <mc:AlternateContent xmlns:mc="http://schemas.openxmlformats.org/markup-compatibility/2006">
               <mc:Choice xmlns:v="urn:schemas-microsoft-com:vml" Requires="v">
-                <p:oleObj spid="_x0000_s149524" name="Equation" r:id="rId4" imgW="1600200" imgH="965160" progId="Equation.DSMT4">
+                <p:oleObj spid="_x0000_s149545" name="Equation" r:id="rId4" imgW="1600200" imgH="965160" progId="Equation.DSMT4">
                   <p:embed/>
                 </p:oleObj>
               </mc:Choice>
@@ -23424,7 +24663,7 @@
           <a:graphicData uri="http://schemas.openxmlformats.org/presentationml/2006/ole">
             <mc:AlternateContent xmlns:mc="http://schemas.openxmlformats.org/markup-compatibility/2006">
               <mc:Choice xmlns:v="urn:schemas-microsoft-com:vml" Requires="v">
-                <p:oleObj spid="_x0000_s149525" name="Equation" r:id="rId6" imgW="2070000" imgH="888840" progId="Equation.DSMT4">
+                <p:oleObj spid="_x0000_s149546" name="Equation" r:id="rId6" imgW="2070000" imgH="888840" progId="Equation.DSMT4">
                   <p:embed/>
                 </p:oleObj>
               </mc:Choice>
@@ -23503,7 +24742,7 @@
             <a:graphicData uri="http://schemas.openxmlformats.org/presentationml/2006/ole">
               <mc:AlternateContent xmlns:mc="http://schemas.openxmlformats.org/markup-compatibility/2006">
                 <mc:Choice xmlns:v="urn:schemas-microsoft-com:vml" Requires="v">
-                  <p:oleObj spid="_x0000_s149526" name="Equation" r:id="rId8" imgW="1218960" imgH="431640" progId="Equation.DSMT4">
+                  <p:oleObj spid="_x0000_s149547" name="Equation" r:id="rId8" imgW="1218960" imgH="431640" progId="Equation.DSMT4">
                     <p:embed/>
                   </p:oleObj>
                 </mc:Choice>
@@ -23776,7 +25015,7 @@
 </p:sld>
 </file>
 
-<file path=ppt/slides/slide36.xml><?xml version="1.0" encoding="utf-8"?>
+<file path=ppt/slides/slide37.xml><?xml version="1.0" encoding="utf-8"?>
 <p:sld xmlns:a="http://schemas.openxmlformats.org/drawingml/2006/main" xmlns:r="http://schemas.openxmlformats.org/officeDocument/2006/relationships" xmlns:p="http://schemas.openxmlformats.org/presentationml/2006/main" show="0">
   <p:cSld>
     <p:spTree>
@@ -23811,7 +25050,7 @@
           <a:graphicData uri="http://schemas.openxmlformats.org/presentationml/2006/ole">
             <mc:AlternateContent xmlns:mc="http://schemas.openxmlformats.org/markup-compatibility/2006">
               <mc:Choice xmlns:v="urn:schemas-microsoft-com:vml" Requires="v">
-                <p:oleObj spid="_x0000_s151567" name="Equation" r:id="rId4" imgW="1714320" imgH="431640" progId="Equation.DSMT4">
+                <p:oleObj spid="_x0000_s151582" name="Equation" r:id="rId4" imgW="1714320" imgH="431640" progId="Equation.DSMT4">
                   <p:embed/>
                 </p:oleObj>
               </mc:Choice>
@@ -23883,7 +25122,7 @@
           <a:graphicData uri="http://schemas.openxmlformats.org/presentationml/2006/ole">
             <mc:AlternateContent xmlns:mc="http://schemas.openxmlformats.org/markup-compatibility/2006">
               <mc:Choice xmlns:v="urn:schemas-microsoft-com:vml" Requires="v">
-                <p:oleObj spid="_x0000_s151568" name="Equation" r:id="rId6" imgW="1041120" imgH="469800" progId="Equation.DSMT4">
+                <p:oleObj spid="_x0000_s151583" name="Equation" r:id="rId6" imgW="1041120" imgH="469800" progId="Equation.DSMT4">
                   <p:embed/>
                 </p:oleObj>
               </mc:Choice>
@@ -24184,7 +25423,7 @@
 </p:sld>
 </file>
 
-<file path=ppt/slides/slide37.xml><?xml version="1.0" encoding="utf-8"?>
+<file path=ppt/slides/slide38.xml><?xml version="1.0" encoding="utf-8"?>
 <p:sld xmlns:a="http://schemas.openxmlformats.org/drawingml/2006/main" xmlns:r="http://schemas.openxmlformats.org/officeDocument/2006/relationships" xmlns:p="http://schemas.openxmlformats.org/presentationml/2006/main" show="0">
   <p:cSld>
     <p:spTree>
@@ -24217,7 +25456,7 @@
           <a:graphicData uri="http://schemas.openxmlformats.org/presentationml/2006/ole">
             <mc:AlternateContent xmlns:mc="http://schemas.openxmlformats.org/markup-compatibility/2006">
               <mc:Choice xmlns:v="urn:schemas-microsoft-com:vml" Requires="v">
-                <p:oleObj spid="_x0000_s153610" name="Equation" r:id="rId4" imgW="1054100" imgH="520700" progId="Equation.DSMT4">
+                <p:oleObj spid="_x0000_s153619" name="Equation" r:id="rId4" imgW="1054100" imgH="520700" progId="Equation.DSMT4">
                   <p:embed/>
                 </p:oleObj>
               </mc:Choice>
@@ -25178,72 +26417,109 @@
       </p:sp>
       <p:sp>
         <p:nvSpPr>
-          <p:cNvPr id="57357" name="Text Box 10"/>
+          <p:cNvPr id="14" name="Date Placeholder 5"/>
           <p:cNvSpPr txBox="1">
-            <a:spLocks noChangeArrowheads="1"/>
+            <a:spLocks/>
           </p:cNvSpPr>
           <p:nvPr/>
         </p:nvSpPr>
-        <p:spPr bwMode="auto">
+        <p:spPr>
           <a:xfrm>
-            <a:off x="0" y="6580188"/>
-            <a:ext cx="3567113" cy="274637"/>
+            <a:off x="2971800" y="6553200"/>
+            <a:ext cx="3200400" cy="304800"/>
           </a:xfrm>
           <a:prstGeom prst="rect">
             <a:avLst/>
           </a:prstGeom>
-          <a:noFill/>
-          <a:ln w="9525">
-            <a:noFill/>
-            <a:miter lim="800000"/>
-            <a:headEnd/>
-            <a:tailEnd type="none" w="lg" len="lg"/>
-          </a:ln>
-        </p:spPr>
-        <p:txBody>
-          <a:bodyPr wrap="none">
-            <a:spAutoFit/>
-          </a:bodyPr>
-          <a:lstStyle/>
-          <a:p>
-            <a:r>
-              <a:rPr lang="en-US" sz="1000">
+        </p:spPr>
+        <p:txBody>
+          <a:bodyPr/>
+          <a:lstStyle/>
+          <a:p>
+            <a:pPr marL="0" marR="0" lvl="0" indent="0" algn="l" defTabSz="914400" rtl="0" eaLnBrk="1" fontAlgn="base" latinLnBrk="0" hangingPunct="1">
+              <a:lnSpc>
+                <a:spcPct val="100000"/>
+              </a:lnSpc>
+              <a:spcBef>
+                <a:spcPct val="0"/>
+              </a:spcBef>
+              <a:spcAft>
+                <a:spcPct val="0"/>
+              </a:spcAft>
+              <a:buClrTx/>
+              <a:buSzTx/>
+              <a:buFontTx/>
+              <a:buNone/>
+              <a:tabLst/>
+              <a:defRPr/>
+            </a:pPr>
+            <a:r>
+              <a:rPr kumimoji="0" lang="en-US" sz="1200" b="0" i="0" u="none" strike="noStrike" kern="1200" cap="none" spc="0" normalizeH="0" baseline="0" noProof="0" dirty="0" smtClean="0">
+                <a:ln>
+                  <a:noFill/>
+                </a:ln>
+                <a:solidFill>
+                  <a:schemeClr val="tx1"/>
+                </a:solidFill>
+                <a:effectLst/>
+                <a:uLnTx/>
+                <a:uFillTx/>
                 <a:latin typeface="Comic Sans MS" pitchFamily="66" charset="0"/>
               </a:rPr>
-              <a:t>Copyright </a:t>
-            </a:r>
-            <a:r>
-              <a:rPr lang="en-US" sz="1000" i="1">
-                <a:latin typeface="Comic Sans MS" pitchFamily="66" charset="0"/>
-              </a:rPr>
-              <a:t>©</a:t>
-            </a:r>
-            <a:r>
-              <a:rPr lang="en-US" sz="1000">
-                <a:latin typeface="Comic Sans MS" pitchFamily="66" charset="0"/>
-              </a:rPr>
-              <a:t> Albert R. Meyer, 2007</a:t>
-            </a:r>
-            <a:r>
-              <a:rPr lang="en-US" sz="1200">
-                <a:latin typeface="Comic Sans MS" pitchFamily="66" charset="0"/>
-              </a:rPr>
-              <a:t>.  </a:t>
-            </a:r>
-            <a:r>
-              <a:rPr lang="en-US" sz="1000">
-                <a:latin typeface="Comic Sans MS" pitchFamily="66" charset="0"/>
-              </a:rPr>
-              <a:t>All rights reserved.</a:t>
-            </a:r>
-          </a:p>
-        </p:txBody>
-      </p:sp>
+              <a:t>Albert R Meyer,             November 4, 2011</a:t>
+            </a:r>
+            <a:endParaRPr kumimoji="0" lang="en-US" sz="1200" b="0" i="0" u="none" strike="noStrike" kern="1200" cap="none" spc="0" normalizeH="0" baseline="0" noProof="0" dirty="0">
+              <a:ln>
+                <a:noFill/>
+              </a:ln>
+              <a:solidFill>
+                <a:schemeClr val="tx1"/>
+              </a:solidFill>
+              <a:effectLst/>
+              <a:uLnTx/>
+              <a:uFillTx/>
+              <a:latin typeface="Comic Sans MS" pitchFamily="66" charset="0"/>
+            </a:endParaRPr>
+          </a:p>
+        </p:txBody>
+      </p:sp>
+      <p:pic>
+        <p:nvPicPr>
+          <p:cNvPr id="15" name="Picture 14" descr="license.img"/>
+          <p:cNvPicPr>
+            <a:picLocks/>
+          </p:cNvPicPr>
+          <p:nvPr/>
+        </p:nvPicPr>
+        <p:blipFill>
+          <a:blip r:embed="rId3"/>
+          <a:stretch>
+            <a:fillRect/>
+          </a:stretch>
+        </p:blipFill>
+        <p:spPr>
+          <a:xfrm>
+            <a:off x="38415" y="6553200"/>
+            <a:ext cx="875985" cy="290315"/>
+          </a:xfrm>
+          <a:prstGeom prst="rect">
+            <a:avLst/>
+          </a:prstGeom>
+        </p:spPr>
+      </p:pic>
     </p:spTree>
   </p:cSld>
   <p:clrMapOvr>
     <a:masterClrMapping/>
   </p:clrMapOvr>
+  <mc:AlternateContent xmlns:mc="http://schemas.openxmlformats.org/markup-compatibility/2006" xmlns:p14="http://schemas.microsoft.com/office/powerpoint/2010/main">
+    <mc:Choice Requires="p14">
+      <p:transition spd="slow" p14:dur="2000" advTm="11870"/>
+    </mc:Choice>
+    <mc:Fallback xmlns="">
+      <p:transition xmlns:p14="http://schemas.microsoft.com/office/powerpoint/2010/main" spd="slow" advTm="11870"/>
+    </mc:Fallback>
+  </mc:AlternateContent>
   <p:timing>
     <p:tnLst>
       <p:par>
@@ -25748,73 +27024,102 @@
       </p:sp>
       <p:sp>
         <p:nvSpPr>
-          <p:cNvPr id="58381" name="Text Box 10"/>
+          <p:cNvPr id="14" name="Date Placeholder 5"/>
           <p:cNvSpPr txBox="1">
-            <a:spLocks noChangeArrowheads="1"/>
+            <a:spLocks/>
           </p:cNvSpPr>
           <p:nvPr/>
         </p:nvSpPr>
-        <p:spPr bwMode="auto">
+        <p:spPr>
           <a:xfrm>
-            <a:off x="0" y="6580188"/>
-            <a:ext cx="3567113" cy="274637"/>
+            <a:off x="2971800" y="6553200"/>
+            <a:ext cx="3200400" cy="304800"/>
           </a:xfrm>
           <a:prstGeom prst="rect">
             <a:avLst/>
           </a:prstGeom>
-          <a:noFill/>
-          <a:ln w="9525">
-            <a:noFill/>
-            <a:miter lim="800000"/>
-            <a:headEnd/>
-            <a:tailEnd type="none" w="lg" len="lg"/>
-          </a:ln>
-        </p:spPr>
-        <p:txBody>
-          <a:bodyPr wrap="none">
-            <a:spAutoFit/>
-          </a:bodyPr>
-          <a:lstStyle/>
-          <a:p>
-            <a:r>
-              <a:rPr lang="en-US" sz="1000">
+        </p:spPr>
+        <p:txBody>
+          <a:bodyPr/>
+          <a:lstStyle/>
+          <a:p>
+            <a:pPr marL="0" marR="0" lvl="0" indent="0" algn="l" defTabSz="914400" rtl="0" eaLnBrk="1" fontAlgn="base" latinLnBrk="0" hangingPunct="1">
+              <a:lnSpc>
+                <a:spcPct val="100000"/>
+              </a:lnSpc>
+              <a:spcBef>
+                <a:spcPct val="0"/>
+              </a:spcBef>
+              <a:spcAft>
+                <a:spcPct val="0"/>
+              </a:spcAft>
+              <a:buClrTx/>
+              <a:buSzTx/>
+              <a:buFontTx/>
+              <a:buNone/>
+              <a:tabLst/>
+              <a:defRPr/>
+            </a:pPr>
+            <a:r>
+              <a:rPr kumimoji="0" lang="en-US" sz="1200" b="0" i="0" u="none" strike="noStrike" kern="1200" cap="none" spc="0" normalizeH="0" baseline="0" noProof="0" dirty="0" smtClean="0">
+                <a:ln>
+                  <a:noFill/>
+                </a:ln>
+                <a:solidFill>
+                  <a:schemeClr val="tx1"/>
+                </a:solidFill>
+                <a:effectLst/>
+                <a:uLnTx/>
+                <a:uFillTx/>
                 <a:latin typeface="Comic Sans MS" pitchFamily="66" charset="0"/>
               </a:rPr>
-              <a:t>Copyright </a:t>
-            </a:r>
-            <a:r>
-              <a:rPr lang="en-US" sz="1000" i="1">
-                <a:latin typeface="Comic Sans MS" pitchFamily="66" charset="0"/>
-              </a:rPr>
-              <a:t>©</a:t>
-            </a:r>
-            <a:r>
-              <a:rPr lang="en-US" sz="1000">
-                <a:latin typeface="Comic Sans MS" pitchFamily="66" charset="0"/>
-              </a:rPr>
-              <a:t> Albert R. Meyer, 2007</a:t>
-            </a:r>
-            <a:r>
-              <a:rPr lang="en-US" sz="1200">
-                <a:latin typeface="Comic Sans MS" pitchFamily="66" charset="0"/>
-              </a:rPr>
-              <a:t>.  </a:t>
-            </a:r>
-            <a:r>
-              <a:rPr lang="en-US" sz="1000">
-                <a:latin typeface="Comic Sans MS" pitchFamily="66" charset="0"/>
-              </a:rPr>
-              <a:t>All rights reserved.</a:t>
-            </a:r>
-          </a:p>
-        </p:txBody>
-      </p:sp>
+              <a:t>Albert R Meyer,             November 4, 2011</a:t>
+            </a:r>
+            <a:endParaRPr kumimoji="0" lang="en-US" sz="1200" b="0" i="0" u="none" strike="noStrike" kern="1200" cap="none" spc="0" normalizeH="0" baseline="0" noProof="0" dirty="0">
+              <a:ln>
+                <a:noFill/>
+              </a:ln>
+              <a:solidFill>
+                <a:schemeClr val="tx1"/>
+              </a:solidFill>
+              <a:effectLst/>
+              <a:uLnTx/>
+              <a:uFillTx/>
+              <a:latin typeface="Comic Sans MS" pitchFamily="66" charset="0"/>
+            </a:endParaRPr>
+          </a:p>
+        </p:txBody>
+      </p:sp>
+      <p:pic>
+        <p:nvPicPr>
+          <p:cNvPr id="15" name="Picture 14" descr="license.img"/>
+          <p:cNvPicPr>
+            <a:picLocks/>
+          </p:cNvPicPr>
+          <p:nvPr/>
+        </p:nvPicPr>
+        <p:blipFill>
+          <a:blip r:embed="rId3"/>
+          <a:stretch>
+            <a:fillRect/>
+          </a:stretch>
+        </p:blipFill>
+        <p:spPr>
+          <a:xfrm>
+            <a:off x="38415" y="6553200"/>
+            <a:ext cx="875985" cy="290315"/>
+          </a:xfrm>
+          <a:prstGeom prst="rect">
+            <a:avLst/>
+          </a:prstGeom>
+        </p:spPr>
+      </p:pic>
     </p:spTree>
   </p:cSld>
   <p:clrMapOvr>
     <a:masterClrMapping/>
   </p:clrMapOvr>
-  <p:transition xmlns:p14="http://schemas.microsoft.com/office/powerpoint/2010/main">
+  <p:transition xmlns:p14="http://schemas.microsoft.com/office/powerpoint/2010/main" advTm="1982">
     <p:fade/>
   </p:transition>
   <p:timing>
@@ -26613,69 +27918,6 @@
           </a:p>
         </p:txBody>
       </p:sp>
-      <p:sp>
-        <p:nvSpPr>
-          <p:cNvPr id="59410" name="Text Box 10"/>
-          <p:cNvSpPr txBox="1">
-            <a:spLocks noChangeArrowheads="1"/>
-          </p:cNvSpPr>
-          <p:nvPr/>
-        </p:nvSpPr>
-        <p:spPr bwMode="auto">
-          <a:xfrm>
-            <a:off x="0" y="6580188"/>
-            <a:ext cx="3567113" cy="274637"/>
-          </a:xfrm>
-          <a:prstGeom prst="rect">
-            <a:avLst/>
-          </a:prstGeom>
-          <a:noFill/>
-          <a:ln w="9525">
-            <a:noFill/>
-            <a:miter lim="800000"/>
-            <a:headEnd/>
-            <a:tailEnd type="none" w="lg" len="lg"/>
-          </a:ln>
-        </p:spPr>
-        <p:txBody>
-          <a:bodyPr wrap="none">
-            <a:spAutoFit/>
-          </a:bodyPr>
-          <a:lstStyle/>
-          <a:p>
-            <a:r>
-              <a:rPr lang="en-US" sz="1000">
-                <a:latin typeface="Comic Sans MS" pitchFamily="66" charset="0"/>
-              </a:rPr>
-              <a:t>Copyright </a:t>
-            </a:r>
-            <a:r>
-              <a:rPr lang="en-US" sz="1000" i="1">
-                <a:latin typeface="Comic Sans MS" pitchFamily="66" charset="0"/>
-              </a:rPr>
-              <a:t>©</a:t>
-            </a:r>
-            <a:r>
-              <a:rPr lang="en-US" sz="1000">
-                <a:latin typeface="Comic Sans MS" pitchFamily="66" charset="0"/>
-              </a:rPr>
-              <a:t> Albert R. Meyer, 2007</a:t>
-            </a:r>
-            <a:r>
-              <a:rPr lang="en-US" sz="1200">
-                <a:latin typeface="Comic Sans MS" pitchFamily="66" charset="0"/>
-              </a:rPr>
-              <a:t>.  </a:t>
-            </a:r>
-            <a:r>
-              <a:rPr lang="en-US" sz="1000">
-                <a:latin typeface="Comic Sans MS" pitchFamily="66" charset="0"/>
-              </a:rPr>
-              <a:t>All rights reserved.</a:t>
-            </a:r>
-          </a:p>
-        </p:txBody>
-      </p:sp>
       <p:sp useBgFill="1">
         <p:nvSpPr>
           <p:cNvPr id="19" name="Text Box 15"/>
@@ -26763,11 +28005,111 @@
           </a:p>
         </p:txBody>
       </p:sp>
+      <p:sp>
+        <p:nvSpPr>
+          <p:cNvPr id="20" name="Date Placeholder 5"/>
+          <p:cNvSpPr txBox="1">
+            <a:spLocks/>
+          </p:cNvSpPr>
+          <p:nvPr/>
+        </p:nvSpPr>
+        <p:spPr>
+          <a:xfrm>
+            <a:off x="2971800" y="6553200"/>
+            <a:ext cx="3200400" cy="304800"/>
+          </a:xfrm>
+          <a:prstGeom prst="rect">
+            <a:avLst/>
+          </a:prstGeom>
+        </p:spPr>
+        <p:txBody>
+          <a:bodyPr/>
+          <a:lstStyle/>
+          <a:p>
+            <a:pPr marL="0" marR="0" lvl="0" indent="0" algn="l" defTabSz="914400" rtl="0" eaLnBrk="1" fontAlgn="base" latinLnBrk="0" hangingPunct="1">
+              <a:lnSpc>
+                <a:spcPct val="100000"/>
+              </a:lnSpc>
+              <a:spcBef>
+                <a:spcPct val="0"/>
+              </a:spcBef>
+              <a:spcAft>
+                <a:spcPct val="0"/>
+              </a:spcAft>
+              <a:buClrTx/>
+              <a:buSzTx/>
+              <a:buFontTx/>
+              <a:buNone/>
+              <a:tabLst/>
+              <a:defRPr/>
+            </a:pPr>
+            <a:r>
+              <a:rPr kumimoji="0" lang="en-US" sz="1200" b="0" i="0" u="none" strike="noStrike" kern="1200" cap="none" spc="0" normalizeH="0" baseline="0" noProof="0" dirty="0" smtClean="0">
+                <a:ln>
+                  <a:noFill/>
+                </a:ln>
+                <a:solidFill>
+                  <a:schemeClr val="tx1"/>
+                </a:solidFill>
+                <a:effectLst/>
+                <a:uLnTx/>
+                <a:uFillTx/>
+                <a:latin typeface="Comic Sans MS" pitchFamily="66" charset="0"/>
+              </a:rPr>
+              <a:t>Albert R Meyer,             November 4, 2011</a:t>
+            </a:r>
+            <a:endParaRPr kumimoji="0" lang="en-US" sz="1200" b="0" i="0" u="none" strike="noStrike" kern="1200" cap="none" spc="0" normalizeH="0" baseline="0" noProof="0" dirty="0">
+              <a:ln>
+                <a:noFill/>
+              </a:ln>
+              <a:solidFill>
+                <a:schemeClr val="tx1"/>
+              </a:solidFill>
+              <a:effectLst/>
+              <a:uLnTx/>
+              <a:uFillTx/>
+              <a:latin typeface="Comic Sans MS" pitchFamily="66" charset="0"/>
+            </a:endParaRPr>
+          </a:p>
+        </p:txBody>
+      </p:sp>
+      <p:pic>
+        <p:nvPicPr>
+          <p:cNvPr id="21" name="Picture 20" descr="license.img"/>
+          <p:cNvPicPr>
+            <a:picLocks/>
+          </p:cNvPicPr>
+          <p:nvPr/>
+        </p:nvPicPr>
+        <p:blipFill>
+          <a:blip r:embed="rId3"/>
+          <a:stretch>
+            <a:fillRect/>
+          </a:stretch>
+        </p:blipFill>
+        <p:spPr>
+          <a:xfrm>
+            <a:off x="38415" y="6553200"/>
+            <a:ext cx="875985" cy="290315"/>
+          </a:xfrm>
+          <a:prstGeom prst="rect">
+            <a:avLst/>
+          </a:prstGeom>
+        </p:spPr>
+      </p:pic>
     </p:spTree>
   </p:cSld>
   <p:clrMapOvr>
     <a:masterClrMapping/>
   </p:clrMapOvr>
+  <mc:AlternateContent xmlns:mc="http://schemas.openxmlformats.org/markup-compatibility/2006" xmlns:p14="http://schemas.microsoft.com/office/powerpoint/2010/main">
+    <mc:Choice Requires="p14">
+      <p:transition spd="slow" p14:dur="2000" advTm="21175"/>
+    </mc:Choice>
+    <mc:Fallback xmlns="">
+      <p:transition xmlns:p14="http://schemas.microsoft.com/office/powerpoint/2010/main" spd="slow" advTm="21175"/>
+    </mc:Fallback>
+  </mc:AlternateContent>
   <p:timing>
     <p:tnLst>
       <p:par>
@@ -27325,73 +28667,102 @@
       </p:sp>
       <p:sp>
         <p:nvSpPr>
-          <p:cNvPr id="60431" name="Text Box 10"/>
+          <p:cNvPr id="16" name="Date Placeholder 5"/>
           <p:cNvSpPr txBox="1">
-            <a:spLocks noChangeArrowheads="1"/>
+            <a:spLocks/>
           </p:cNvSpPr>
           <p:nvPr/>
         </p:nvSpPr>
-        <p:spPr bwMode="auto">
+        <p:spPr>
           <a:xfrm>
-            <a:off x="0" y="6580188"/>
-            <a:ext cx="3567113" cy="274637"/>
+            <a:off x="2971800" y="6553200"/>
+            <a:ext cx="3200400" cy="304800"/>
           </a:xfrm>
           <a:prstGeom prst="rect">
             <a:avLst/>
           </a:prstGeom>
-          <a:noFill/>
-          <a:ln w="9525">
-            <a:noFill/>
-            <a:miter lim="800000"/>
-            <a:headEnd/>
-            <a:tailEnd type="none" w="lg" len="lg"/>
-          </a:ln>
-        </p:spPr>
-        <p:txBody>
-          <a:bodyPr wrap="none">
-            <a:spAutoFit/>
-          </a:bodyPr>
-          <a:lstStyle/>
-          <a:p>
-            <a:r>
-              <a:rPr lang="en-US" sz="1000">
+        </p:spPr>
+        <p:txBody>
+          <a:bodyPr/>
+          <a:lstStyle/>
+          <a:p>
+            <a:pPr marL="0" marR="0" lvl="0" indent="0" algn="l" defTabSz="914400" rtl="0" eaLnBrk="1" fontAlgn="base" latinLnBrk="0" hangingPunct="1">
+              <a:lnSpc>
+                <a:spcPct val="100000"/>
+              </a:lnSpc>
+              <a:spcBef>
+                <a:spcPct val="0"/>
+              </a:spcBef>
+              <a:spcAft>
+                <a:spcPct val="0"/>
+              </a:spcAft>
+              <a:buClrTx/>
+              <a:buSzTx/>
+              <a:buFontTx/>
+              <a:buNone/>
+              <a:tabLst/>
+              <a:defRPr/>
+            </a:pPr>
+            <a:r>
+              <a:rPr kumimoji="0" lang="en-US" sz="1200" b="0" i="0" u="none" strike="noStrike" kern="1200" cap="none" spc="0" normalizeH="0" baseline="0" noProof="0" dirty="0" smtClean="0">
+                <a:ln>
+                  <a:noFill/>
+                </a:ln>
+                <a:solidFill>
+                  <a:schemeClr val="tx1"/>
+                </a:solidFill>
+                <a:effectLst/>
+                <a:uLnTx/>
+                <a:uFillTx/>
                 <a:latin typeface="Comic Sans MS" pitchFamily="66" charset="0"/>
               </a:rPr>
-              <a:t>Copyright </a:t>
-            </a:r>
-            <a:r>
-              <a:rPr lang="en-US" sz="1000" i="1">
-                <a:latin typeface="Comic Sans MS" pitchFamily="66" charset="0"/>
-              </a:rPr>
-              <a:t>©</a:t>
-            </a:r>
-            <a:r>
-              <a:rPr lang="en-US" sz="1000">
-                <a:latin typeface="Comic Sans MS" pitchFamily="66" charset="0"/>
-              </a:rPr>
-              <a:t> Albert R. Meyer, 2007</a:t>
-            </a:r>
-            <a:r>
-              <a:rPr lang="en-US" sz="1200">
-                <a:latin typeface="Comic Sans MS" pitchFamily="66" charset="0"/>
-              </a:rPr>
-              <a:t>.  </a:t>
-            </a:r>
-            <a:r>
-              <a:rPr lang="en-US" sz="1000">
-                <a:latin typeface="Comic Sans MS" pitchFamily="66" charset="0"/>
-              </a:rPr>
-              <a:t>All rights reserved.</a:t>
-            </a:r>
-          </a:p>
-        </p:txBody>
-      </p:sp>
+              <a:t>Albert R Meyer,             November 4, 2011</a:t>
+            </a:r>
+            <a:endParaRPr kumimoji="0" lang="en-US" sz="1200" b="0" i="0" u="none" strike="noStrike" kern="1200" cap="none" spc="0" normalizeH="0" baseline="0" noProof="0" dirty="0">
+              <a:ln>
+                <a:noFill/>
+              </a:ln>
+              <a:solidFill>
+                <a:schemeClr val="tx1"/>
+              </a:solidFill>
+              <a:effectLst/>
+              <a:uLnTx/>
+              <a:uFillTx/>
+              <a:latin typeface="Comic Sans MS" pitchFamily="66" charset="0"/>
+            </a:endParaRPr>
+          </a:p>
+        </p:txBody>
+      </p:sp>
+      <p:pic>
+        <p:nvPicPr>
+          <p:cNvPr id="17" name="Picture 16" descr="license.img"/>
+          <p:cNvPicPr>
+            <a:picLocks/>
+          </p:cNvPicPr>
+          <p:nvPr/>
+        </p:nvPicPr>
+        <p:blipFill>
+          <a:blip r:embed="rId3"/>
+          <a:stretch>
+            <a:fillRect/>
+          </a:stretch>
+        </p:blipFill>
+        <p:spPr>
+          <a:xfrm>
+            <a:off x="38415" y="6553200"/>
+            <a:ext cx="875985" cy="290315"/>
+          </a:xfrm>
+          <a:prstGeom prst="rect">
+            <a:avLst/>
+          </a:prstGeom>
+        </p:spPr>
+      </p:pic>
     </p:spTree>
   </p:cSld>
   <p:clrMapOvr>
     <a:masterClrMapping/>
   </p:clrMapOvr>
-  <p:transition xmlns:p14="http://schemas.microsoft.com/office/powerpoint/2010/main">
+  <p:transition xmlns:p14="http://schemas.microsoft.com/office/powerpoint/2010/main" advTm="32888">
     <p:fade thruBlk="1"/>
   </p:transition>
   <p:timing>
@@ -28072,72 +29443,109 @@
       </p:sp>
       <p:sp>
         <p:nvSpPr>
-          <p:cNvPr id="61459" name="Text Box 10"/>
+          <p:cNvPr id="20" name="Date Placeholder 5"/>
           <p:cNvSpPr txBox="1">
-            <a:spLocks noChangeArrowheads="1"/>
+            <a:spLocks/>
           </p:cNvSpPr>
           <p:nvPr/>
         </p:nvSpPr>
-        <p:spPr bwMode="auto">
+        <p:spPr>
           <a:xfrm>
-            <a:off x="0" y="6580188"/>
-            <a:ext cx="3567113" cy="274637"/>
+            <a:off x="2971800" y="6553200"/>
+            <a:ext cx="3200400" cy="304800"/>
           </a:xfrm>
           <a:prstGeom prst="rect">
             <a:avLst/>
           </a:prstGeom>
-          <a:noFill/>
-          <a:ln w="9525">
-            <a:noFill/>
-            <a:miter lim="800000"/>
-            <a:headEnd/>
-            <a:tailEnd type="none" w="lg" len="lg"/>
-          </a:ln>
-        </p:spPr>
-        <p:txBody>
-          <a:bodyPr wrap="none">
-            <a:spAutoFit/>
-          </a:bodyPr>
-          <a:lstStyle/>
-          <a:p>
-            <a:r>
-              <a:rPr lang="en-US" sz="1000">
+        </p:spPr>
+        <p:txBody>
+          <a:bodyPr/>
+          <a:lstStyle/>
+          <a:p>
+            <a:pPr marL="0" marR="0" lvl="0" indent="0" algn="l" defTabSz="914400" rtl="0" eaLnBrk="1" fontAlgn="base" latinLnBrk="0" hangingPunct="1">
+              <a:lnSpc>
+                <a:spcPct val="100000"/>
+              </a:lnSpc>
+              <a:spcBef>
+                <a:spcPct val="0"/>
+              </a:spcBef>
+              <a:spcAft>
+                <a:spcPct val="0"/>
+              </a:spcAft>
+              <a:buClrTx/>
+              <a:buSzTx/>
+              <a:buFontTx/>
+              <a:buNone/>
+              <a:tabLst/>
+              <a:defRPr/>
+            </a:pPr>
+            <a:r>
+              <a:rPr kumimoji="0" lang="en-US" sz="1200" b="0" i="0" u="none" strike="noStrike" kern="1200" cap="none" spc="0" normalizeH="0" baseline="0" noProof="0" dirty="0" smtClean="0">
+                <a:ln>
+                  <a:noFill/>
+                </a:ln>
+                <a:solidFill>
+                  <a:schemeClr val="tx1"/>
+                </a:solidFill>
+                <a:effectLst/>
+                <a:uLnTx/>
+                <a:uFillTx/>
                 <a:latin typeface="Comic Sans MS" pitchFamily="66" charset="0"/>
               </a:rPr>
-              <a:t>Copyright </a:t>
-            </a:r>
-            <a:r>
-              <a:rPr lang="en-US" sz="1000" i="1">
-                <a:latin typeface="Comic Sans MS" pitchFamily="66" charset="0"/>
-              </a:rPr>
-              <a:t>©</a:t>
-            </a:r>
-            <a:r>
-              <a:rPr lang="en-US" sz="1000">
-                <a:latin typeface="Comic Sans MS" pitchFamily="66" charset="0"/>
-              </a:rPr>
-              <a:t> Albert R. Meyer, 2007</a:t>
-            </a:r>
-            <a:r>
-              <a:rPr lang="en-US" sz="1200">
-                <a:latin typeface="Comic Sans MS" pitchFamily="66" charset="0"/>
-              </a:rPr>
-              <a:t>.  </a:t>
-            </a:r>
-            <a:r>
-              <a:rPr lang="en-US" sz="1000">
-                <a:latin typeface="Comic Sans MS" pitchFamily="66" charset="0"/>
-              </a:rPr>
-              <a:t>All rights reserved.</a:t>
-            </a:r>
-          </a:p>
-        </p:txBody>
-      </p:sp>
+              <a:t>Albert R Meyer,             November 4, 2011</a:t>
+            </a:r>
+            <a:endParaRPr kumimoji="0" lang="en-US" sz="1200" b="0" i="0" u="none" strike="noStrike" kern="1200" cap="none" spc="0" normalizeH="0" baseline="0" noProof="0" dirty="0">
+              <a:ln>
+                <a:noFill/>
+              </a:ln>
+              <a:solidFill>
+                <a:schemeClr val="tx1"/>
+              </a:solidFill>
+              <a:effectLst/>
+              <a:uLnTx/>
+              <a:uFillTx/>
+              <a:latin typeface="Comic Sans MS" pitchFamily="66" charset="0"/>
+            </a:endParaRPr>
+          </a:p>
+        </p:txBody>
+      </p:sp>
+      <p:pic>
+        <p:nvPicPr>
+          <p:cNvPr id="21" name="Picture 20" descr="license.img"/>
+          <p:cNvPicPr>
+            <a:picLocks/>
+          </p:cNvPicPr>
+          <p:nvPr/>
+        </p:nvPicPr>
+        <p:blipFill>
+          <a:blip r:embed="rId3"/>
+          <a:stretch>
+            <a:fillRect/>
+          </a:stretch>
+        </p:blipFill>
+        <p:spPr>
+          <a:xfrm>
+            <a:off x="38415" y="6553200"/>
+            <a:ext cx="875985" cy="290315"/>
+          </a:xfrm>
+          <a:prstGeom prst="rect">
+            <a:avLst/>
+          </a:prstGeom>
+        </p:spPr>
+      </p:pic>
     </p:spTree>
   </p:cSld>
   <p:clrMapOvr>
     <a:masterClrMapping/>
   </p:clrMapOvr>
+  <mc:AlternateContent xmlns:mc="http://schemas.openxmlformats.org/markup-compatibility/2006" xmlns:p14="http://schemas.microsoft.com/office/powerpoint/2010/main">
+    <mc:Choice Requires="p14">
+      <p:transition spd="slow" p14:dur="2000" advTm="8686"/>
+    </mc:Choice>
+    <mc:Fallback xmlns="">
+      <p:transition xmlns:p14="http://schemas.microsoft.com/office/powerpoint/2010/main" spd="slow" advTm="8686"/>
+    </mc:Fallback>
+  </mc:AlternateContent>
   <p:timing>
     <p:tnLst>
       <p:par>
@@ -28687,73 +30095,102 @@
       </p:sp>
       <p:sp>
         <p:nvSpPr>
-          <p:cNvPr id="62482" name="Text Box 10"/>
+          <p:cNvPr id="18" name="Date Placeholder 5"/>
           <p:cNvSpPr txBox="1">
-            <a:spLocks noChangeArrowheads="1"/>
+            <a:spLocks/>
           </p:cNvSpPr>
           <p:nvPr/>
         </p:nvSpPr>
-        <p:spPr bwMode="auto">
+        <p:spPr>
           <a:xfrm>
-            <a:off x="0" y="6580188"/>
-            <a:ext cx="3567113" cy="274637"/>
+            <a:off x="2971800" y="6553200"/>
+            <a:ext cx="3200400" cy="304800"/>
           </a:xfrm>
           <a:prstGeom prst="rect">
             <a:avLst/>
           </a:prstGeom>
-          <a:noFill/>
-          <a:ln w="9525">
-            <a:noFill/>
-            <a:miter lim="800000"/>
-            <a:headEnd/>
-            <a:tailEnd type="none" w="lg" len="lg"/>
-          </a:ln>
-        </p:spPr>
-        <p:txBody>
-          <a:bodyPr wrap="none">
-            <a:spAutoFit/>
-          </a:bodyPr>
-          <a:lstStyle/>
-          <a:p>
-            <a:r>
-              <a:rPr lang="en-US" sz="1000">
+        </p:spPr>
+        <p:txBody>
+          <a:bodyPr/>
+          <a:lstStyle/>
+          <a:p>
+            <a:pPr marL="0" marR="0" lvl="0" indent="0" algn="l" defTabSz="914400" rtl="0" eaLnBrk="1" fontAlgn="base" latinLnBrk="0" hangingPunct="1">
+              <a:lnSpc>
+                <a:spcPct val="100000"/>
+              </a:lnSpc>
+              <a:spcBef>
+                <a:spcPct val="0"/>
+              </a:spcBef>
+              <a:spcAft>
+                <a:spcPct val="0"/>
+              </a:spcAft>
+              <a:buClrTx/>
+              <a:buSzTx/>
+              <a:buFontTx/>
+              <a:buNone/>
+              <a:tabLst/>
+              <a:defRPr/>
+            </a:pPr>
+            <a:r>
+              <a:rPr kumimoji="0" lang="en-US" sz="1200" b="0" i="0" u="none" strike="noStrike" kern="1200" cap="none" spc="0" normalizeH="0" baseline="0" noProof="0" dirty="0" smtClean="0">
+                <a:ln>
+                  <a:noFill/>
+                </a:ln>
+                <a:solidFill>
+                  <a:schemeClr val="tx1"/>
+                </a:solidFill>
+                <a:effectLst/>
+                <a:uLnTx/>
+                <a:uFillTx/>
                 <a:latin typeface="Comic Sans MS" pitchFamily="66" charset="0"/>
               </a:rPr>
-              <a:t>Copyright </a:t>
-            </a:r>
-            <a:r>
-              <a:rPr lang="en-US" sz="1000" i="1">
-                <a:latin typeface="Comic Sans MS" pitchFamily="66" charset="0"/>
-              </a:rPr>
-              <a:t>©</a:t>
-            </a:r>
-            <a:r>
-              <a:rPr lang="en-US" sz="1000">
-                <a:latin typeface="Comic Sans MS" pitchFamily="66" charset="0"/>
-              </a:rPr>
-              <a:t> Albert R. Meyer, 2007</a:t>
-            </a:r>
-            <a:r>
-              <a:rPr lang="en-US" sz="1200">
-                <a:latin typeface="Comic Sans MS" pitchFamily="66" charset="0"/>
-              </a:rPr>
-              <a:t>.  </a:t>
-            </a:r>
-            <a:r>
-              <a:rPr lang="en-US" sz="1000">
-                <a:latin typeface="Comic Sans MS" pitchFamily="66" charset="0"/>
-              </a:rPr>
-              <a:t>All rights reserved.</a:t>
-            </a:r>
-          </a:p>
-        </p:txBody>
-      </p:sp>
+              <a:t>Albert R Meyer,             November 4, 2011</a:t>
+            </a:r>
+            <a:endParaRPr kumimoji="0" lang="en-US" sz="1200" b="0" i="0" u="none" strike="noStrike" kern="1200" cap="none" spc="0" normalizeH="0" baseline="0" noProof="0" dirty="0">
+              <a:ln>
+                <a:noFill/>
+              </a:ln>
+              <a:solidFill>
+                <a:schemeClr val="tx1"/>
+              </a:solidFill>
+              <a:effectLst/>
+              <a:uLnTx/>
+              <a:uFillTx/>
+              <a:latin typeface="Comic Sans MS" pitchFamily="66" charset="0"/>
+            </a:endParaRPr>
+          </a:p>
+        </p:txBody>
+      </p:sp>
+      <p:pic>
+        <p:nvPicPr>
+          <p:cNvPr id="19" name="Picture 18" descr="license.img"/>
+          <p:cNvPicPr>
+            <a:picLocks/>
+          </p:cNvPicPr>
+          <p:nvPr/>
+        </p:nvPicPr>
+        <p:blipFill>
+          <a:blip r:embed="rId3"/>
+          <a:stretch>
+            <a:fillRect/>
+          </a:stretch>
+        </p:blipFill>
+        <p:spPr>
+          <a:xfrm>
+            <a:off x="38415" y="6553200"/>
+            <a:ext cx="875985" cy="290315"/>
+          </a:xfrm>
+          <a:prstGeom prst="rect">
+            <a:avLst/>
+          </a:prstGeom>
+        </p:spPr>
+      </p:pic>
     </p:spTree>
   </p:cSld>
   <p:clrMapOvr>
     <a:masterClrMapping/>
   </p:clrMapOvr>
-  <p:transition xmlns:p14="http://schemas.microsoft.com/office/powerpoint/2010/main">
+  <p:transition xmlns:p14="http://schemas.microsoft.com/office/powerpoint/2010/main" advTm="15651">
     <p:fade/>
   </p:transition>
   <p:timing>
@@ -28785,6 +30222,96 @@
   <p:tag name="DEFAULTFONTSIZE" val="10"/>
   <p:tag name="DEFAULTWIDTH" val="446"/>
   <p:tag name="DEFAULTHEIGHT" val="328"/>
+</p:tagLst>
+</file>
+
+<file path=ppt/tags/tag10.xml><?xml version="1.0" encoding="utf-8"?>
+<p:tagLst xmlns:a="http://schemas.openxmlformats.org/drawingml/2006/main" xmlns:r="http://schemas.openxmlformats.org/officeDocument/2006/relationships" xmlns:p="http://schemas.openxmlformats.org/presentationml/2006/main">
+  <p:tag name="TIMING" val="|46.3|17.9|25.4"/>
+</p:tagLst>
+</file>
+
+<file path=ppt/tags/tag11.xml><?xml version="1.0" encoding="utf-8"?>
+<p:tagLst xmlns:a="http://schemas.openxmlformats.org/drawingml/2006/main" xmlns:r="http://schemas.openxmlformats.org/officeDocument/2006/relationships" xmlns:p="http://schemas.openxmlformats.org/presentationml/2006/main">
+  <p:tag name="TIMING" val="|24.8"/>
+</p:tagLst>
+</file>
+
+<file path=ppt/tags/tag12.xml><?xml version="1.0" encoding="utf-8"?>
+<p:tagLst xmlns:a="http://schemas.openxmlformats.org/drawingml/2006/main" xmlns:r="http://schemas.openxmlformats.org/officeDocument/2006/relationships" xmlns:p="http://schemas.openxmlformats.org/presentationml/2006/main">
+  <p:tag name="TIMING" val="|54.6"/>
+</p:tagLst>
+</file>
+
+<file path=ppt/tags/tag13.xml><?xml version="1.0" encoding="utf-8"?>
+<p:tagLst xmlns:a="http://schemas.openxmlformats.org/drawingml/2006/main" xmlns:r="http://schemas.openxmlformats.org/officeDocument/2006/relationships" xmlns:p="http://schemas.openxmlformats.org/presentationml/2006/main">
+  <p:tag name="TIMING" val="|29"/>
+</p:tagLst>
+</file>
+
+<file path=ppt/tags/tag14.xml><?xml version="1.0" encoding="utf-8"?>
+<p:tagLst xmlns:a="http://schemas.openxmlformats.org/drawingml/2006/main" xmlns:r="http://schemas.openxmlformats.org/officeDocument/2006/relationships" xmlns:p="http://schemas.openxmlformats.org/presentationml/2006/main">
+  <p:tag name="TIMING" val="|18.3"/>
+</p:tagLst>
+</file>
+
+<file path=ppt/tags/tag15.xml><?xml version="1.0" encoding="utf-8"?>
+<p:tagLst xmlns:a="http://schemas.openxmlformats.org/drawingml/2006/main" xmlns:r="http://schemas.openxmlformats.org/officeDocument/2006/relationships" xmlns:p="http://schemas.openxmlformats.org/presentationml/2006/main">
+  <p:tag name="TIMING" val="|14|11.5"/>
+</p:tagLst>
+</file>
+
+<file path=ppt/tags/tag16.xml><?xml version="1.0" encoding="utf-8"?>
+<p:tagLst xmlns:a="http://schemas.openxmlformats.org/drawingml/2006/main" xmlns:r="http://schemas.openxmlformats.org/officeDocument/2006/relationships" xmlns:p="http://schemas.openxmlformats.org/presentationml/2006/main">
+  <p:tag name="TIMING" val="|8.2|1.2"/>
+</p:tagLst>
+</file>
+
+<file path=ppt/tags/tag2.xml><?xml version="1.0" encoding="utf-8"?>
+<p:tagLst xmlns:a="http://schemas.openxmlformats.org/drawingml/2006/main" xmlns:r="http://schemas.openxmlformats.org/officeDocument/2006/relationships" xmlns:p="http://schemas.openxmlformats.org/presentationml/2006/main">
+  <p:tag name="TIMING" val="|14.3"/>
+</p:tagLst>
+</file>
+
+<file path=ppt/tags/tag3.xml><?xml version="1.0" encoding="utf-8"?>
+<p:tagLst xmlns:a="http://schemas.openxmlformats.org/drawingml/2006/main" xmlns:r="http://schemas.openxmlformats.org/officeDocument/2006/relationships" xmlns:p="http://schemas.openxmlformats.org/presentationml/2006/main">
+  <p:tag name="TIMING" val="|4|32.1|29.4"/>
+</p:tagLst>
+</file>
+
+<file path=ppt/tags/tag4.xml><?xml version="1.0" encoding="utf-8"?>
+<p:tagLst xmlns:a="http://schemas.openxmlformats.org/drawingml/2006/main" xmlns:r="http://schemas.openxmlformats.org/officeDocument/2006/relationships" xmlns:p="http://schemas.openxmlformats.org/presentationml/2006/main">
+  <p:tag name="TIMING" val="|40.6"/>
+</p:tagLst>
+</file>
+
+<file path=ppt/tags/tag5.xml><?xml version="1.0" encoding="utf-8"?>
+<p:tagLst xmlns:a="http://schemas.openxmlformats.org/drawingml/2006/main" xmlns:r="http://schemas.openxmlformats.org/officeDocument/2006/relationships" xmlns:p="http://schemas.openxmlformats.org/presentationml/2006/main">
+  <p:tag name="TIMING" val="|5|29.2|8.9"/>
+</p:tagLst>
+</file>
+
+<file path=ppt/tags/tag6.xml><?xml version="1.0" encoding="utf-8"?>
+<p:tagLst xmlns:a="http://schemas.openxmlformats.org/drawingml/2006/main" xmlns:r="http://schemas.openxmlformats.org/officeDocument/2006/relationships" xmlns:p="http://schemas.openxmlformats.org/presentationml/2006/main">
+  <p:tag name="TIMING" val="|11.5|2.9|9.2"/>
+</p:tagLst>
+</file>
+
+<file path=ppt/tags/tag7.xml><?xml version="1.0" encoding="utf-8"?>
+<p:tagLst xmlns:a="http://schemas.openxmlformats.org/drawingml/2006/main" xmlns:r="http://schemas.openxmlformats.org/officeDocument/2006/relationships" xmlns:p="http://schemas.openxmlformats.org/presentationml/2006/main">
+  <p:tag name="TIMING" val="|9.8|5.1"/>
+</p:tagLst>
+</file>
+
+<file path=ppt/tags/tag8.xml><?xml version="1.0" encoding="utf-8"?>
+<p:tagLst xmlns:a="http://schemas.openxmlformats.org/drawingml/2006/main" xmlns:r="http://schemas.openxmlformats.org/officeDocument/2006/relationships" xmlns:p="http://schemas.openxmlformats.org/presentationml/2006/main">
+  <p:tag name="TIMING" val="|34.7|21.1"/>
+</p:tagLst>
+</file>
+
+<file path=ppt/tags/tag9.xml><?xml version="1.0" encoding="utf-8"?>
+<p:tagLst xmlns:a="http://schemas.openxmlformats.org/drawingml/2006/main" xmlns:r="http://schemas.openxmlformats.org/officeDocument/2006/relationships" xmlns:p="http://schemas.openxmlformats.org/presentationml/2006/main">
+  <p:tag name="TIMING" val="|9.5|12.2"/>
 </p:tagLst>
 </file>
 
